--- a/Algotrading Bot Project.pptx
+++ b/Algotrading Bot Project.pptx
@@ -1,30 +1,29 @@
 
 <file path=ppt/presentation.xml><?xml version="1.0" encoding="utf-8"?>
-<p:presentation xmlns:a="http://schemas.openxmlformats.org/drawingml/2006/main" xmlns:r="http://schemas.openxmlformats.org/officeDocument/2006/relationships" xmlns:mc="http://schemas.openxmlformats.org/markup-compatibility/2006" xmlns:mv="urn:schemas-microsoft-com:mac:vml" xmlns:p="http://schemas.openxmlformats.org/presentationml/2006/main" xmlns:c="http://schemas.openxmlformats.org/drawingml/2006/chart" xmlns:dgm="http://schemas.openxmlformats.org/drawingml/2006/diagram" xmlns:o="urn:schemas-microsoft-com:office:office" xmlns:v="urn:schemas-microsoft-com:vml" xmlns:pvml="urn:schemas-microsoft-com:office:powerpoint" xmlns:com="http://schemas.openxmlformats.org/drawingml/2006/compatibility" xmlns:p14="http://schemas.microsoft.com/office/powerpoint/2010/main" xmlns:p15="http://schemas.microsoft.com/office/powerpoint/2012/main" xmlns:ahyp="http://schemas.microsoft.com/office/drawing/2018/hyperlinkcolor" autoCompressPictures="0" strictFirstAndLastChars="0" saveSubsetFonts="1">
+<p:presentation xmlns:a="http://schemas.openxmlformats.org/drawingml/2006/main" xmlns:r="http://schemas.openxmlformats.org/officeDocument/2006/relationships" xmlns:p="http://schemas.openxmlformats.org/presentationml/2006/main" strictFirstAndLastChars="0" saveSubsetFonts="1" autoCompressPictures="0">
   <p:sldMasterIdLst>
-    <p:sldMasterId id="2147483659" r:id="rId4"/>
+    <p:sldMasterId id="2147483659" r:id="rId1"/>
   </p:sldMasterIdLst>
   <p:notesMasterIdLst>
-    <p:notesMasterId r:id="rId5"/>
+    <p:notesMasterId r:id="rId13"/>
   </p:notesMasterIdLst>
   <p:sldIdLst>
-    <p:sldId id="256" r:id="rId6"/>
-    <p:sldId id="257" r:id="rId7"/>
-    <p:sldId id="258" r:id="rId8"/>
-    <p:sldId id="259" r:id="rId9"/>
-    <p:sldId id="260" r:id="rId10"/>
-    <p:sldId id="261" r:id="rId11"/>
-    <p:sldId id="262" r:id="rId12"/>
-    <p:sldId id="263" r:id="rId13"/>
-    <p:sldId id="264" r:id="rId14"/>
-    <p:sldId id="265" r:id="rId15"/>
-    <p:sldId id="266" r:id="rId16"/>
-    <p:sldId id="267" r:id="rId17"/>
+    <p:sldId id="256" r:id="rId2"/>
+    <p:sldId id="258" r:id="rId3"/>
+    <p:sldId id="259" r:id="rId4"/>
+    <p:sldId id="260" r:id="rId5"/>
+    <p:sldId id="261" r:id="rId6"/>
+    <p:sldId id="262" r:id="rId7"/>
+    <p:sldId id="263" r:id="rId8"/>
+    <p:sldId id="264" r:id="rId9"/>
+    <p:sldId id="265" r:id="rId10"/>
+    <p:sldId id="266" r:id="rId11"/>
+    <p:sldId id="267" r:id="rId12"/>
   </p:sldIdLst>
-  <p:sldSz cy="5143500" cx="9144000"/>
+  <p:sldSz cx="9144000" cy="5143500" type="screen16x9"/>
   <p:notesSz cx="6858000" cy="9144000"/>
   <p:defaultTextStyle>
-    <a:defPPr lvl="0" marR="0" rtl="0" algn="l">
+    <a:defPPr marR="0" lvl="0" algn="l" rtl="0">
       <a:lnSpc>
         <a:spcPct val="100000"/>
       </a:lnSpc>
@@ -35,7 +34,7 @@
         <a:spcPts val="0"/>
       </a:spcAft>
     </a:defPPr>
-    <a:lvl1pPr lvl="0" marR="0" rtl="0" algn="l">
+    <a:lvl1pPr marR="0" lvl="0" algn="l" rtl="0">
       <a:lnSpc>
         <a:spcPct val="100000"/>
       </a:lnSpc>
@@ -49,7 +48,7 @@
         <a:srgbClr val="000000"/>
       </a:buClr>
       <a:buFont typeface="Arial"/>
-      <a:defRPr b="0" i="0" sz="1400" u="none" cap="none" strike="noStrike">
+      <a:defRPr sz="1400" b="0" i="0" u="none" strike="noStrike" cap="none">
         <a:solidFill>
           <a:srgbClr val="000000"/>
         </a:solidFill>
@@ -59,7 +58,7 @@
         <a:sym typeface="Arial"/>
       </a:defRPr>
     </a:lvl1pPr>
-    <a:lvl2pPr lvl="1" marR="0" rtl="0" algn="l">
+    <a:lvl2pPr marR="0" lvl="1" algn="l" rtl="0">
       <a:lnSpc>
         <a:spcPct val="100000"/>
       </a:lnSpc>
@@ -73,7 +72,7 @@
         <a:srgbClr val="000000"/>
       </a:buClr>
       <a:buFont typeface="Arial"/>
-      <a:defRPr b="0" i="0" sz="1400" u="none" cap="none" strike="noStrike">
+      <a:defRPr sz="1400" b="0" i="0" u="none" strike="noStrike" cap="none">
         <a:solidFill>
           <a:srgbClr val="000000"/>
         </a:solidFill>
@@ -83,7 +82,7 @@
         <a:sym typeface="Arial"/>
       </a:defRPr>
     </a:lvl2pPr>
-    <a:lvl3pPr lvl="2" marR="0" rtl="0" algn="l">
+    <a:lvl3pPr marR="0" lvl="2" algn="l" rtl="0">
       <a:lnSpc>
         <a:spcPct val="100000"/>
       </a:lnSpc>
@@ -97,7 +96,7 @@
         <a:srgbClr val="000000"/>
       </a:buClr>
       <a:buFont typeface="Arial"/>
-      <a:defRPr b="0" i="0" sz="1400" u="none" cap="none" strike="noStrike">
+      <a:defRPr sz="1400" b="0" i="0" u="none" strike="noStrike" cap="none">
         <a:solidFill>
           <a:srgbClr val="000000"/>
         </a:solidFill>
@@ -107,7 +106,7 @@
         <a:sym typeface="Arial"/>
       </a:defRPr>
     </a:lvl3pPr>
-    <a:lvl4pPr lvl="3" marR="0" rtl="0" algn="l">
+    <a:lvl4pPr marR="0" lvl="3" algn="l" rtl="0">
       <a:lnSpc>
         <a:spcPct val="100000"/>
       </a:lnSpc>
@@ -121,7 +120,7 @@
         <a:srgbClr val="000000"/>
       </a:buClr>
       <a:buFont typeface="Arial"/>
-      <a:defRPr b="0" i="0" sz="1400" u="none" cap="none" strike="noStrike">
+      <a:defRPr sz="1400" b="0" i="0" u="none" strike="noStrike" cap="none">
         <a:solidFill>
           <a:srgbClr val="000000"/>
         </a:solidFill>
@@ -131,7 +130,7 @@
         <a:sym typeface="Arial"/>
       </a:defRPr>
     </a:lvl4pPr>
-    <a:lvl5pPr lvl="4" marR="0" rtl="0" algn="l">
+    <a:lvl5pPr marR="0" lvl="4" algn="l" rtl="0">
       <a:lnSpc>
         <a:spcPct val="100000"/>
       </a:lnSpc>
@@ -145,7 +144,7 @@
         <a:srgbClr val="000000"/>
       </a:buClr>
       <a:buFont typeface="Arial"/>
-      <a:defRPr b="0" i="0" sz="1400" u="none" cap="none" strike="noStrike">
+      <a:defRPr sz="1400" b="0" i="0" u="none" strike="noStrike" cap="none">
         <a:solidFill>
           <a:srgbClr val="000000"/>
         </a:solidFill>
@@ -155,7 +154,7 @@
         <a:sym typeface="Arial"/>
       </a:defRPr>
     </a:lvl5pPr>
-    <a:lvl6pPr lvl="5" marR="0" rtl="0" algn="l">
+    <a:lvl6pPr marR="0" lvl="5" algn="l" rtl="0">
       <a:lnSpc>
         <a:spcPct val="100000"/>
       </a:lnSpc>
@@ -169,7 +168,7 @@
         <a:srgbClr val="000000"/>
       </a:buClr>
       <a:buFont typeface="Arial"/>
-      <a:defRPr b="0" i="0" sz="1400" u="none" cap="none" strike="noStrike">
+      <a:defRPr sz="1400" b="0" i="0" u="none" strike="noStrike" cap="none">
         <a:solidFill>
           <a:srgbClr val="000000"/>
         </a:solidFill>
@@ -179,7 +178,7 @@
         <a:sym typeface="Arial"/>
       </a:defRPr>
     </a:lvl6pPr>
-    <a:lvl7pPr lvl="6" marR="0" rtl="0" algn="l">
+    <a:lvl7pPr marR="0" lvl="6" algn="l" rtl="0">
       <a:lnSpc>
         <a:spcPct val="100000"/>
       </a:lnSpc>
@@ -193,7 +192,7 @@
         <a:srgbClr val="000000"/>
       </a:buClr>
       <a:buFont typeface="Arial"/>
-      <a:defRPr b="0" i="0" sz="1400" u="none" cap="none" strike="noStrike">
+      <a:defRPr sz="1400" b="0" i="0" u="none" strike="noStrike" cap="none">
         <a:solidFill>
           <a:srgbClr val="000000"/>
         </a:solidFill>
@@ -203,7 +202,7 @@
         <a:sym typeface="Arial"/>
       </a:defRPr>
     </a:lvl7pPr>
-    <a:lvl8pPr lvl="7" marR="0" rtl="0" algn="l">
+    <a:lvl8pPr marR="0" lvl="7" algn="l" rtl="0">
       <a:lnSpc>
         <a:spcPct val="100000"/>
       </a:lnSpc>
@@ -217,7 +216,7 @@
         <a:srgbClr val="000000"/>
       </a:buClr>
       <a:buFont typeface="Arial"/>
-      <a:defRPr b="0" i="0" sz="1400" u="none" cap="none" strike="noStrike">
+      <a:defRPr sz="1400" b="0" i="0" u="none" strike="noStrike" cap="none">
         <a:solidFill>
           <a:srgbClr val="000000"/>
         </a:solidFill>
@@ -227,7 +226,7 @@
         <a:sym typeface="Arial"/>
       </a:defRPr>
     </a:lvl8pPr>
-    <a:lvl9pPr lvl="8" marR="0" rtl="0" algn="l">
+    <a:lvl9pPr marR="0" lvl="8" algn="l" rtl="0">
       <a:lnSpc>
         <a:spcPct val="100000"/>
       </a:lnSpc>
@@ -241,7 +240,7 @@
         <a:srgbClr val="000000"/>
       </a:buClr>
       <a:buFont typeface="Arial"/>
-      <a:defRPr b="0" i="0" sz="1400" u="none" cap="none" strike="noStrike">
+      <a:defRPr sz="1400" b="0" i="0" u="none" strike="noStrike" cap="none">
         <a:solidFill>
           <a:srgbClr val="000000"/>
         </a:solidFill>
@@ -254,7 +253,7 @@
   </p:defaultTextStyle>
   <p:extLst>
     <p:ext uri="{EFAFB233-063F-42B5-8137-9DF3F51BA10A}">
-      <p15:sldGuideLst>
+      <p15:sldGuideLst xmlns:p15="http://schemas.microsoft.com/office/powerpoint/2012/main">
         <p15:guide id="1" orient="horz" pos="1620">
           <p15:clr>
             <a:srgbClr val="747775"/>
@@ -272,11 +271,16 @@
 </file>
 
 <file path=ppt/notesMasters/notesMaster1.xml><?xml version="1.0" encoding="utf-8"?>
-<p:notesMaster xmlns:a="http://schemas.openxmlformats.org/drawingml/2006/main" xmlns:r="http://schemas.openxmlformats.org/officeDocument/2006/relationships" xmlns:mc="http://schemas.openxmlformats.org/markup-compatibility/2006" xmlns:mv="urn:schemas-microsoft-com:mac:vml" xmlns:p="http://schemas.openxmlformats.org/presentationml/2006/main" xmlns:c="http://schemas.openxmlformats.org/drawingml/2006/chart" xmlns:dgm="http://schemas.openxmlformats.org/drawingml/2006/diagram" xmlns:o="urn:schemas-microsoft-com:office:office" xmlns:v="urn:schemas-microsoft-com:vml" xmlns:pvml="urn:schemas-microsoft-com:office:powerpoint" xmlns:com="http://schemas.openxmlformats.org/drawingml/2006/compatibility" xmlns:p14="http://schemas.microsoft.com/office/powerpoint/2010/main" xmlns:p15="http://schemas.microsoft.com/office/powerpoint/2012/main" xmlns:ahyp="http://schemas.microsoft.com/office/drawing/2018/hyperlinkcolor">
+<p:notesMaster xmlns:a="http://schemas.openxmlformats.org/drawingml/2006/main" xmlns:r="http://schemas.openxmlformats.org/officeDocument/2006/relationships" xmlns:p="http://schemas.openxmlformats.org/presentationml/2006/main">
   <p:cSld>
+    <p:bg>
+      <p:bgRef idx="1001">
+        <a:schemeClr val="bg1"/>
+      </p:bgRef>
+    </p:bg>
     <p:spTree>
       <p:nvGrpSpPr>
-        <p:cNvPr id="2" name="Shape 2"/>
+        <p:cNvPr id="1" name="Shape 2"/>
         <p:cNvGrpSpPr/>
         <p:nvPr/>
       </p:nvGrpSpPr>
@@ -291,9 +295,11 @@
       <p:sp>
         <p:nvSpPr>
           <p:cNvPr id="3" name="Google Shape;3;n"/>
-          <p:cNvSpPr/>
+          <p:cNvSpPr>
+            <a:spLocks noGrp="1" noRot="1" noChangeAspect="1"/>
+          </p:cNvSpPr>
           <p:nvPr>
-            <p:ph idx="2" type="sldImg"/>
+            <p:ph type="sldImg" idx="2"/>
           </p:nvPr>
         </p:nvSpPr>
         <p:spPr>
@@ -302,9 +308,13 @@
             <a:ext cx="6096075" cy="3429000"/>
           </a:xfrm>
           <a:custGeom>
-            <a:rect b="b" l="l" r="r" t="t"/>
+            <a:avLst/>
+            <a:gdLst/>
+            <a:ahLst/>
+            <a:cxnLst/>
+            <a:rect l="l" t="t" r="r" b="b"/>
             <a:pathLst>
-              <a:path extrusionOk="0" h="120000" w="120000">
+              <a:path w="120000" h="120000" extrusionOk="0">
                 <a:moveTo>
                   <a:pt x="0" y="0"/>
                 </a:moveTo>
@@ -322,23 +332,25 @@
             </a:pathLst>
           </a:custGeom>
           <a:noFill/>
-          <a:ln cap="flat" cmpd="sng" w="9525">
+          <a:ln w="9525" cap="flat" cmpd="sng">
             <a:solidFill>
               <a:srgbClr val="000000"/>
             </a:solidFill>
             <a:prstDash val="solid"/>
             <a:round/>
-            <a:headEnd len="sm" w="sm" type="none"/>
-            <a:tailEnd len="sm" w="sm" type="none"/>
+            <a:headEnd type="none" w="sm" len="sm"/>
+            <a:tailEnd type="none" w="sm" len="sm"/>
           </a:ln>
         </p:spPr>
       </p:sp>
       <p:sp>
         <p:nvSpPr>
           <p:cNvPr id="4" name="Google Shape;4;n"/>
-          <p:cNvSpPr txBox="1"/>
+          <p:cNvSpPr txBox="1">
+            <a:spLocks noGrp="1"/>
+          </p:cNvSpPr>
           <p:nvPr>
-            <p:ph idx="1" type="body"/>
+            <p:ph type="body" idx="1"/>
           </p:nvPr>
         </p:nvSpPr>
         <p:spPr>
@@ -355,11 +367,11 @@
           </a:ln>
         </p:spPr>
         <p:txBody>
-          <a:bodyPr anchorCtr="0" anchor="t" bIns="91425" lIns="91425" spcFirstLastPara="1" rIns="91425" wrap="square" tIns="91425">
+          <a:bodyPr spcFirstLastPara="1" wrap="square" lIns="91425" tIns="91425" rIns="91425" bIns="91425" anchor="t" anchorCtr="0">
             <a:noAutofit/>
           </a:bodyPr>
           <a:lstStyle>
-            <a:lvl1pPr indent="-298450" lvl="0" marL="457200">
+            <a:lvl1pPr marL="457200" lvl="0" indent="-298450">
               <a:spcBef>
                 <a:spcPts val="0"/>
               </a:spcBef>
@@ -370,7 +382,7 @@
               <a:buChar char="●"/>
               <a:defRPr sz="1100"/>
             </a:lvl1pPr>
-            <a:lvl2pPr indent="-298450" lvl="1" marL="914400">
+            <a:lvl2pPr marL="914400" lvl="1" indent="-298450">
               <a:spcBef>
                 <a:spcPts val="0"/>
               </a:spcBef>
@@ -381,7 +393,7 @@
               <a:buChar char="○"/>
               <a:defRPr sz="1100"/>
             </a:lvl2pPr>
-            <a:lvl3pPr indent="-298450" lvl="2" marL="1371600">
+            <a:lvl3pPr marL="1371600" lvl="2" indent="-298450">
               <a:spcBef>
                 <a:spcPts val="0"/>
               </a:spcBef>
@@ -392,7 +404,7 @@
               <a:buChar char="■"/>
               <a:defRPr sz="1100"/>
             </a:lvl3pPr>
-            <a:lvl4pPr indent="-298450" lvl="3" marL="1828800">
+            <a:lvl4pPr marL="1828800" lvl="3" indent="-298450">
               <a:spcBef>
                 <a:spcPts val="0"/>
               </a:spcBef>
@@ -403,7 +415,7 @@
               <a:buChar char="●"/>
               <a:defRPr sz="1100"/>
             </a:lvl4pPr>
-            <a:lvl5pPr indent="-298450" lvl="4" marL="2286000">
+            <a:lvl5pPr marL="2286000" lvl="4" indent="-298450">
               <a:spcBef>
                 <a:spcPts val="0"/>
               </a:spcBef>
@@ -414,7 +426,7 @@
               <a:buChar char="○"/>
               <a:defRPr sz="1100"/>
             </a:lvl5pPr>
-            <a:lvl6pPr indent="-298450" lvl="5" marL="2743200">
+            <a:lvl6pPr marL="2743200" lvl="5" indent="-298450">
               <a:spcBef>
                 <a:spcPts val="0"/>
               </a:spcBef>
@@ -425,7 +437,7 @@
               <a:buChar char="■"/>
               <a:defRPr sz="1100"/>
             </a:lvl6pPr>
-            <a:lvl7pPr indent="-298450" lvl="6" marL="3200400">
+            <a:lvl7pPr marL="3200400" lvl="6" indent="-298450">
               <a:spcBef>
                 <a:spcPts val="0"/>
               </a:spcBef>
@@ -436,7 +448,7 @@
               <a:buChar char="●"/>
               <a:defRPr sz="1100"/>
             </a:lvl7pPr>
-            <a:lvl8pPr indent="-298450" lvl="7" marL="3657600">
+            <a:lvl8pPr marL="3657600" lvl="7" indent="-298450">
               <a:spcBef>
                 <a:spcPts val="0"/>
               </a:spcBef>
@@ -447,7 +459,7 @@
               <a:buChar char="○"/>
               <a:defRPr sz="1100"/>
             </a:lvl8pPr>
-            <a:lvl9pPr indent="-298450" lvl="8" marL="4114800">
+            <a:lvl9pPr marL="4114800" lvl="8" indent="-298450">
               <a:spcBef>
                 <a:spcPts val="0"/>
               </a:spcBef>
@@ -459,14 +471,16 @@
               <a:defRPr sz="1100"/>
             </a:lvl9pPr>
           </a:lstStyle>
-          <a:p/>
+          <a:p>
+            <a:endParaRPr/>
+          </a:p>
         </p:txBody>
       </p:sp>
     </p:spTree>
   </p:cSld>
-  <p:clrMap accent1="accent1" accent2="accent2" accent3="accent3" accent4="accent4" accent5="accent5" accent6="accent6" bg1="lt1" bg2="dk2" tx1="dk1" tx2="lt2" folHlink="folHlink" hlink="hlink"/>
+  <p:clrMap bg1="lt1" tx1="dk1" bg2="dk2" tx2="lt2" accent1="accent1" accent2="accent2" accent3="accent3" accent4="accent4" accent5="accent5" accent6="accent6" hlink="hlink" folHlink="folHlink"/>
   <p:notesStyle>
-    <a:defPPr lvl="0" marR="0" rtl="0" algn="l">
+    <a:defPPr marR="0" lvl="0" algn="l" rtl="0">
       <a:lnSpc>
         <a:spcPct val="100000"/>
       </a:lnSpc>
@@ -477,7 +491,7 @@
         <a:spcPts val="0"/>
       </a:spcAft>
     </a:defPPr>
-    <a:lvl1pPr lvl="0" marR="0" rtl="0" algn="l">
+    <a:lvl1pPr marR="0" lvl="0" algn="l" rtl="0">
       <a:lnSpc>
         <a:spcPct val="100000"/>
       </a:lnSpc>
@@ -491,7 +505,7 @@
         <a:srgbClr val="000000"/>
       </a:buClr>
       <a:buFont typeface="Arial"/>
-      <a:defRPr b="0" i="0" sz="1400" u="none" cap="none" strike="noStrike">
+      <a:defRPr sz="1400" b="0" i="0" u="none" strike="noStrike" cap="none">
         <a:solidFill>
           <a:srgbClr val="000000"/>
         </a:solidFill>
@@ -501,7 +515,7 @@
         <a:sym typeface="Arial"/>
       </a:defRPr>
     </a:lvl1pPr>
-    <a:lvl2pPr lvl="1" marR="0" rtl="0" algn="l">
+    <a:lvl2pPr marR="0" lvl="1" algn="l" rtl="0">
       <a:lnSpc>
         <a:spcPct val="100000"/>
       </a:lnSpc>
@@ -515,7 +529,7 @@
         <a:srgbClr val="000000"/>
       </a:buClr>
       <a:buFont typeface="Arial"/>
-      <a:defRPr b="0" i="0" sz="1400" u="none" cap="none" strike="noStrike">
+      <a:defRPr sz="1400" b="0" i="0" u="none" strike="noStrike" cap="none">
         <a:solidFill>
           <a:srgbClr val="000000"/>
         </a:solidFill>
@@ -525,7 +539,7 @@
         <a:sym typeface="Arial"/>
       </a:defRPr>
     </a:lvl2pPr>
-    <a:lvl3pPr lvl="2" marR="0" rtl="0" algn="l">
+    <a:lvl3pPr marR="0" lvl="2" algn="l" rtl="0">
       <a:lnSpc>
         <a:spcPct val="100000"/>
       </a:lnSpc>
@@ -539,7 +553,7 @@
         <a:srgbClr val="000000"/>
       </a:buClr>
       <a:buFont typeface="Arial"/>
-      <a:defRPr b="0" i="0" sz="1400" u="none" cap="none" strike="noStrike">
+      <a:defRPr sz="1400" b="0" i="0" u="none" strike="noStrike" cap="none">
         <a:solidFill>
           <a:srgbClr val="000000"/>
         </a:solidFill>
@@ -549,7 +563,7 @@
         <a:sym typeface="Arial"/>
       </a:defRPr>
     </a:lvl3pPr>
-    <a:lvl4pPr lvl="3" marR="0" rtl="0" algn="l">
+    <a:lvl4pPr marR="0" lvl="3" algn="l" rtl="0">
       <a:lnSpc>
         <a:spcPct val="100000"/>
       </a:lnSpc>
@@ -563,7 +577,7 @@
         <a:srgbClr val="000000"/>
       </a:buClr>
       <a:buFont typeface="Arial"/>
-      <a:defRPr b="0" i="0" sz="1400" u="none" cap="none" strike="noStrike">
+      <a:defRPr sz="1400" b="0" i="0" u="none" strike="noStrike" cap="none">
         <a:solidFill>
           <a:srgbClr val="000000"/>
         </a:solidFill>
@@ -573,7 +587,7 @@
         <a:sym typeface="Arial"/>
       </a:defRPr>
     </a:lvl4pPr>
-    <a:lvl5pPr lvl="4" marR="0" rtl="0" algn="l">
+    <a:lvl5pPr marR="0" lvl="4" algn="l" rtl="0">
       <a:lnSpc>
         <a:spcPct val="100000"/>
       </a:lnSpc>
@@ -587,7 +601,7 @@
         <a:srgbClr val="000000"/>
       </a:buClr>
       <a:buFont typeface="Arial"/>
-      <a:defRPr b="0" i="0" sz="1400" u="none" cap="none" strike="noStrike">
+      <a:defRPr sz="1400" b="0" i="0" u="none" strike="noStrike" cap="none">
         <a:solidFill>
           <a:srgbClr val="000000"/>
         </a:solidFill>
@@ -597,7 +611,7 @@
         <a:sym typeface="Arial"/>
       </a:defRPr>
     </a:lvl5pPr>
-    <a:lvl6pPr lvl="5" marR="0" rtl="0" algn="l">
+    <a:lvl6pPr marR="0" lvl="5" algn="l" rtl="0">
       <a:lnSpc>
         <a:spcPct val="100000"/>
       </a:lnSpc>
@@ -611,7 +625,7 @@
         <a:srgbClr val="000000"/>
       </a:buClr>
       <a:buFont typeface="Arial"/>
-      <a:defRPr b="0" i="0" sz="1400" u="none" cap="none" strike="noStrike">
+      <a:defRPr sz="1400" b="0" i="0" u="none" strike="noStrike" cap="none">
         <a:solidFill>
           <a:srgbClr val="000000"/>
         </a:solidFill>
@@ -621,7 +635,7 @@
         <a:sym typeface="Arial"/>
       </a:defRPr>
     </a:lvl6pPr>
-    <a:lvl7pPr lvl="6" marR="0" rtl="0" algn="l">
+    <a:lvl7pPr marR="0" lvl="6" algn="l" rtl="0">
       <a:lnSpc>
         <a:spcPct val="100000"/>
       </a:lnSpc>
@@ -635,7 +649,7 @@
         <a:srgbClr val="000000"/>
       </a:buClr>
       <a:buFont typeface="Arial"/>
-      <a:defRPr b="0" i="0" sz="1400" u="none" cap="none" strike="noStrike">
+      <a:defRPr sz="1400" b="0" i="0" u="none" strike="noStrike" cap="none">
         <a:solidFill>
           <a:srgbClr val="000000"/>
         </a:solidFill>
@@ -645,7 +659,7 @@
         <a:sym typeface="Arial"/>
       </a:defRPr>
     </a:lvl7pPr>
-    <a:lvl8pPr lvl="7" marR="0" rtl="0" algn="l">
+    <a:lvl8pPr marR="0" lvl="7" algn="l" rtl="0">
       <a:lnSpc>
         <a:spcPct val="100000"/>
       </a:lnSpc>
@@ -659,7 +673,7 @@
         <a:srgbClr val="000000"/>
       </a:buClr>
       <a:buFont typeface="Arial"/>
-      <a:defRPr b="0" i="0" sz="1400" u="none" cap="none" strike="noStrike">
+      <a:defRPr sz="1400" b="0" i="0" u="none" strike="noStrike" cap="none">
         <a:solidFill>
           <a:srgbClr val="000000"/>
         </a:solidFill>
@@ -669,7 +683,7 @@
         <a:sym typeface="Arial"/>
       </a:defRPr>
     </a:lvl8pPr>
-    <a:lvl9pPr lvl="8" marR="0" rtl="0" algn="l">
+    <a:lvl9pPr marR="0" lvl="8" algn="l" rtl="0">
       <a:lnSpc>
         <a:spcPct val="100000"/>
       </a:lnSpc>
@@ -683,7 +697,7 @@
         <a:srgbClr val="000000"/>
       </a:buClr>
       <a:buFont typeface="Arial"/>
-      <a:defRPr b="0" i="0" sz="1400" u="none" cap="none" strike="noStrike">
+      <a:defRPr sz="1400" b="0" i="0" u="none" strike="noStrike" cap="none">
         <a:solidFill>
           <a:srgbClr val="000000"/>
         </a:solidFill>
@@ -698,11 +712,11 @@
 </file>
 
 <file path=ppt/notesSlides/notesSlide1.xml><?xml version="1.0" encoding="utf-8"?>
-<p:notes xmlns:a="http://schemas.openxmlformats.org/drawingml/2006/main" xmlns:r="http://schemas.openxmlformats.org/officeDocument/2006/relationships" xmlns:mc="http://schemas.openxmlformats.org/markup-compatibility/2006" xmlns:mv="urn:schemas-microsoft-com:mac:vml" xmlns:p="http://schemas.openxmlformats.org/presentationml/2006/main" xmlns:c="http://schemas.openxmlformats.org/drawingml/2006/chart" xmlns:dgm="http://schemas.openxmlformats.org/drawingml/2006/diagram" xmlns:o="urn:schemas-microsoft-com:office:office" xmlns:v="urn:schemas-microsoft-com:vml" xmlns:pvml="urn:schemas-microsoft-com:office:powerpoint" xmlns:com="http://schemas.openxmlformats.org/drawingml/2006/compatibility" xmlns:p14="http://schemas.microsoft.com/office/powerpoint/2010/main" xmlns:p15="http://schemas.microsoft.com/office/powerpoint/2012/main" xmlns:ahyp="http://schemas.microsoft.com/office/drawing/2018/hyperlinkcolor" showMasterPhAnim="0" showMasterSp="0">
+<p:notes xmlns:a="http://schemas.openxmlformats.org/drawingml/2006/main" xmlns:r="http://schemas.openxmlformats.org/officeDocument/2006/relationships" xmlns:p="http://schemas.openxmlformats.org/presentationml/2006/main" showMasterSp="0" showMasterPhAnim="0">
   <p:cSld>
     <p:spTree>
       <p:nvGrpSpPr>
-        <p:cNvPr id="50" name="Shape 50"/>
+        <p:cNvPr id="1" name="Shape 50"/>
         <p:cNvGrpSpPr/>
         <p:nvPr/>
       </p:nvGrpSpPr>
@@ -717,9 +731,11 @@
       <p:sp>
         <p:nvSpPr>
           <p:cNvPr id="51" name="Google Shape;51;p:notes"/>
-          <p:cNvSpPr/>
+          <p:cNvSpPr>
+            <a:spLocks noGrp="1" noRot="1" noChangeAspect="1"/>
+          </p:cNvSpPr>
           <p:nvPr>
-            <p:ph idx="2" type="sldImg"/>
+            <p:ph type="sldImg" idx="2"/>
           </p:nvPr>
         </p:nvSpPr>
         <p:spPr>
@@ -728,9 +744,13 @@
             <a:ext cx="6096075" cy="3429000"/>
           </a:xfrm>
           <a:custGeom>
-            <a:rect b="b" l="l" r="r" t="t"/>
+            <a:avLst/>
+            <a:gdLst/>
+            <a:ahLst/>
+            <a:cxnLst/>
+            <a:rect l="l" t="t" r="r" b="b"/>
             <a:pathLst>
-              <a:path extrusionOk="0" h="120000" w="120000">
+              <a:path w="120000" h="120000" extrusionOk="0">
                 <a:moveTo>
                   <a:pt x="0" y="0"/>
                 </a:moveTo>
@@ -752,9 +772,11 @@
       <p:sp>
         <p:nvSpPr>
           <p:cNvPr id="52" name="Google Shape;52;p:notes"/>
-          <p:cNvSpPr txBox="1"/>
+          <p:cNvSpPr txBox="1">
+            <a:spLocks noGrp="1"/>
+          </p:cNvSpPr>
           <p:nvPr>
-            <p:ph idx="1" type="body"/>
+            <p:ph type="body" idx="1"/>
           </p:nvPr>
         </p:nvSpPr>
         <p:spPr>
@@ -767,23 +789,20 @@
           </a:prstGeom>
         </p:spPr>
         <p:txBody>
-          <a:bodyPr anchorCtr="0" anchor="t" bIns="91425" lIns="91425" spcFirstLastPara="1" rIns="91425" wrap="square" tIns="91425">
+          <a:bodyPr spcFirstLastPara="1" wrap="square" lIns="91425" tIns="91425" rIns="91425" bIns="91425" anchor="t" anchorCtr="0">
             <a:noAutofit/>
           </a:bodyPr>
           <a:lstStyle/>
           <a:p>
-            <a:pPr indent="0" lvl="0" marL="0" rtl="0" algn="l">
-              <a:spcBef>
-                <a:spcPts val="0"/>
-              </a:spcBef>
-              <a:spcAft>
-                <a:spcPts val="0"/>
-              </a:spcAft>
-              <a:buNone/>
-            </a:pPr>
-            <a:r>
-              <a:t/>
-            </a:r>
+            <a:pPr marL="0" lvl="0" indent="0" algn="l" rtl="0">
+              <a:spcBef>
+                <a:spcPts val="0"/>
+              </a:spcBef>
+              <a:spcAft>
+                <a:spcPts val="0"/>
+              </a:spcAft>
+              <a:buNone/>
+            </a:pPr>
             <a:endParaRPr/>
           </a:p>
         </p:txBody>
@@ -797,11 +816,1015 @@
 </file>
 
 <file path=ppt/notesSlides/notesSlide10.xml><?xml version="1.0" encoding="utf-8"?>
-<p:notes xmlns:a="http://schemas.openxmlformats.org/drawingml/2006/main" xmlns:r="http://schemas.openxmlformats.org/officeDocument/2006/relationships" xmlns:mc="http://schemas.openxmlformats.org/markup-compatibility/2006" xmlns:mv="urn:schemas-microsoft-com:mac:vml" xmlns:p="http://schemas.openxmlformats.org/presentationml/2006/main" xmlns:c="http://schemas.openxmlformats.org/drawingml/2006/chart" xmlns:dgm="http://schemas.openxmlformats.org/drawingml/2006/diagram" xmlns:o="urn:schemas-microsoft-com:office:office" xmlns:v="urn:schemas-microsoft-com:vml" xmlns:pvml="urn:schemas-microsoft-com:office:powerpoint" xmlns:com="http://schemas.openxmlformats.org/drawingml/2006/compatibility" xmlns:p14="http://schemas.microsoft.com/office/powerpoint/2010/main" xmlns:p15="http://schemas.microsoft.com/office/powerpoint/2012/main" xmlns:ahyp="http://schemas.microsoft.com/office/drawing/2018/hyperlinkcolor" showMasterPhAnim="0" showMasterSp="0">
+<p:notes xmlns:a="http://schemas.openxmlformats.org/drawingml/2006/main" xmlns:r="http://schemas.openxmlformats.org/officeDocument/2006/relationships" xmlns:p="http://schemas.openxmlformats.org/presentationml/2006/main" showMasterSp="0" showMasterPhAnim="0">
   <p:cSld>
     <p:spTree>
       <p:nvGrpSpPr>
-        <p:cNvPr id="106" name="Shape 106"/>
+        <p:cNvPr id="1" name="Shape 112"/>
+        <p:cNvGrpSpPr/>
+        <p:nvPr/>
+      </p:nvGrpSpPr>
+      <p:grpSpPr>
+        <a:xfrm>
+          <a:off x="0" y="0"/>
+          <a:ext cx="0" cy="0"/>
+          <a:chOff x="0" y="0"/>
+          <a:chExt cx="0" cy="0"/>
+        </a:xfrm>
+      </p:grpSpPr>
+      <p:sp>
+        <p:nvSpPr>
+          <p:cNvPr id="113" name="Google Shape;113;g228378b0da2_0_0:notes"/>
+          <p:cNvSpPr>
+            <a:spLocks noGrp="1" noRot="1" noChangeAspect="1"/>
+          </p:cNvSpPr>
+          <p:nvPr>
+            <p:ph type="sldImg" idx="2"/>
+          </p:nvPr>
+        </p:nvSpPr>
+        <p:spPr>
+          <a:xfrm>
+            <a:off x="381300" y="685800"/>
+            <a:ext cx="6096000" cy="3429000"/>
+          </a:xfrm>
+          <a:custGeom>
+            <a:avLst/>
+            <a:gdLst/>
+            <a:ahLst/>
+            <a:cxnLst/>
+            <a:rect l="l" t="t" r="r" b="b"/>
+            <a:pathLst>
+              <a:path w="120000" h="120000" extrusionOk="0">
+                <a:moveTo>
+                  <a:pt x="0" y="0"/>
+                </a:moveTo>
+                <a:lnTo>
+                  <a:pt x="120000" y="0"/>
+                </a:lnTo>
+                <a:lnTo>
+                  <a:pt x="120000" y="120000"/>
+                </a:lnTo>
+                <a:lnTo>
+                  <a:pt x="0" y="120000"/>
+                </a:lnTo>
+                <a:close/>
+              </a:path>
+            </a:pathLst>
+          </a:custGeom>
+        </p:spPr>
+      </p:sp>
+      <p:sp>
+        <p:nvSpPr>
+          <p:cNvPr id="114" name="Google Shape;114;g228378b0da2_0_0:notes"/>
+          <p:cNvSpPr txBox="1">
+            <a:spLocks noGrp="1"/>
+          </p:cNvSpPr>
+          <p:nvPr>
+            <p:ph type="body" idx="1"/>
+          </p:nvPr>
+        </p:nvSpPr>
+        <p:spPr>
+          <a:xfrm>
+            <a:off x="685800" y="4343400"/>
+            <a:ext cx="5486400" cy="4114800"/>
+          </a:xfrm>
+          <a:prstGeom prst="rect">
+            <a:avLst/>
+          </a:prstGeom>
+        </p:spPr>
+        <p:txBody>
+          <a:bodyPr spcFirstLastPara="1" wrap="square" lIns="91425" tIns="91425" rIns="91425" bIns="91425" anchor="t" anchorCtr="0">
+            <a:noAutofit/>
+          </a:bodyPr>
+          <a:lstStyle/>
+          <a:p>
+            <a:pPr marL="0" lvl="0" indent="0" algn="l" rtl="0">
+              <a:spcBef>
+                <a:spcPts val="0"/>
+              </a:spcBef>
+              <a:spcAft>
+                <a:spcPts val="0"/>
+              </a:spcAft>
+              <a:buNone/>
+            </a:pPr>
+            <a:r>
+              <a:rPr lang="en"/>
+              <a:t>Architecture tradeoff:</a:t>
+            </a:r>
+            <a:endParaRPr/>
+          </a:p>
+          <a:p>
+            <a:pPr marL="0" lvl="0" indent="0" algn="l" rtl="0">
+              <a:spcBef>
+                <a:spcPts val="0"/>
+              </a:spcBef>
+              <a:spcAft>
+                <a:spcPts val="0"/>
+              </a:spcAft>
+              <a:buNone/>
+            </a:pPr>
+            <a:r>
+              <a:rPr lang="en"/>
+              <a:t>		-decrase in latency and more efficient communication between user and application without delays</a:t>
+            </a:r>
+            <a:endParaRPr/>
+          </a:p>
+          <a:p>
+            <a:pPr marL="0" lvl="0" indent="0" algn="l" rtl="0">
+              <a:spcBef>
+                <a:spcPts val="0"/>
+              </a:spcBef>
+              <a:spcAft>
+                <a:spcPts val="0"/>
+              </a:spcAft>
+              <a:buNone/>
+            </a:pPr>
+            <a:r>
+              <a:rPr lang="en"/>
+              <a:t>		-lack of integration could be a detriment though if the user desires integration of real time data in the ml workflow</a:t>
+            </a:r>
+            <a:endParaRPr/>
+          </a:p>
+          <a:p>
+            <a:pPr marL="0" lvl="0" indent="0" algn="l" rtl="0">
+              <a:spcBef>
+                <a:spcPts val="0"/>
+              </a:spcBef>
+              <a:spcAft>
+                <a:spcPts val="0"/>
+              </a:spcAft>
+              <a:buNone/>
+            </a:pPr>
+            <a:r>
+              <a:rPr lang="en"/>
+              <a:t>	Graphs:</a:t>
+            </a:r>
+            <a:endParaRPr/>
+          </a:p>
+          <a:p>
+            <a:pPr marL="0" lvl="0" indent="0" algn="l" rtl="0">
+              <a:spcBef>
+                <a:spcPts val="0"/>
+              </a:spcBef>
+              <a:spcAft>
+                <a:spcPts val="0"/>
+              </a:spcAft>
+              <a:buNone/>
+            </a:pPr>
+            <a:r>
+              <a:rPr lang="en"/>
+              <a:t>		Here are some visual aids to demonstrate how utilizing machine learning can increase returns.</a:t>
+            </a:r>
+            <a:endParaRPr/>
+          </a:p>
+        </p:txBody>
+      </p:sp>
+    </p:spTree>
+  </p:cSld>
+  <p:clrMapOvr>
+    <a:masterClrMapping/>
+  </p:clrMapOvr>
+</p:notes>
+</file>
+
+<file path=ppt/notesSlides/notesSlide11.xml><?xml version="1.0" encoding="utf-8"?>
+<p:notes xmlns:a="http://schemas.openxmlformats.org/drawingml/2006/main" xmlns:r="http://schemas.openxmlformats.org/officeDocument/2006/relationships" xmlns:p="http://schemas.openxmlformats.org/presentationml/2006/main" showMasterSp="0" showMasterPhAnim="0">
+  <p:cSld>
+    <p:spTree>
+      <p:nvGrpSpPr>
+        <p:cNvPr id="1" name="Shape 122"/>
+        <p:cNvGrpSpPr/>
+        <p:nvPr/>
+      </p:nvGrpSpPr>
+      <p:grpSpPr>
+        <a:xfrm>
+          <a:off x="0" y="0"/>
+          <a:ext cx="0" cy="0"/>
+          <a:chOff x="0" y="0"/>
+          <a:chExt cx="0" cy="0"/>
+        </a:xfrm>
+      </p:grpSpPr>
+      <p:sp>
+        <p:nvSpPr>
+          <p:cNvPr id="123" name="Google Shape;123;g228378b0da2_0_5:notes"/>
+          <p:cNvSpPr>
+            <a:spLocks noGrp="1" noRot="1" noChangeAspect="1"/>
+          </p:cNvSpPr>
+          <p:nvPr>
+            <p:ph type="sldImg" idx="2"/>
+          </p:nvPr>
+        </p:nvSpPr>
+        <p:spPr>
+          <a:xfrm>
+            <a:off x="381300" y="685800"/>
+            <a:ext cx="6096000" cy="3429000"/>
+          </a:xfrm>
+          <a:custGeom>
+            <a:avLst/>
+            <a:gdLst/>
+            <a:ahLst/>
+            <a:cxnLst/>
+            <a:rect l="l" t="t" r="r" b="b"/>
+            <a:pathLst>
+              <a:path w="120000" h="120000" extrusionOk="0">
+                <a:moveTo>
+                  <a:pt x="0" y="0"/>
+                </a:moveTo>
+                <a:lnTo>
+                  <a:pt x="120000" y="0"/>
+                </a:lnTo>
+                <a:lnTo>
+                  <a:pt x="120000" y="120000"/>
+                </a:lnTo>
+                <a:lnTo>
+                  <a:pt x="0" y="120000"/>
+                </a:lnTo>
+                <a:close/>
+              </a:path>
+            </a:pathLst>
+          </a:custGeom>
+        </p:spPr>
+      </p:sp>
+      <p:sp>
+        <p:nvSpPr>
+          <p:cNvPr id="124" name="Google Shape;124;g228378b0da2_0_5:notes"/>
+          <p:cNvSpPr txBox="1">
+            <a:spLocks noGrp="1"/>
+          </p:cNvSpPr>
+          <p:nvPr>
+            <p:ph type="body" idx="1"/>
+          </p:nvPr>
+        </p:nvSpPr>
+        <p:spPr>
+          <a:xfrm>
+            <a:off x="685800" y="4343400"/>
+            <a:ext cx="5486400" cy="4114800"/>
+          </a:xfrm>
+          <a:prstGeom prst="rect">
+            <a:avLst/>
+          </a:prstGeom>
+        </p:spPr>
+        <p:txBody>
+          <a:bodyPr spcFirstLastPara="1" wrap="square" lIns="91425" tIns="91425" rIns="91425" bIns="91425" anchor="t" anchorCtr="0">
+            <a:noAutofit/>
+          </a:bodyPr>
+          <a:lstStyle/>
+          <a:p>
+            <a:pPr marL="0" lvl="0" indent="0" algn="l" rtl="0">
+              <a:spcBef>
+                <a:spcPts val="0"/>
+              </a:spcBef>
+              <a:spcAft>
+                <a:spcPts val="0"/>
+              </a:spcAft>
+              <a:buNone/>
+            </a:pPr>
+            <a:endParaRPr/>
+          </a:p>
+        </p:txBody>
+      </p:sp>
+    </p:spTree>
+  </p:cSld>
+  <p:clrMapOvr>
+    <a:masterClrMapping/>
+  </p:clrMapOvr>
+</p:notes>
+</file>
+
+<file path=ppt/notesSlides/notesSlide2.xml><?xml version="1.0" encoding="utf-8"?>
+<p:notes xmlns:a="http://schemas.openxmlformats.org/drawingml/2006/main" xmlns:r="http://schemas.openxmlformats.org/officeDocument/2006/relationships" xmlns:p="http://schemas.openxmlformats.org/presentationml/2006/main" showMasterSp="0" showMasterPhAnim="0">
+  <p:cSld>
+    <p:spTree>
+      <p:nvGrpSpPr>
+        <p:cNvPr id="1" name="Shape 62"/>
+        <p:cNvGrpSpPr/>
+        <p:nvPr/>
+      </p:nvGrpSpPr>
+      <p:grpSpPr>
+        <a:xfrm>
+          <a:off x="0" y="0"/>
+          <a:ext cx="0" cy="0"/>
+          <a:chOff x="0" y="0"/>
+          <a:chExt cx="0" cy="0"/>
+        </a:xfrm>
+      </p:grpSpPr>
+      <p:sp>
+        <p:nvSpPr>
+          <p:cNvPr id="63" name="Google Shape;63;g2283c2aaf74_0_0:notes"/>
+          <p:cNvSpPr>
+            <a:spLocks noGrp="1" noRot="1" noChangeAspect="1"/>
+          </p:cNvSpPr>
+          <p:nvPr>
+            <p:ph type="sldImg" idx="2"/>
+          </p:nvPr>
+        </p:nvSpPr>
+        <p:spPr>
+          <a:xfrm>
+            <a:off x="381000" y="685800"/>
+            <a:ext cx="6096000" cy="3429000"/>
+          </a:xfrm>
+          <a:custGeom>
+            <a:avLst/>
+            <a:gdLst/>
+            <a:ahLst/>
+            <a:cxnLst/>
+            <a:rect l="l" t="t" r="r" b="b"/>
+            <a:pathLst>
+              <a:path w="120000" h="120000" extrusionOk="0">
+                <a:moveTo>
+                  <a:pt x="0" y="0"/>
+                </a:moveTo>
+                <a:lnTo>
+                  <a:pt x="120000" y="0"/>
+                </a:lnTo>
+                <a:lnTo>
+                  <a:pt x="120000" y="120000"/>
+                </a:lnTo>
+                <a:lnTo>
+                  <a:pt x="0" y="120000"/>
+                </a:lnTo>
+                <a:close/>
+              </a:path>
+            </a:pathLst>
+          </a:custGeom>
+        </p:spPr>
+      </p:sp>
+      <p:sp>
+        <p:nvSpPr>
+          <p:cNvPr id="64" name="Google Shape;64;g2283c2aaf74_0_0:notes"/>
+          <p:cNvSpPr txBox="1">
+            <a:spLocks noGrp="1"/>
+          </p:cNvSpPr>
+          <p:nvPr>
+            <p:ph type="body" idx="1"/>
+          </p:nvPr>
+        </p:nvSpPr>
+        <p:spPr>
+          <a:xfrm>
+            <a:off x="685800" y="4343400"/>
+            <a:ext cx="5486400" cy="4114800"/>
+          </a:xfrm>
+          <a:prstGeom prst="rect">
+            <a:avLst/>
+          </a:prstGeom>
+        </p:spPr>
+        <p:txBody>
+          <a:bodyPr spcFirstLastPara="1" wrap="square" lIns="91425" tIns="91425" rIns="91425" bIns="91425" anchor="t" anchorCtr="0">
+            <a:noAutofit/>
+          </a:bodyPr>
+          <a:lstStyle/>
+          <a:p>
+            <a:pPr marL="0" lvl="0" indent="0" algn="l" rtl="0">
+              <a:spcBef>
+                <a:spcPts val="0"/>
+              </a:spcBef>
+              <a:spcAft>
+                <a:spcPts val="0"/>
+              </a:spcAft>
+              <a:buNone/>
+            </a:pPr>
+            <a:endParaRPr/>
+          </a:p>
+        </p:txBody>
+      </p:sp>
+    </p:spTree>
+  </p:cSld>
+  <p:clrMapOvr>
+    <a:masterClrMapping/>
+  </p:clrMapOvr>
+</p:notes>
+</file>
+
+<file path=ppt/notesSlides/notesSlide3.xml><?xml version="1.0" encoding="utf-8"?>
+<p:notes xmlns:a="http://schemas.openxmlformats.org/drawingml/2006/main" xmlns:r="http://schemas.openxmlformats.org/officeDocument/2006/relationships" xmlns:p="http://schemas.openxmlformats.org/presentationml/2006/main" showMasterSp="0" showMasterPhAnim="0">
+  <p:cSld>
+    <p:spTree>
+      <p:nvGrpSpPr>
+        <p:cNvPr id="1" name="Shape 68"/>
+        <p:cNvGrpSpPr/>
+        <p:nvPr/>
+      </p:nvGrpSpPr>
+      <p:grpSpPr>
+        <a:xfrm>
+          <a:off x="0" y="0"/>
+          <a:ext cx="0" cy="0"/>
+          <a:chOff x="0" y="0"/>
+          <a:chExt cx="0" cy="0"/>
+        </a:xfrm>
+      </p:grpSpPr>
+      <p:sp>
+        <p:nvSpPr>
+          <p:cNvPr id="69" name="Google Shape;69;g228378b0da2_1_0:notes"/>
+          <p:cNvSpPr>
+            <a:spLocks noGrp="1" noRot="1" noChangeAspect="1"/>
+          </p:cNvSpPr>
+          <p:nvPr>
+            <p:ph type="sldImg" idx="2"/>
+          </p:nvPr>
+        </p:nvSpPr>
+        <p:spPr>
+          <a:xfrm>
+            <a:off x="381000" y="685800"/>
+            <a:ext cx="6096000" cy="3429000"/>
+          </a:xfrm>
+          <a:custGeom>
+            <a:avLst/>
+            <a:gdLst/>
+            <a:ahLst/>
+            <a:cxnLst/>
+            <a:rect l="l" t="t" r="r" b="b"/>
+            <a:pathLst>
+              <a:path w="120000" h="120000" extrusionOk="0">
+                <a:moveTo>
+                  <a:pt x="0" y="0"/>
+                </a:moveTo>
+                <a:lnTo>
+                  <a:pt x="120000" y="0"/>
+                </a:lnTo>
+                <a:lnTo>
+                  <a:pt x="120000" y="120000"/>
+                </a:lnTo>
+                <a:lnTo>
+                  <a:pt x="0" y="120000"/>
+                </a:lnTo>
+                <a:close/>
+              </a:path>
+            </a:pathLst>
+          </a:custGeom>
+        </p:spPr>
+      </p:sp>
+      <p:sp>
+        <p:nvSpPr>
+          <p:cNvPr id="70" name="Google Shape;70;g228378b0da2_1_0:notes"/>
+          <p:cNvSpPr txBox="1">
+            <a:spLocks noGrp="1"/>
+          </p:cNvSpPr>
+          <p:nvPr>
+            <p:ph type="body" idx="1"/>
+          </p:nvPr>
+        </p:nvSpPr>
+        <p:spPr>
+          <a:xfrm>
+            <a:off x="685800" y="4343400"/>
+            <a:ext cx="5486400" cy="4114800"/>
+          </a:xfrm>
+          <a:prstGeom prst="rect">
+            <a:avLst/>
+          </a:prstGeom>
+        </p:spPr>
+        <p:txBody>
+          <a:bodyPr spcFirstLastPara="1" wrap="square" lIns="91425" tIns="91425" rIns="91425" bIns="91425" anchor="t" anchorCtr="0">
+            <a:noAutofit/>
+          </a:bodyPr>
+          <a:lstStyle/>
+          <a:p>
+            <a:pPr marL="0" lvl="0" indent="0" algn="l" rtl="0">
+              <a:spcBef>
+                <a:spcPts val="0"/>
+              </a:spcBef>
+              <a:spcAft>
+                <a:spcPts val="0"/>
+              </a:spcAft>
+              <a:buNone/>
+            </a:pPr>
+            <a:endParaRPr/>
+          </a:p>
+        </p:txBody>
+      </p:sp>
+    </p:spTree>
+  </p:cSld>
+  <p:clrMapOvr>
+    <a:masterClrMapping/>
+  </p:clrMapOvr>
+</p:notes>
+</file>
+
+<file path=ppt/notesSlides/notesSlide4.xml><?xml version="1.0" encoding="utf-8"?>
+<p:notes xmlns:a="http://schemas.openxmlformats.org/drawingml/2006/main" xmlns:r="http://schemas.openxmlformats.org/officeDocument/2006/relationships" xmlns:p="http://schemas.openxmlformats.org/presentationml/2006/main" showMasterSp="0" showMasterPhAnim="0">
+  <p:cSld>
+    <p:spTree>
+      <p:nvGrpSpPr>
+        <p:cNvPr id="1" name="Shape 74"/>
+        <p:cNvGrpSpPr/>
+        <p:nvPr/>
+      </p:nvGrpSpPr>
+      <p:grpSpPr>
+        <a:xfrm>
+          <a:off x="0" y="0"/>
+          <a:ext cx="0" cy="0"/>
+          <a:chOff x="0" y="0"/>
+          <a:chExt cx="0" cy="0"/>
+        </a:xfrm>
+      </p:grpSpPr>
+      <p:sp>
+        <p:nvSpPr>
+          <p:cNvPr id="75" name="Google Shape;75;g228378b0da2_1_5:notes"/>
+          <p:cNvSpPr>
+            <a:spLocks noGrp="1" noRot="1" noChangeAspect="1"/>
+          </p:cNvSpPr>
+          <p:nvPr>
+            <p:ph type="sldImg" idx="2"/>
+          </p:nvPr>
+        </p:nvSpPr>
+        <p:spPr>
+          <a:xfrm>
+            <a:off x="381300" y="685800"/>
+            <a:ext cx="6096000" cy="3429000"/>
+          </a:xfrm>
+          <a:custGeom>
+            <a:avLst/>
+            <a:gdLst/>
+            <a:ahLst/>
+            <a:cxnLst/>
+            <a:rect l="l" t="t" r="r" b="b"/>
+            <a:pathLst>
+              <a:path w="120000" h="120000" extrusionOk="0">
+                <a:moveTo>
+                  <a:pt x="0" y="0"/>
+                </a:moveTo>
+                <a:lnTo>
+                  <a:pt x="120000" y="0"/>
+                </a:lnTo>
+                <a:lnTo>
+                  <a:pt x="120000" y="120000"/>
+                </a:lnTo>
+                <a:lnTo>
+                  <a:pt x="0" y="120000"/>
+                </a:lnTo>
+                <a:close/>
+              </a:path>
+            </a:pathLst>
+          </a:custGeom>
+        </p:spPr>
+      </p:sp>
+      <p:sp>
+        <p:nvSpPr>
+          <p:cNvPr id="76" name="Google Shape;76;g228378b0da2_1_5:notes"/>
+          <p:cNvSpPr txBox="1">
+            <a:spLocks noGrp="1"/>
+          </p:cNvSpPr>
+          <p:nvPr>
+            <p:ph type="body" idx="1"/>
+          </p:nvPr>
+        </p:nvSpPr>
+        <p:spPr>
+          <a:xfrm>
+            <a:off x="685800" y="4343400"/>
+            <a:ext cx="5486400" cy="4114800"/>
+          </a:xfrm>
+          <a:prstGeom prst="rect">
+            <a:avLst/>
+          </a:prstGeom>
+        </p:spPr>
+        <p:txBody>
+          <a:bodyPr spcFirstLastPara="1" wrap="square" lIns="91425" tIns="91425" rIns="91425" bIns="91425" anchor="t" anchorCtr="0">
+            <a:noAutofit/>
+          </a:bodyPr>
+          <a:lstStyle/>
+          <a:p>
+            <a:pPr marL="0" lvl="0" indent="0" algn="l" rtl="0">
+              <a:spcBef>
+                <a:spcPts val="0"/>
+              </a:spcBef>
+              <a:spcAft>
+                <a:spcPts val="0"/>
+              </a:spcAft>
+              <a:buNone/>
+            </a:pPr>
+            <a:endParaRPr/>
+          </a:p>
+        </p:txBody>
+      </p:sp>
+    </p:spTree>
+  </p:cSld>
+  <p:clrMapOvr>
+    <a:masterClrMapping/>
+  </p:clrMapOvr>
+</p:notes>
+</file>
+
+<file path=ppt/notesSlides/notesSlide5.xml><?xml version="1.0" encoding="utf-8"?>
+<p:notes xmlns:a="http://schemas.openxmlformats.org/drawingml/2006/main" xmlns:r="http://schemas.openxmlformats.org/officeDocument/2006/relationships" xmlns:p="http://schemas.openxmlformats.org/presentationml/2006/main" showMasterSp="0" showMasterPhAnim="0">
+  <p:cSld>
+    <p:spTree>
+      <p:nvGrpSpPr>
+        <p:cNvPr id="1" name="Shape 80"/>
+        <p:cNvGrpSpPr/>
+        <p:nvPr/>
+      </p:nvGrpSpPr>
+      <p:grpSpPr>
+        <a:xfrm>
+          <a:off x="0" y="0"/>
+          <a:ext cx="0" cy="0"/>
+          <a:chOff x="0" y="0"/>
+          <a:chExt cx="0" cy="0"/>
+        </a:xfrm>
+      </p:grpSpPr>
+      <p:sp>
+        <p:nvSpPr>
+          <p:cNvPr id="81" name="Google Shape;81;g22858182f59_0_0:notes"/>
+          <p:cNvSpPr>
+            <a:spLocks noGrp="1" noRot="1" noChangeAspect="1"/>
+          </p:cNvSpPr>
+          <p:nvPr>
+            <p:ph type="sldImg" idx="2"/>
+          </p:nvPr>
+        </p:nvSpPr>
+        <p:spPr>
+          <a:xfrm>
+            <a:off x="381300" y="685800"/>
+            <a:ext cx="6096000" cy="3429000"/>
+          </a:xfrm>
+          <a:custGeom>
+            <a:avLst/>
+            <a:gdLst/>
+            <a:ahLst/>
+            <a:cxnLst/>
+            <a:rect l="l" t="t" r="r" b="b"/>
+            <a:pathLst>
+              <a:path w="120000" h="120000" extrusionOk="0">
+                <a:moveTo>
+                  <a:pt x="0" y="0"/>
+                </a:moveTo>
+                <a:lnTo>
+                  <a:pt x="120000" y="0"/>
+                </a:lnTo>
+                <a:lnTo>
+                  <a:pt x="120000" y="120000"/>
+                </a:lnTo>
+                <a:lnTo>
+                  <a:pt x="0" y="120000"/>
+                </a:lnTo>
+                <a:close/>
+              </a:path>
+            </a:pathLst>
+          </a:custGeom>
+        </p:spPr>
+      </p:sp>
+      <p:sp>
+        <p:nvSpPr>
+          <p:cNvPr id="82" name="Google Shape;82;g22858182f59_0_0:notes"/>
+          <p:cNvSpPr txBox="1">
+            <a:spLocks noGrp="1"/>
+          </p:cNvSpPr>
+          <p:nvPr>
+            <p:ph type="body" idx="1"/>
+          </p:nvPr>
+        </p:nvSpPr>
+        <p:spPr>
+          <a:xfrm>
+            <a:off x="685800" y="4343400"/>
+            <a:ext cx="5486400" cy="4114800"/>
+          </a:xfrm>
+          <a:prstGeom prst="rect">
+            <a:avLst/>
+          </a:prstGeom>
+        </p:spPr>
+        <p:txBody>
+          <a:bodyPr spcFirstLastPara="1" wrap="square" lIns="91425" tIns="91425" rIns="91425" bIns="91425" anchor="t" anchorCtr="0">
+            <a:noAutofit/>
+          </a:bodyPr>
+          <a:lstStyle/>
+          <a:p>
+            <a:pPr marL="0" lvl="0" indent="0" algn="l" rtl="0">
+              <a:spcBef>
+                <a:spcPts val="0"/>
+              </a:spcBef>
+              <a:spcAft>
+                <a:spcPts val="0"/>
+              </a:spcAft>
+              <a:buNone/>
+            </a:pPr>
+            <a:endParaRPr/>
+          </a:p>
+        </p:txBody>
+      </p:sp>
+    </p:spTree>
+  </p:cSld>
+  <p:clrMapOvr>
+    <a:masterClrMapping/>
+  </p:clrMapOvr>
+</p:notes>
+</file>
+
+<file path=ppt/notesSlides/notesSlide6.xml><?xml version="1.0" encoding="utf-8"?>
+<p:notes xmlns:a="http://schemas.openxmlformats.org/drawingml/2006/main" xmlns:r="http://schemas.openxmlformats.org/officeDocument/2006/relationships" xmlns:p="http://schemas.openxmlformats.org/presentationml/2006/main" showMasterSp="0" showMasterPhAnim="0">
+  <p:cSld>
+    <p:spTree>
+      <p:nvGrpSpPr>
+        <p:cNvPr id="1" name="Shape 88"/>
+        <p:cNvGrpSpPr/>
+        <p:nvPr/>
+      </p:nvGrpSpPr>
+      <p:grpSpPr>
+        <a:xfrm>
+          <a:off x="0" y="0"/>
+          <a:ext cx="0" cy="0"/>
+          <a:chOff x="0" y="0"/>
+          <a:chExt cx="0" cy="0"/>
+        </a:xfrm>
+      </p:grpSpPr>
+      <p:sp>
+        <p:nvSpPr>
+          <p:cNvPr id="89" name="Google Shape;89;g22858182f59_0_8:notes"/>
+          <p:cNvSpPr>
+            <a:spLocks noGrp="1" noRot="1" noChangeAspect="1"/>
+          </p:cNvSpPr>
+          <p:nvPr>
+            <p:ph type="sldImg" idx="2"/>
+          </p:nvPr>
+        </p:nvSpPr>
+        <p:spPr>
+          <a:xfrm>
+            <a:off x="381300" y="685800"/>
+            <a:ext cx="6096000" cy="3429000"/>
+          </a:xfrm>
+          <a:custGeom>
+            <a:avLst/>
+            <a:gdLst/>
+            <a:ahLst/>
+            <a:cxnLst/>
+            <a:rect l="l" t="t" r="r" b="b"/>
+            <a:pathLst>
+              <a:path w="120000" h="120000" extrusionOk="0">
+                <a:moveTo>
+                  <a:pt x="0" y="0"/>
+                </a:moveTo>
+                <a:lnTo>
+                  <a:pt x="120000" y="0"/>
+                </a:lnTo>
+                <a:lnTo>
+                  <a:pt x="120000" y="120000"/>
+                </a:lnTo>
+                <a:lnTo>
+                  <a:pt x="0" y="120000"/>
+                </a:lnTo>
+                <a:close/>
+              </a:path>
+            </a:pathLst>
+          </a:custGeom>
+        </p:spPr>
+      </p:sp>
+      <p:sp>
+        <p:nvSpPr>
+          <p:cNvPr id="90" name="Google Shape;90;g22858182f59_0_8:notes"/>
+          <p:cNvSpPr txBox="1">
+            <a:spLocks noGrp="1"/>
+          </p:cNvSpPr>
+          <p:nvPr>
+            <p:ph type="body" idx="1"/>
+          </p:nvPr>
+        </p:nvSpPr>
+        <p:spPr>
+          <a:xfrm>
+            <a:off x="685800" y="4343400"/>
+            <a:ext cx="5486400" cy="4114800"/>
+          </a:xfrm>
+          <a:prstGeom prst="rect">
+            <a:avLst/>
+          </a:prstGeom>
+        </p:spPr>
+        <p:txBody>
+          <a:bodyPr spcFirstLastPara="1" wrap="square" lIns="91425" tIns="91425" rIns="91425" bIns="91425" anchor="t" anchorCtr="0">
+            <a:noAutofit/>
+          </a:bodyPr>
+          <a:lstStyle/>
+          <a:p>
+            <a:pPr marL="0" lvl="0" indent="0" algn="l" rtl="0">
+              <a:spcBef>
+                <a:spcPts val="0"/>
+              </a:spcBef>
+              <a:spcAft>
+                <a:spcPts val="0"/>
+              </a:spcAft>
+              <a:buNone/>
+            </a:pPr>
+            <a:endParaRPr/>
+          </a:p>
+        </p:txBody>
+      </p:sp>
+    </p:spTree>
+  </p:cSld>
+  <p:clrMapOvr>
+    <a:masterClrMapping/>
+  </p:clrMapOvr>
+</p:notes>
+</file>
+
+<file path=ppt/notesSlides/notesSlide7.xml><?xml version="1.0" encoding="utf-8"?>
+<p:notes xmlns:a="http://schemas.openxmlformats.org/drawingml/2006/main" xmlns:r="http://schemas.openxmlformats.org/officeDocument/2006/relationships" xmlns:p="http://schemas.openxmlformats.org/presentationml/2006/main" showMasterSp="0" showMasterPhAnim="0">
+  <p:cSld>
+    <p:spTree>
+      <p:nvGrpSpPr>
+        <p:cNvPr id="1" name="Shape 94"/>
+        <p:cNvGrpSpPr/>
+        <p:nvPr/>
+      </p:nvGrpSpPr>
+      <p:grpSpPr>
+        <a:xfrm>
+          <a:off x="0" y="0"/>
+          <a:ext cx="0" cy="0"/>
+          <a:chOff x="0" y="0"/>
+          <a:chExt cx="0" cy="0"/>
+        </a:xfrm>
+      </p:grpSpPr>
+      <p:sp>
+        <p:nvSpPr>
+          <p:cNvPr id="95" name="Google Shape;95;g22858182f59_0_15:notes"/>
+          <p:cNvSpPr>
+            <a:spLocks noGrp="1" noRot="1" noChangeAspect="1"/>
+          </p:cNvSpPr>
+          <p:nvPr>
+            <p:ph type="sldImg" idx="2"/>
+          </p:nvPr>
+        </p:nvSpPr>
+        <p:spPr>
+          <a:xfrm>
+            <a:off x="381300" y="685800"/>
+            <a:ext cx="6096000" cy="3429000"/>
+          </a:xfrm>
+          <a:custGeom>
+            <a:avLst/>
+            <a:gdLst/>
+            <a:ahLst/>
+            <a:cxnLst/>
+            <a:rect l="l" t="t" r="r" b="b"/>
+            <a:pathLst>
+              <a:path w="120000" h="120000" extrusionOk="0">
+                <a:moveTo>
+                  <a:pt x="0" y="0"/>
+                </a:moveTo>
+                <a:lnTo>
+                  <a:pt x="120000" y="0"/>
+                </a:lnTo>
+                <a:lnTo>
+                  <a:pt x="120000" y="120000"/>
+                </a:lnTo>
+                <a:lnTo>
+                  <a:pt x="0" y="120000"/>
+                </a:lnTo>
+                <a:close/>
+              </a:path>
+            </a:pathLst>
+          </a:custGeom>
+        </p:spPr>
+      </p:sp>
+      <p:sp>
+        <p:nvSpPr>
+          <p:cNvPr id="96" name="Google Shape;96;g22858182f59_0_15:notes"/>
+          <p:cNvSpPr txBox="1">
+            <a:spLocks noGrp="1"/>
+          </p:cNvSpPr>
+          <p:nvPr>
+            <p:ph type="body" idx="1"/>
+          </p:nvPr>
+        </p:nvSpPr>
+        <p:spPr>
+          <a:xfrm>
+            <a:off x="685800" y="4343400"/>
+            <a:ext cx="5486400" cy="4114800"/>
+          </a:xfrm>
+          <a:prstGeom prst="rect">
+            <a:avLst/>
+          </a:prstGeom>
+        </p:spPr>
+        <p:txBody>
+          <a:bodyPr spcFirstLastPara="1" wrap="square" lIns="91425" tIns="91425" rIns="91425" bIns="91425" anchor="t" anchorCtr="0">
+            <a:noAutofit/>
+          </a:bodyPr>
+          <a:lstStyle/>
+          <a:p>
+            <a:pPr marL="0" lvl="0" indent="0" algn="l" rtl="0">
+              <a:spcBef>
+                <a:spcPts val="0"/>
+              </a:spcBef>
+              <a:spcAft>
+                <a:spcPts val="0"/>
+              </a:spcAft>
+              <a:buNone/>
+            </a:pPr>
+            <a:endParaRPr/>
+          </a:p>
+        </p:txBody>
+      </p:sp>
+    </p:spTree>
+  </p:cSld>
+  <p:clrMapOvr>
+    <a:masterClrMapping/>
+  </p:clrMapOvr>
+</p:notes>
+</file>
+
+<file path=ppt/notesSlides/notesSlide8.xml><?xml version="1.0" encoding="utf-8"?>
+<p:notes xmlns:a="http://schemas.openxmlformats.org/drawingml/2006/main" xmlns:r="http://schemas.openxmlformats.org/officeDocument/2006/relationships" xmlns:p="http://schemas.openxmlformats.org/presentationml/2006/main" showMasterSp="0" showMasterPhAnim="0">
+  <p:cSld>
+    <p:spTree>
+      <p:nvGrpSpPr>
+        <p:cNvPr id="1" name="Shape 100"/>
+        <p:cNvGrpSpPr/>
+        <p:nvPr/>
+      </p:nvGrpSpPr>
+      <p:grpSpPr>
+        <a:xfrm>
+          <a:off x="0" y="0"/>
+          <a:ext cx="0" cy="0"/>
+          <a:chOff x="0" y="0"/>
+          <a:chExt cx="0" cy="0"/>
+        </a:xfrm>
+      </p:grpSpPr>
+      <p:sp>
+        <p:nvSpPr>
+          <p:cNvPr id="101" name="Google Shape;101;g22858182f59_0_24:notes"/>
+          <p:cNvSpPr>
+            <a:spLocks noGrp="1" noRot="1" noChangeAspect="1"/>
+          </p:cNvSpPr>
+          <p:nvPr>
+            <p:ph type="sldImg" idx="2"/>
+          </p:nvPr>
+        </p:nvSpPr>
+        <p:spPr>
+          <a:xfrm>
+            <a:off x="381300" y="685800"/>
+            <a:ext cx="6096000" cy="3429000"/>
+          </a:xfrm>
+          <a:custGeom>
+            <a:avLst/>
+            <a:gdLst/>
+            <a:ahLst/>
+            <a:cxnLst/>
+            <a:rect l="l" t="t" r="r" b="b"/>
+            <a:pathLst>
+              <a:path w="120000" h="120000" extrusionOk="0">
+                <a:moveTo>
+                  <a:pt x="0" y="0"/>
+                </a:moveTo>
+                <a:lnTo>
+                  <a:pt x="120000" y="0"/>
+                </a:lnTo>
+                <a:lnTo>
+                  <a:pt x="120000" y="120000"/>
+                </a:lnTo>
+                <a:lnTo>
+                  <a:pt x="0" y="120000"/>
+                </a:lnTo>
+                <a:close/>
+              </a:path>
+            </a:pathLst>
+          </a:custGeom>
+        </p:spPr>
+      </p:sp>
+      <p:sp>
+        <p:nvSpPr>
+          <p:cNvPr id="102" name="Google Shape;102;g22858182f59_0_24:notes"/>
+          <p:cNvSpPr txBox="1">
+            <a:spLocks noGrp="1"/>
+          </p:cNvSpPr>
+          <p:nvPr>
+            <p:ph type="body" idx="1"/>
+          </p:nvPr>
+        </p:nvSpPr>
+        <p:spPr>
+          <a:xfrm>
+            <a:off x="685800" y="4343400"/>
+            <a:ext cx="5486400" cy="4114800"/>
+          </a:xfrm>
+          <a:prstGeom prst="rect">
+            <a:avLst/>
+          </a:prstGeom>
+        </p:spPr>
+        <p:txBody>
+          <a:bodyPr spcFirstLastPara="1" wrap="square" lIns="91425" tIns="91425" rIns="91425" bIns="91425" anchor="t" anchorCtr="0">
+            <a:noAutofit/>
+          </a:bodyPr>
+          <a:lstStyle/>
+          <a:p>
+            <a:pPr marL="0" lvl="0" indent="0" algn="l" rtl="0">
+              <a:spcBef>
+                <a:spcPts val="0"/>
+              </a:spcBef>
+              <a:spcAft>
+                <a:spcPts val="0"/>
+              </a:spcAft>
+              <a:buNone/>
+            </a:pPr>
+            <a:endParaRPr/>
+          </a:p>
+        </p:txBody>
+      </p:sp>
+    </p:spTree>
+  </p:cSld>
+  <p:clrMapOvr>
+    <a:masterClrMapping/>
+  </p:clrMapOvr>
+</p:notes>
+</file>
+
+<file path=ppt/notesSlides/notesSlide9.xml><?xml version="1.0" encoding="utf-8"?>
+<p:notes xmlns:a="http://schemas.openxmlformats.org/drawingml/2006/main" xmlns:r="http://schemas.openxmlformats.org/officeDocument/2006/relationships" xmlns:p="http://schemas.openxmlformats.org/presentationml/2006/main" showMasterSp="0" showMasterPhAnim="0">
+  <p:cSld>
+    <p:spTree>
+      <p:nvGrpSpPr>
+        <p:cNvPr id="1" name="Shape 106"/>
         <p:cNvGrpSpPr/>
         <p:nvPr/>
       </p:nvGrpSpPr>
@@ -816,9 +1839,11 @@
       <p:sp>
         <p:nvSpPr>
           <p:cNvPr id="107" name="Google Shape;107;g22858182f59_0_31:notes"/>
-          <p:cNvSpPr/>
+          <p:cNvSpPr>
+            <a:spLocks noGrp="1" noRot="1" noChangeAspect="1"/>
+          </p:cNvSpPr>
           <p:nvPr>
-            <p:ph idx="2" type="sldImg"/>
+            <p:ph type="sldImg" idx="2"/>
           </p:nvPr>
         </p:nvSpPr>
         <p:spPr>
@@ -827,9 +1852,13 @@
             <a:ext cx="6096000" cy="3429000"/>
           </a:xfrm>
           <a:custGeom>
-            <a:rect b="b" l="l" r="r" t="t"/>
+            <a:avLst/>
+            <a:gdLst/>
+            <a:ahLst/>
+            <a:cxnLst/>
+            <a:rect l="l" t="t" r="r" b="b"/>
             <a:pathLst>
-              <a:path extrusionOk="0" h="120000" w="120000">
+              <a:path w="120000" h="120000" extrusionOk="0">
                 <a:moveTo>
                   <a:pt x="0" y="0"/>
                 </a:moveTo>
@@ -851,9 +1880,11 @@
       <p:sp>
         <p:nvSpPr>
           <p:cNvPr id="108" name="Google Shape;108;g22858182f59_0_31:notes"/>
-          <p:cNvSpPr txBox="1"/>
+          <p:cNvSpPr txBox="1">
+            <a:spLocks noGrp="1"/>
+          </p:cNvSpPr>
           <p:nvPr>
-            <p:ph idx="1" type="body"/>
+            <p:ph type="body" idx="1"/>
           </p:nvPr>
         </p:nvSpPr>
         <p:spPr>
@@ -866,1078 +1897,20 @@
           </a:prstGeom>
         </p:spPr>
         <p:txBody>
-          <a:bodyPr anchorCtr="0" anchor="t" bIns="91425" lIns="91425" spcFirstLastPara="1" rIns="91425" wrap="square" tIns="91425">
+          <a:bodyPr spcFirstLastPara="1" wrap="square" lIns="91425" tIns="91425" rIns="91425" bIns="91425" anchor="t" anchorCtr="0">
             <a:noAutofit/>
           </a:bodyPr>
           <a:lstStyle/>
           <a:p>
-            <a:pPr indent="0" lvl="0" marL="0" rtl="0" algn="l">
-              <a:spcBef>
-                <a:spcPts val="0"/>
-              </a:spcBef>
-              <a:spcAft>
-                <a:spcPts val="0"/>
-              </a:spcAft>
-              <a:buNone/>
-            </a:pPr>
-            <a:r>
-              <a:t/>
-            </a:r>
-            <a:endParaRPr/>
-          </a:p>
-        </p:txBody>
-      </p:sp>
-    </p:spTree>
-  </p:cSld>
-  <p:clrMapOvr>
-    <a:masterClrMapping/>
-  </p:clrMapOvr>
-</p:notes>
-</file>
-
-<file path=ppt/notesSlides/notesSlide11.xml><?xml version="1.0" encoding="utf-8"?>
-<p:notes xmlns:a="http://schemas.openxmlformats.org/drawingml/2006/main" xmlns:r="http://schemas.openxmlformats.org/officeDocument/2006/relationships" xmlns:mc="http://schemas.openxmlformats.org/markup-compatibility/2006" xmlns:mv="urn:schemas-microsoft-com:mac:vml" xmlns:p="http://schemas.openxmlformats.org/presentationml/2006/main" xmlns:c="http://schemas.openxmlformats.org/drawingml/2006/chart" xmlns:dgm="http://schemas.openxmlformats.org/drawingml/2006/diagram" xmlns:o="urn:schemas-microsoft-com:office:office" xmlns:v="urn:schemas-microsoft-com:vml" xmlns:pvml="urn:schemas-microsoft-com:office:powerpoint" xmlns:com="http://schemas.openxmlformats.org/drawingml/2006/compatibility" xmlns:p14="http://schemas.microsoft.com/office/powerpoint/2010/main" xmlns:p15="http://schemas.microsoft.com/office/powerpoint/2012/main" xmlns:ahyp="http://schemas.microsoft.com/office/drawing/2018/hyperlinkcolor" showMasterPhAnim="0" showMasterSp="0">
-  <p:cSld>
-    <p:spTree>
-      <p:nvGrpSpPr>
-        <p:cNvPr id="112" name="Shape 112"/>
-        <p:cNvGrpSpPr/>
-        <p:nvPr/>
-      </p:nvGrpSpPr>
-      <p:grpSpPr>
-        <a:xfrm>
-          <a:off x="0" y="0"/>
-          <a:ext cx="0" cy="0"/>
-          <a:chOff x="0" y="0"/>
-          <a:chExt cx="0" cy="0"/>
-        </a:xfrm>
-      </p:grpSpPr>
-      <p:sp>
-        <p:nvSpPr>
-          <p:cNvPr id="113" name="Google Shape;113;g228378b0da2_0_0:notes"/>
-          <p:cNvSpPr/>
-          <p:nvPr>
-            <p:ph idx="2" type="sldImg"/>
-          </p:nvPr>
-        </p:nvSpPr>
-        <p:spPr>
-          <a:xfrm>
-            <a:off x="381300" y="685800"/>
-            <a:ext cx="6096000" cy="3429000"/>
-          </a:xfrm>
-          <a:custGeom>
-            <a:rect b="b" l="l" r="r" t="t"/>
-            <a:pathLst>
-              <a:path extrusionOk="0" h="120000" w="120000">
-                <a:moveTo>
-                  <a:pt x="0" y="0"/>
-                </a:moveTo>
-                <a:lnTo>
-                  <a:pt x="120000" y="0"/>
-                </a:lnTo>
-                <a:lnTo>
-                  <a:pt x="120000" y="120000"/>
-                </a:lnTo>
-                <a:lnTo>
-                  <a:pt x="0" y="120000"/>
-                </a:lnTo>
-                <a:close/>
-              </a:path>
-            </a:pathLst>
-          </a:custGeom>
-        </p:spPr>
-      </p:sp>
-      <p:sp>
-        <p:nvSpPr>
-          <p:cNvPr id="114" name="Google Shape;114;g228378b0da2_0_0:notes"/>
-          <p:cNvSpPr txBox="1"/>
-          <p:nvPr>
-            <p:ph idx="1" type="body"/>
-          </p:nvPr>
-        </p:nvSpPr>
-        <p:spPr>
-          <a:xfrm>
-            <a:off x="685800" y="4343400"/>
-            <a:ext cx="5486400" cy="4114800"/>
-          </a:xfrm>
-          <a:prstGeom prst="rect">
-            <a:avLst/>
-          </a:prstGeom>
-        </p:spPr>
-        <p:txBody>
-          <a:bodyPr anchorCtr="0" anchor="t" bIns="91425" lIns="91425" spcFirstLastPara="1" rIns="91425" wrap="square" tIns="91425">
-            <a:noAutofit/>
-          </a:bodyPr>
-          <a:lstStyle/>
-          <a:p>
-            <a:pPr indent="0" lvl="0" marL="0" rtl="0" algn="l">
-              <a:spcBef>
-                <a:spcPts val="0"/>
-              </a:spcBef>
-              <a:spcAft>
-                <a:spcPts val="0"/>
-              </a:spcAft>
-              <a:buNone/>
-            </a:pPr>
-            <a:r>
-              <a:rPr lang="en"/>
-              <a:t>Architecture tradeoff:</a:t>
-            </a:r>
-            <a:endParaRPr/>
-          </a:p>
-          <a:p>
-            <a:pPr indent="0" lvl="0" marL="0" rtl="0" algn="l">
-              <a:spcBef>
-                <a:spcPts val="0"/>
-              </a:spcBef>
-              <a:spcAft>
-                <a:spcPts val="0"/>
-              </a:spcAft>
-              <a:buNone/>
-            </a:pPr>
-            <a:r>
-              <a:rPr lang="en"/>
-              <a:t>		-decrase in latency and more efficient communication between user and application without delays</a:t>
-            </a:r>
-            <a:endParaRPr/>
-          </a:p>
-          <a:p>
-            <a:pPr indent="0" lvl="0" marL="0" rtl="0" algn="l">
-              <a:spcBef>
-                <a:spcPts val="0"/>
-              </a:spcBef>
-              <a:spcAft>
-                <a:spcPts val="0"/>
-              </a:spcAft>
-              <a:buNone/>
-            </a:pPr>
-            <a:r>
-              <a:rPr lang="en"/>
-              <a:t>		-lack of integration could be a detriment though if the user desires integration of real time data in the ml workflow</a:t>
-            </a:r>
-            <a:endParaRPr/>
-          </a:p>
-          <a:p>
-            <a:pPr indent="0" lvl="0" marL="0" rtl="0" algn="l">
-              <a:spcBef>
-                <a:spcPts val="0"/>
-              </a:spcBef>
-              <a:spcAft>
-                <a:spcPts val="0"/>
-              </a:spcAft>
-              <a:buNone/>
-            </a:pPr>
-            <a:r>
-              <a:rPr lang="en"/>
-              <a:t>	Graphs:</a:t>
-            </a:r>
-            <a:endParaRPr/>
-          </a:p>
-          <a:p>
-            <a:pPr indent="0" lvl="0" marL="0" rtl="0" algn="l">
-              <a:spcBef>
-                <a:spcPts val="0"/>
-              </a:spcBef>
-              <a:spcAft>
-                <a:spcPts val="0"/>
-              </a:spcAft>
-              <a:buNone/>
-            </a:pPr>
-            <a:r>
-              <a:rPr lang="en"/>
-              <a:t>		Here are some visual aids to demonstrate how utilizing machine learning can increase returns.</a:t>
-            </a:r>
-            <a:endParaRPr/>
-          </a:p>
-        </p:txBody>
-      </p:sp>
-    </p:spTree>
-  </p:cSld>
-  <p:clrMapOvr>
-    <a:masterClrMapping/>
-  </p:clrMapOvr>
-</p:notes>
-</file>
-
-<file path=ppt/notesSlides/notesSlide12.xml><?xml version="1.0" encoding="utf-8"?>
-<p:notes xmlns:a="http://schemas.openxmlformats.org/drawingml/2006/main" xmlns:r="http://schemas.openxmlformats.org/officeDocument/2006/relationships" xmlns:mc="http://schemas.openxmlformats.org/markup-compatibility/2006" xmlns:mv="urn:schemas-microsoft-com:mac:vml" xmlns:p="http://schemas.openxmlformats.org/presentationml/2006/main" xmlns:c="http://schemas.openxmlformats.org/drawingml/2006/chart" xmlns:dgm="http://schemas.openxmlformats.org/drawingml/2006/diagram" xmlns:o="urn:schemas-microsoft-com:office:office" xmlns:v="urn:schemas-microsoft-com:vml" xmlns:pvml="urn:schemas-microsoft-com:office:powerpoint" xmlns:com="http://schemas.openxmlformats.org/drawingml/2006/compatibility" xmlns:p14="http://schemas.microsoft.com/office/powerpoint/2010/main" xmlns:p15="http://schemas.microsoft.com/office/powerpoint/2012/main" xmlns:ahyp="http://schemas.microsoft.com/office/drawing/2018/hyperlinkcolor" showMasterPhAnim="0" showMasterSp="0">
-  <p:cSld>
-    <p:spTree>
-      <p:nvGrpSpPr>
-        <p:cNvPr id="122" name="Shape 122"/>
-        <p:cNvGrpSpPr/>
-        <p:nvPr/>
-      </p:nvGrpSpPr>
-      <p:grpSpPr>
-        <a:xfrm>
-          <a:off x="0" y="0"/>
-          <a:ext cx="0" cy="0"/>
-          <a:chOff x="0" y="0"/>
-          <a:chExt cx="0" cy="0"/>
-        </a:xfrm>
-      </p:grpSpPr>
-      <p:sp>
-        <p:nvSpPr>
-          <p:cNvPr id="123" name="Google Shape;123;g228378b0da2_0_5:notes"/>
-          <p:cNvSpPr/>
-          <p:nvPr>
-            <p:ph idx="2" type="sldImg"/>
-          </p:nvPr>
-        </p:nvSpPr>
-        <p:spPr>
-          <a:xfrm>
-            <a:off x="381300" y="685800"/>
-            <a:ext cx="6096000" cy="3429000"/>
-          </a:xfrm>
-          <a:custGeom>
-            <a:rect b="b" l="l" r="r" t="t"/>
-            <a:pathLst>
-              <a:path extrusionOk="0" h="120000" w="120000">
-                <a:moveTo>
-                  <a:pt x="0" y="0"/>
-                </a:moveTo>
-                <a:lnTo>
-                  <a:pt x="120000" y="0"/>
-                </a:lnTo>
-                <a:lnTo>
-                  <a:pt x="120000" y="120000"/>
-                </a:lnTo>
-                <a:lnTo>
-                  <a:pt x="0" y="120000"/>
-                </a:lnTo>
-                <a:close/>
-              </a:path>
-            </a:pathLst>
-          </a:custGeom>
-        </p:spPr>
-      </p:sp>
-      <p:sp>
-        <p:nvSpPr>
-          <p:cNvPr id="124" name="Google Shape;124;g228378b0da2_0_5:notes"/>
-          <p:cNvSpPr txBox="1"/>
-          <p:nvPr>
-            <p:ph idx="1" type="body"/>
-          </p:nvPr>
-        </p:nvSpPr>
-        <p:spPr>
-          <a:xfrm>
-            <a:off x="685800" y="4343400"/>
-            <a:ext cx="5486400" cy="4114800"/>
-          </a:xfrm>
-          <a:prstGeom prst="rect">
-            <a:avLst/>
-          </a:prstGeom>
-        </p:spPr>
-        <p:txBody>
-          <a:bodyPr anchorCtr="0" anchor="t" bIns="91425" lIns="91425" spcFirstLastPara="1" rIns="91425" wrap="square" tIns="91425">
-            <a:noAutofit/>
-          </a:bodyPr>
-          <a:lstStyle/>
-          <a:p>
-            <a:pPr indent="0" lvl="0" marL="0" rtl="0" algn="l">
-              <a:spcBef>
-                <a:spcPts val="0"/>
-              </a:spcBef>
-              <a:spcAft>
-                <a:spcPts val="0"/>
-              </a:spcAft>
-              <a:buNone/>
-            </a:pPr>
-            <a:r>
-              <a:t/>
-            </a:r>
-            <a:endParaRPr/>
-          </a:p>
-        </p:txBody>
-      </p:sp>
-    </p:spTree>
-  </p:cSld>
-  <p:clrMapOvr>
-    <a:masterClrMapping/>
-  </p:clrMapOvr>
-</p:notes>
-</file>
-
-<file path=ppt/notesSlides/notesSlide2.xml><?xml version="1.0" encoding="utf-8"?>
-<p:notes xmlns:a="http://schemas.openxmlformats.org/drawingml/2006/main" xmlns:r="http://schemas.openxmlformats.org/officeDocument/2006/relationships" xmlns:mc="http://schemas.openxmlformats.org/markup-compatibility/2006" xmlns:mv="urn:schemas-microsoft-com:mac:vml" xmlns:p="http://schemas.openxmlformats.org/presentationml/2006/main" xmlns:c="http://schemas.openxmlformats.org/drawingml/2006/chart" xmlns:dgm="http://schemas.openxmlformats.org/drawingml/2006/diagram" xmlns:o="urn:schemas-microsoft-com:office:office" xmlns:v="urn:schemas-microsoft-com:vml" xmlns:pvml="urn:schemas-microsoft-com:office:powerpoint" xmlns:com="http://schemas.openxmlformats.org/drawingml/2006/compatibility" xmlns:p14="http://schemas.microsoft.com/office/powerpoint/2010/main" xmlns:p15="http://schemas.microsoft.com/office/powerpoint/2012/main" xmlns:ahyp="http://schemas.microsoft.com/office/drawing/2018/hyperlinkcolor" showMasterPhAnim="0" showMasterSp="0">
-  <p:cSld>
-    <p:spTree>
-      <p:nvGrpSpPr>
-        <p:cNvPr id="56" name="Shape 56"/>
-        <p:cNvGrpSpPr/>
-        <p:nvPr/>
-      </p:nvGrpSpPr>
-      <p:grpSpPr>
-        <a:xfrm>
-          <a:off x="0" y="0"/>
-          <a:ext cx="0" cy="0"/>
-          <a:chOff x="0" y="0"/>
-          <a:chExt cx="0" cy="0"/>
-        </a:xfrm>
-      </p:grpSpPr>
-      <p:sp>
-        <p:nvSpPr>
-          <p:cNvPr id="57" name="Google Shape;57;g228378b0da2_0_10:notes"/>
-          <p:cNvSpPr/>
-          <p:nvPr>
-            <p:ph idx="2" type="sldImg"/>
-          </p:nvPr>
-        </p:nvSpPr>
-        <p:spPr>
-          <a:xfrm>
-            <a:off x="381300" y="685800"/>
-            <a:ext cx="6096000" cy="3429000"/>
-          </a:xfrm>
-          <a:custGeom>
-            <a:rect b="b" l="l" r="r" t="t"/>
-            <a:pathLst>
-              <a:path extrusionOk="0" h="120000" w="120000">
-                <a:moveTo>
-                  <a:pt x="0" y="0"/>
-                </a:moveTo>
-                <a:lnTo>
-                  <a:pt x="120000" y="0"/>
-                </a:lnTo>
-                <a:lnTo>
-                  <a:pt x="120000" y="120000"/>
-                </a:lnTo>
-                <a:lnTo>
-                  <a:pt x="0" y="120000"/>
-                </a:lnTo>
-                <a:close/>
-              </a:path>
-            </a:pathLst>
-          </a:custGeom>
-        </p:spPr>
-      </p:sp>
-      <p:sp>
-        <p:nvSpPr>
-          <p:cNvPr id="58" name="Google Shape;58;g228378b0da2_0_10:notes"/>
-          <p:cNvSpPr txBox="1"/>
-          <p:nvPr>
-            <p:ph idx="1" type="body"/>
-          </p:nvPr>
-        </p:nvSpPr>
-        <p:spPr>
-          <a:xfrm>
-            <a:off x="685800" y="4343400"/>
-            <a:ext cx="5486400" cy="4114800"/>
-          </a:xfrm>
-          <a:prstGeom prst="rect">
-            <a:avLst/>
-          </a:prstGeom>
-        </p:spPr>
-        <p:txBody>
-          <a:bodyPr anchorCtr="0" anchor="t" bIns="91425" lIns="91425" spcFirstLastPara="1" rIns="91425" wrap="square" tIns="91425">
-            <a:noAutofit/>
-          </a:bodyPr>
-          <a:lstStyle/>
-          <a:p>
-            <a:pPr indent="0" lvl="0" marL="0" rtl="0" algn="l">
-              <a:spcBef>
-                <a:spcPts val="0"/>
-              </a:spcBef>
-              <a:spcAft>
-                <a:spcPts val="0"/>
-              </a:spcAft>
-              <a:buNone/>
-            </a:pPr>
-            <a:r>
-              <a:t/>
-            </a:r>
-            <a:endParaRPr/>
-          </a:p>
-        </p:txBody>
-      </p:sp>
-    </p:spTree>
-  </p:cSld>
-  <p:clrMapOvr>
-    <a:masterClrMapping/>
-  </p:clrMapOvr>
-</p:notes>
-</file>
-
-<file path=ppt/notesSlides/notesSlide3.xml><?xml version="1.0" encoding="utf-8"?>
-<p:notes xmlns:a="http://schemas.openxmlformats.org/drawingml/2006/main" xmlns:r="http://schemas.openxmlformats.org/officeDocument/2006/relationships" xmlns:mc="http://schemas.openxmlformats.org/markup-compatibility/2006" xmlns:mv="urn:schemas-microsoft-com:mac:vml" xmlns:p="http://schemas.openxmlformats.org/presentationml/2006/main" xmlns:c="http://schemas.openxmlformats.org/drawingml/2006/chart" xmlns:dgm="http://schemas.openxmlformats.org/drawingml/2006/diagram" xmlns:o="urn:schemas-microsoft-com:office:office" xmlns:v="urn:schemas-microsoft-com:vml" xmlns:pvml="urn:schemas-microsoft-com:office:powerpoint" xmlns:com="http://schemas.openxmlformats.org/drawingml/2006/compatibility" xmlns:p14="http://schemas.microsoft.com/office/powerpoint/2010/main" xmlns:p15="http://schemas.microsoft.com/office/powerpoint/2012/main" xmlns:ahyp="http://schemas.microsoft.com/office/drawing/2018/hyperlinkcolor" showMasterPhAnim="0" showMasterSp="0">
-  <p:cSld>
-    <p:spTree>
-      <p:nvGrpSpPr>
-        <p:cNvPr id="62" name="Shape 62"/>
-        <p:cNvGrpSpPr/>
-        <p:nvPr/>
-      </p:nvGrpSpPr>
-      <p:grpSpPr>
-        <a:xfrm>
-          <a:off x="0" y="0"/>
-          <a:ext cx="0" cy="0"/>
-          <a:chOff x="0" y="0"/>
-          <a:chExt cx="0" cy="0"/>
-        </a:xfrm>
-      </p:grpSpPr>
-      <p:sp>
-        <p:nvSpPr>
-          <p:cNvPr id="63" name="Google Shape;63;g2283c2aaf74_0_0:notes"/>
-          <p:cNvSpPr/>
-          <p:nvPr>
-            <p:ph idx="2" type="sldImg"/>
-          </p:nvPr>
-        </p:nvSpPr>
-        <p:spPr>
-          <a:xfrm>
-            <a:off x="381300" y="685800"/>
-            <a:ext cx="6096000" cy="3429000"/>
-          </a:xfrm>
-          <a:custGeom>
-            <a:rect b="b" l="l" r="r" t="t"/>
-            <a:pathLst>
-              <a:path extrusionOk="0" h="120000" w="120000">
-                <a:moveTo>
-                  <a:pt x="0" y="0"/>
-                </a:moveTo>
-                <a:lnTo>
-                  <a:pt x="120000" y="0"/>
-                </a:lnTo>
-                <a:lnTo>
-                  <a:pt x="120000" y="120000"/>
-                </a:lnTo>
-                <a:lnTo>
-                  <a:pt x="0" y="120000"/>
-                </a:lnTo>
-                <a:close/>
-              </a:path>
-            </a:pathLst>
-          </a:custGeom>
-        </p:spPr>
-      </p:sp>
-      <p:sp>
-        <p:nvSpPr>
-          <p:cNvPr id="64" name="Google Shape;64;g2283c2aaf74_0_0:notes"/>
-          <p:cNvSpPr txBox="1"/>
-          <p:nvPr>
-            <p:ph idx="1" type="body"/>
-          </p:nvPr>
-        </p:nvSpPr>
-        <p:spPr>
-          <a:xfrm>
-            <a:off x="685800" y="4343400"/>
-            <a:ext cx="5486400" cy="4114800"/>
-          </a:xfrm>
-          <a:prstGeom prst="rect">
-            <a:avLst/>
-          </a:prstGeom>
-        </p:spPr>
-        <p:txBody>
-          <a:bodyPr anchorCtr="0" anchor="t" bIns="91425" lIns="91425" spcFirstLastPara="1" rIns="91425" wrap="square" tIns="91425">
-            <a:noAutofit/>
-          </a:bodyPr>
-          <a:lstStyle/>
-          <a:p>
-            <a:pPr indent="0" lvl="0" marL="0" rtl="0" algn="l">
-              <a:spcBef>
-                <a:spcPts val="0"/>
-              </a:spcBef>
-              <a:spcAft>
-                <a:spcPts val="0"/>
-              </a:spcAft>
-              <a:buNone/>
-            </a:pPr>
-            <a:r>
-              <a:t/>
-            </a:r>
-            <a:endParaRPr/>
-          </a:p>
-        </p:txBody>
-      </p:sp>
-    </p:spTree>
-  </p:cSld>
-  <p:clrMapOvr>
-    <a:masterClrMapping/>
-  </p:clrMapOvr>
-</p:notes>
-</file>
-
-<file path=ppt/notesSlides/notesSlide4.xml><?xml version="1.0" encoding="utf-8"?>
-<p:notes xmlns:a="http://schemas.openxmlformats.org/drawingml/2006/main" xmlns:r="http://schemas.openxmlformats.org/officeDocument/2006/relationships" xmlns:mc="http://schemas.openxmlformats.org/markup-compatibility/2006" xmlns:mv="urn:schemas-microsoft-com:mac:vml" xmlns:p="http://schemas.openxmlformats.org/presentationml/2006/main" xmlns:c="http://schemas.openxmlformats.org/drawingml/2006/chart" xmlns:dgm="http://schemas.openxmlformats.org/drawingml/2006/diagram" xmlns:o="urn:schemas-microsoft-com:office:office" xmlns:v="urn:schemas-microsoft-com:vml" xmlns:pvml="urn:schemas-microsoft-com:office:powerpoint" xmlns:com="http://schemas.openxmlformats.org/drawingml/2006/compatibility" xmlns:p14="http://schemas.microsoft.com/office/powerpoint/2010/main" xmlns:p15="http://schemas.microsoft.com/office/powerpoint/2012/main" xmlns:ahyp="http://schemas.microsoft.com/office/drawing/2018/hyperlinkcolor" showMasterPhAnim="0" showMasterSp="0">
-  <p:cSld>
-    <p:spTree>
-      <p:nvGrpSpPr>
-        <p:cNvPr id="68" name="Shape 68"/>
-        <p:cNvGrpSpPr/>
-        <p:nvPr/>
-      </p:nvGrpSpPr>
-      <p:grpSpPr>
-        <a:xfrm>
-          <a:off x="0" y="0"/>
-          <a:ext cx="0" cy="0"/>
-          <a:chOff x="0" y="0"/>
-          <a:chExt cx="0" cy="0"/>
-        </a:xfrm>
-      </p:grpSpPr>
-      <p:sp>
-        <p:nvSpPr>
-          <p:cNvPr id="69" name="Google Shape;69;g228378b0da2_1_0:notes"/>
-          <p:cNvSpPr/>
-          <p:nvPr>
-            <p:ph idx="2" type="sldImg"/>
-          </p:nvPr>
-        </p:nvSpPr>
-        <p:spPr>
-          <a:xfrm>
-            <a:off x="381300" y="685800"/>
-            <a:ext cx="6096000" cy="3429000"/>
-          </a:xfrm>
-          <a:custGeom>
-            <a:rect b="b" l="l" r="r" t="t"/>
-            <a:pathLst>
-              <a:path extrusionOk="0" h="120000" w="120000">
-                <a:moveTo>
-                  <a:pt x="0" y="0"/>
-                </a:moveTo>
-                <a:lnTo>
-                  <a:pt x="120000" y="0"/>
-                </a:lnTo>
-                <a:lnTo>
-                  <a:pt x="120000" y="120000"/>
-                </a:lnTo>
-                <a:lnTo>
-                  <a:pt x="0" y="120000"/>
-                </a:lnTo>
-                <a:close/>
-              </a:path>
-            </a:pathLst>
-          </a:custGeom>
-        </p:spPr>
-      </p:sp>
-      <p:sp>
-        <p:nvSpPr>
-          <p:cNvPr id="70" name="Google Shape;70;g228378b0da2_1_0:notes"/>
-          <p:cNvSpPr txBox="1"/>
-          <p:nvPr>
-            <p:ph idx="1" type="body"/>
-          </p:nvPr>
-        </p:nvSpPr>
-        <p:spPr>
-          <a:xfrm>
-            <a:off x="685800" y="4343400"/>
-            <a:ext cx="5486400" cy="4114800"/>
-          </a:xfrm>
-          <a:prstGeom prst="rect">
-            <a:avLst/>
-          </a:prstGeom>
-        </p:spPr>
-        <p:txBody>
-          <a:bodyPr anchorCtr="0" anchor="t" bIns="91425" lIns="91425" spcFirstLastPara="1" rIns="91425" wrap="square" tIns="91425">
-            <a:noAutofit/>
-          </a:bodyPr>
-          <a:lstStyle/>
-          <a:p>
-            <a:pPr indent="0" lvl="0" marL="0" rtl="0" algn="l">
-              <a:spcBef>
-                <a:spcPts val="0"/>
-              </a:spcBef>
-              <a:spcAft>
-                <a:spcPts val="0"/>
-              </a:spcAft>
-              <a:buNone/>
-            </a:pPr>
-            <a:r>
-              <a:t/>
-            </a:r>
-            <a:endParaRPr/>
-          </a:p>
-        </p:txBody>
-      </p:sp>
-    </p:spTree>
-  </p:cSld>
-  <p:clrMapOvr>
-    <a:masterClrMapping/>
-  </p:clrMapOvr>
-</p:notes>
-</file>
-
-<file path=ppt/notesSlides/notesSlide5.xml><?xml version="1.0" encoding="utf-8"?>
-<p:notes xmlns:a="http://schemas.openxmlformats.org/drawingml/2006/main" xmlns:r="http://schemas.openxmlformats.org/officeDocument/2006/relationships" xmlns:mc="http://schemas.openxmlformats.org/markup-compatibility/2006" xmlns:mv="urn:schemas-microsoft-com:mac:vml" xmlns:p="http://schemas.openxmlformats.org/presentationml/2006/main" xmlns:c="http://schemas.openxmlformats.org/drawingml/2006/chart" xmlns:dgm="http://schemas.openxmlformats.org/drawingml/2006/diagram" xmlns:o="urn:schemas-microsoft-com:office:office" xmlns:v="urn:schemas-microsoft-com:vml" xmlns:pvml="urn:schemas-microsoft-com:office:powerpoint" xmlns:com="http://schemas.openxmlformats.org/drawingml/2006/compatibility" xmlns:p14="http://schemas.microsoft.com/office/powerpoint/2010/main" xmlns:p15="http://schemas.microsoft.com/office/powerpoint/2012/main" xmlns:ahyp="http://schemas.microsoft.com/office/drawing/2018/hyperlinkcolor" showMasterPhAnim="0" showMasterSp="0">
-  <p:cSld>
-    <p:spTree>
-      <p:nvGrpSpPr>
-        <p:cNvPr id="74" name="Shape 74"/>
-        <p:cNvGrpSpPr/>
-        <p:nvPr/>
-      </p:nvGrpSpPr>
-      <p:grpSpPr>
-        <a:xfrm>
-          <a:off x="0" y="0"/>
-          <a:ext cx="0" cy="0"/>
-          <a:chOff x="0" y="0"/>
-          <a:chExt cx="0" cy="0"/>
-        </a:xfrm>
-      </p:grpSpPr>
-      <p:sp>
-        <p:nvSpPr>
-          <p:cNvPr id="75" name="Google Shape;75;g228378b0da2_1_5:notes"/>
-          <p:cNvSpPr/>
-          <p:nvPr>
-            <p:ph idx="2" type="sldImg"/>
-          </p:nvPr>
-        </p:nvSpPr>
-        <p:spPr>
-          <a:xfrm>
-            <a:off x="381300" y="685800"/>
-            <a:ext cx="6096000" cy="3429000"/>
-          </a:xfrm>
-          <a:custGeom>
-            <a:rect b="b" l="l" r="r" t="t"/>
-            <a:pathLst>
-              <a:path extrusionOk="0" h="120000" w="120000">
-                <a:moveTo>
-                  <a:pt x="0" y="0"/>
-                </a:moveTo>
-                <a:lnTo>
-                  <a:pt x="120000" y="0"/>
-                </a:lnTo>
-                <a:lnTo>
-                  <a:pt x="120000" y="120000"/>
-                </a:lnTo>
-                <a:lnTo>
-                  <a:pt x="0" y="120000"/>
-                </a:lnTo>
-                <a:close/>
-              </a:path>
-            </a:pathLst>
-          </a:custGeom>
-        </p:spPr>
-      </p:sp>
-      <p:sp>
-        <p:nvSpPr>
-          <p:cNvPr id="76" name="Google Shape;76;g228378b0da2_1_5:notes"/>
-          <p:cNvSpPr txBox="1"/>
-          <p:nvPr>
-            <p:ph idx="1" type="body"/>
-          </p:nvPr>
-        </p:nvSpPr>
-        <p:spPr>
-          <a:xfrm>
-            <a:off x="685800" y="4343400"/>
-            <a:ext cx="5486400" cy="4114800"/>
-          </a:xfrm>
-          <a:prstGeom prst="rect">
-            <a:avLst/>
-          </a:prstGeom>
-        </p:spPr>
-        <p:txBody>
-          <a:bodyPr anchorCtr="0" anchor="t" bIns="91425" lIns="91425" spcFirstLastPara="1" rIns="91425" wrap="square" tIns="91425">
-            <a:noAutofit/>
-          </a:bodyPr>
-          <a:lstStyle/>
-          <a:p>
-            <a:pPr indent="0" lvl="0" marL="0" rtl="0" algn="l">
-              <a:spcBef>
-                <a:spcPts val="0"/>
-              </a:spcBef>
-              <a:spcAft>
-                <a:spcPts val="0"/>
-              </a:spcAft>
-              <a:buNone/>
-            </a:pPr>
-            <a:r>
-              <a:t/>
-            </a:r>
-            <a:endParaRPr/>
-          </a:p>
-        </p:txBody>
-      </p:sp>
-    </p:spTree>
-  </p:cSld>
-  <p:clrMapOvr>
-    <a:masterClrMapping/>
-  </p:clrMapOvr>
-</p:notes>
-</file>
-
-<file path=ppt/notesSlides/notesSlide6.xml><?xml version="1.0" encoding="utf-8"?>
-<p:notes xmlns:a="http://schemas.openxmlformats.org/drawingml/2006/main" xmlns:r="http://schemas.openxmlformats.org/officeDocument/2006/relationships" xmlns:mc="http://schemas.openxmlformats.org/markup-compatibility/2006" xmlns:mv="urn:schemas-microsoft-com:mac:vml" xmlns:p="http://schemas.openxmlformats.org/presentationml/2006/main" xmlns:c="http://schemas.openxmlformats.org/drawingml/2006/chart" xmlns:dgm="http://schemas.openxmlformats.org/drawingml/2006/diagram" xmlns:o="urn:schemas-microsoft-com:office:office" xmlns:v="urn:schemas-microsoft-com:vml" xmlns:pvml="urn:schemas-microsoft-com:office:powerpoint" xmlns:com="http://schemas.openxmlformats.org/drawingml/2006/compatibility" xmlns:p14="http://schemas.microsoft.com/office/powerpoint/2010/main" xmlns:p15="http://schemas.microsoft.com/office/powerpoint/2012/main" xmlns:ahyp="http://schemas.microsoft.com/office/drawing/2018/hyperlinkcolor" showMasterPhAnim="0" showMasterSp="0">
-  <p:cSld>
-    <p:spTree>
-      <p:nvGrpSpPr>
-        <p:cNvPr id="80" name="Shape 80"/>
-        <p:cNvGrpSpPr/>
-        <p:nvPr/>
-      </p:nvGrpSpPr>
-      <p:grpSpPr>
-        <a:xfrm>
-          <a:off x="0" y="0"/>
-          <a:ext cx="0" cy="0"/>
-          <a:chOff x="0" y="0"/>
-          <a:chExt cx="0" cy="0"/>
-        </a:xfrm>
-      </p:grpSpPr>
-      <p:sp>
-        <p:nvSpPr>
-          <p:cNvPr id="81" name="Google Shape;81;g22858182f59_0_0:notes"/>
-          <p:cNvSpPr/>
-          <p:nvPr>
-            <p:ph idx="2" type="sldImg"/>
-          </p:nvPr>
-        </p:nvSpPr>
-        <p:spPr>
-          <a:xfrm>
-            <a:off x="381300" y="685800"/>
-            <a:ext cx="6096000" cy="3429000"/>
-          </a:xfrm>
-          <a:custGeom>
-            <a:rect b="b" l="l" r="r" t="t"/>
-            <a:pathLst>
-              <a:path extrusionOk="0" h="120000" w="120000">
-                <a:moveTo>
-                  <a:pt x="0" y="0"/>
-                </a:moveTo>
-                <a:lnTo>
-                  <a:pt x="120000" y="0"/>
-                </a:lnTo>
-                <a:lnTo>
-                  <a:pt x="120000" y="120000"/>
-                </a:lnTo>
-                <a:lnTo>
-                  <a:pt x="0" y="120000"/>
-                </a:lnTo>
-                <a:close/>
-              </a:path>
-            </a:pathLst>
-          </a:custGeom>
-        </p:spPr>
-      </p:sp>
-      <p:sp>
-        <p:nvSpPr>
-          <p:cNvPr id="82" name="Google Shape;82;g22858182f59_0_0:notes"/>
-          <p:cNvSpPr txBox="1"/>
-          <p:nvPr>
-            <p:ph idx="1" type="body"/>
-          </p:nvPr>
-        </p:nvSpPr>
-        <p:spPr>
-          <a:xfrm>
-            <a:off x="685800" y="4343400"/>
-            <a:ext cx="5486400" cy="4114800"/>
-          </a:xfrm>
-          <a:prstGeom prst="rect">
-            <a:avLst/>
-          </a:prstGeom>
-        </p:spPr>
-        <p:txBody>
-          <a:bodyPr anchorCtr="0" anchor="t" bIns="91425" lIns="91425" spcFirstLastPara="1" rIns="91425" wrap="square" tIns="91425">
-            <a:noAutofit/>
-          </a:bodyPr>
-          <a:lstStyle/>
-          <a:p>
-            <a:pPr indent="0" lvl="0" marL="0" rtl="0" algn="l">
-              <a:spcBef>
-                <a:spcPts val="0"/>
-              </a:spcBef>
-              <a:spcAft>
-                <a:spcPts val="0"/>
-              </a:spcAft>
-              <a:buNone/>
-            </a:pPr>
-            <a:r>
-              <a:t/>
-            </a:r>
-            <a:endParaRPr/>
-          </a:p>
-        </p:txBody>
-      </p:sp>
-    </p:spTree>
-  </p:cSld>
-  <p:clrMapOvr>
-    <a:masterClrMapping/>
-  </p:clrMapOvr>
-</p:notes>
-</file>
-
-<file path=ppt/notesSlides/notesSlide7.xml><?xml version="1.0" encoding="utf-8"?>
-<p:notes xmlns:a="http://schemas.openxmlformats.org/drawingml/2006/main" xmlns:r="http://schemas.openxmlformats.org/officeDocument/2006/relationships" xmlns:mc="http://schemas.openxmlformats.org/markup-compatibility/2006" xmlns:mv="urn:schemas-microsoft-com:mac:vml" xmlns:p="http://schemas.openxmlformats.org/presentationml/2006/main" xmlns:c="http://schemas.openxmlformats.org/drawingml/2006/chart" xmlns:dgm="http://schemas.openxmlformats.org/drawingml/2006/diagram" xmlns:o="urn:schemas-microsoft-com:office:office" xmlns:v="urn:schemas-microsoft-com:vml" xmlns:pvml="urn:schemas-microsoft-com:office:powerpoint" xmlns:com="http://schemas.openxmlformats.org/drawingml/2006/compatibility" xmlns:p14="http://schemas.microsoft.com/office/powerpoint/2010/main" xmlns:p15="http://schemas.microsoft.com/office/powerpoint/2012/main" xmlns:ahyp="http://schemas.microsoft.com/office/drawing/2018/hyperlinkcolor" showMasterPhAnim="0" showMasterSp="0">
-  <p:cSld>
-    <p:spTree>
-      <p:nvGrpSpPr>
-        <p:cNvPr id="88" name="Shape 88"/>
-        <p:cNvGrpSpPr/>
-        <p:nvPr/>
-      </p:nvGrpSpPr>
-      <p:grpSpPr>
-        <a:xfrm>
-          <a:off x="0" y="0"/>
-          <a:ext cx="0" cy="0"/>
-          <a:chOff x="0" y="0"/>
-          <a:chExt cx="0" cy="0"/>
-        </a:xfrm>
-      </p:grpSpPr>
-      <p:sp>
-        <p:nvSpPr>
-          <p:cNvPr id="89" name="Google Shape;89;g22858182f59_0_8:notes"/>
-          <p:cNvSpPr/>
-          <p:nvPr>
-            <p:ph idx="2" type="sldImg"/>
-          </p:nvPr>
-        </p:nvSpPr>
-        <p:spPr>
-          <a:xfrm>
-            <a:off x="381300" y="685800"/>
-            <a:ext cx="6096000" cy="3429000"/>
-          </a:xfrm>
-          <a:custGeom>
-            <a:rect b="b" l="l" r="r" t="t"/>
-            <a:pathLst>
-              <a:path extrusionOk="0" h="120000" w="120000">
-                <a:moveTo>
-                  <a:pt x="0" y="0"/>
-                </a:moveTo>
-                <a:lnTo>
-                  <a:pt x="120000" y="0"/>
-                </a:lnTo>
-                <a:lnTo>
-                  <a:pt x="120000" y="120000"/>
-                </a:lnTo>
-                <a:lnTo>
-                  <a:pt x="0" y="120000"/>
-                </a:lnTo>
-                <a:close/>
-              </a:path>
-            </a:pathLst>
-          </a:custGeom>
-        </p:spPr>
-      </p:sp>
-      <p:sp>
-        <p:nvSpPr>
-          <p:cNvPr id="90" name="Google Shape;90;g22858182f59_0_8:notes"/>
-          <p:cNvSpPr txBox="1"/>
-          <p:nvPr>
-            <p:ph idx="1" type="body"/>
-          </p:nvPr>
-        </p:nvSpPr>
-        <p:spPr>
-          <a:xfrm>
-            <a:off x="685800" y="4343400"/>
-            <a:ext cx="5486400" cy="4114800"/>
-          </a:xfrm>
-          <a:prstGeom prst="rect">
-            <a:avLst/>
-          </a:prstGeom>
-        </p:spPr>
-        <p:txBody>
-          <a:bodyPr anchorCtr="0" anchor="t" bIns="91425" lIns="91425" spcFirstLastPara="1" rIns="91425" wrap="square" tIns="91425">
-            <a:noAutofit/>
-          </a:bodyPr>
-          <a:lstStyle/>
-          <a:p>
-            <a:pPr indent="0" lvl="0" marL="0" rtl="0" algn="l">
-              <a:spcBef>
-                <a:spcPts val="0"/>
-              </a:spcBef>
-              <a:spcAft>
-                <a:spcPts val="0"/>
-              </a:spcAft>
-              <a:buNone/>
-            </a:pPr>
-            <a:r>
-              <a:t/>
-            </a:r>
-            <a:endParaRPr/>
-          </a:p>
-        </p:txBody>
-      </p:sp>
-    </p:spTree>
-  </p:cSld>
-  <p:clrMapOvr>
-    <a:masterClrMapping/>
-  </p:clrMapOvr>
-</p:notes>
-</file>
-
-<file path=ppt/notesSlides/notesSlide8.xml><?xml version="1.0" encoding="utf-8"?>
-<p:notes xmlns:a="http://schemas.openxmlformats.org/drawingml/2006/main" xmlns:r="http://schemas.openxmlformats.org/officeDocument/2006/relationships" xmlns:mc="http://schemas.openxmlformats.org/markup-compatibility/2006" xmlns:mv="urn:schemas-microsoft-com:mac:vml" xmlns:p="http://schemas.openxmlformats.org/presentationml/2006/main" xmlns:c="http://schemas.openxmlformats.org/drawingml/2006/chart" xmlns:dgm="http://schemas.openxmlformats.org/drawingml/2006/diagram" xmlns:o="urn:schemas-microsoft-com:office:office" xmlns:v="urn:schemas-microsoft-com:vml" xmlns:pvml="urn:schemas-microsoft-com:office:powerpoint" xmlns:com="http://schemas.openxmlformats.org/drawingml/2006/compatibility" xmlns:p14="http://schemas.microsoft.com/office/powerpoint/2010/main" xmlns:p15="http://schemas.microsoft.com/office/powerpoint/2012/main" xmlns:ahyp="http://schemas.microsoft.com/office/drawing/2018/hyperlinkcolor" showMasterPhAnim="0" showMasterSp="0">
-  <p:cSld>
-    <p:spTree>
-      <p:nvGrpSpPr>
-        <p:cNvPr id="94" name="Shape 94"/>
-        <p:cNvGrpSpPr/>
-        <p:nvPr/>
-      </p:nvGrpSpPr>
-      <p:grpSpPr>
-        <a:xfrm>
-          <a:off x="0" y="0"/>
-          <a:ext cx="0" cy="0"/>
-          <a:chOff x="0" y="0"/>
-          <a:chExt cx="0" cy="0"/>
-        </a:xfrm>
-      </p:grpSpPr>
-      <p:sp>
-        <p:nvSpPr>
-          <p:cNvPr id="95" name="Google Shape;95;g22858182f59_0_15:notes"/>
-          <p:cNvSpPr/>
-          <p:nvPr>
-            <p:ph idx="2" type="sldImg"/>
-          </p:nvPr>
-        </p:nvSpPr>
-        <p:spPr>
-          <a:xfrm>
-            <a:off x="381300" y="685800"/>
-            <a:ext cx="6096000" cy="3429000"/>
-          </a:xfrm>
-          <a:custGeom>
-            <a:rect b="b" l="l" r="r" t="t"/>
-            <a:pathLst>
-              <a:path extrusionOk="0" h="120000" w="120000">
-                <a:moveTo>
-                  <a:pt x="0" y="0"/>
-                </a:moveTo>
-                <a:lnTo>
-                  <a:pt x="120000" y="0"/>
-                </a:lnTo>
-                <a:lnTo>
-                  <a:pt x="120000" y="120000"/>
-                </a:lnTo>
-                <a:lnTo>
-                  <a:pt x="0" y="120000"/>
-                </a:lnTo>
-                <a:close/>
-              </a:path>
-            </a:pathLst>
-          </a:custGeom>
-        </p:spPr>
-      </p:sp>
-      <p:sp>
-        <p:nvSpPr>
-          <p:cNvPr id="96" name="Google Shape;96;g22858182f59_0_15:notes"/>
-          <p:cNvSpPr txBox="1"/>
-          <p:nvPr>
-            <p:ph idx="1" type="body"/>
-          </p:nvPr>
-        </p:nvSpPr>
-        <p:spPr>
-          <a:xfrm>
-            <a:off x="685800" y="4343400"/>
-            <a:ext cx="5486400" cy="4114800"/>
-          </a:xfrm>
-          <a:prstGeom prst="rect">
-            <a:avLst/>
-          </a:prstGeom>
-        </p:spPr>
-        <p:txBody>
-          <a:bodyPr anchorCtr="0" anchor="t" bIns="91425" lIns="91425" spcFirstLastPara="1" rIns="91425" wrap="square" tIns="91425">
-            <a:noAutofit/>
-          </a:bodyPr>
-          <a:lstStyle/>
-          <a:p>
-            <a:pPr indent="0" lvl="0" marL="0" rtl="0" algn="l">
-              <a:spcBef>
-                <a:spcPts val="0"/>
-              </a:spcBef>
-              <a:spcAft>
-                <a:spcPts val="0"/>
-              </a:spcAft>
-              <a:buNone/>
-            </a:pPr>
-            <a:r>
-              <a:t/>
-            </a:r>
-            <a:endParaRPr/>
-          </a:p>
-        </p:txBody>
-      </p:sp>
-    </p:spTree>
-  </p:cSld>
-  <p:clrMapOvr>
-    <a:masterClrMapping/>
-  </p:clrMapOvr>
-</p:notes>
-</file>
-
-<file path=ppt/notesSlides/notesSlide9.xml><?xml version="1.0" encoding="utf-8"?>
-<p:notes xmlns:a="http://schemas.openxmlformats.org/drawingml/2006/main" xmlns:r="http://schemas.openxmlformats.org/officeDocument/2006/relationships" xmlns:mc="http://schemas.openxmlformats.org/markup-compatibility/2006" xmlns:mv="urn:schemas-microsoft-com:mac:vml" xmlns:p="http://schemas.openxmlformats.org/presentationml/2006/main" xmlns:c="http://schemas.openxmlformats.org/drawingml/2006/chart" xmlns:dgm="http://schemas.openxmlformats.org/drawingml/2006/diagram" xmlns:o="urn:schemas-microsoft-com:office:office" xmlns:v="urn:schemas-microsoft-com:vml" xmlns:pvml="urn:schemas-microsoft-com:office:powerpoint" xmlns:com="http://schemas.openxmlformats.org/drawingml/2006/compatibility" xmlns:p14="http://schemas.microsoft.com/office/powerpoint/2010/main" xmlns:p15="http://schemas.microsoft.com/office/powerpoint/2012/main" xmlns:ahyp="http://schemas.microsoft.com/office/drawing/2018/hyperlinkcolor" showMasterPhAnim="0" showMasterSp="0">
-  <p:cSld>
-    <p:spTree>
-      <p:nvGrpSpPr>
-        <p:cNvPr id="100" name="Shape 100"/>
-        <p:cNvGrpSpPr/>
-        <p:nvPr/>
-      </p:nvGrpSpPr>
-      <p:grpSpPr>
-        <a:xfrm>
-          <a:off x="0" y="0"/>
-          <a:ext cx="0" cy="0"/>
-          <a:chOff x="0" y="0"/>
-          <a:chExt cx="0" cy="0"/>
-        </a:xfrm>
-      </p:grpSpPr>
-      <p:sp>
-        <p:nvSpPr>
-          <p:cNvPr id="101" name="Google Shape;101;g22858182f59_0_24:notes"/>
-          <p:cNvSpPr/>
-          <p:nvPr>
-            <p:ph idx="2" type="sldImg"/>
-          </p:nvPr>
-        </p:nvSpPr>
-        <p:spPr>
-          <a:xfrm>
-            <a:off x="381300" y="685800"/>
-            <a:ext cx="6096000" cy="3429000"/>
-          </a:xfrm>
-          <a:custGeom>
-            <a:rect b="b" l="l" r="r" t="t"/>
-            <a:pathLst>
-              <a:path extrusionOk="0" h="120000" w="120000">
-                <a:moveTo>
-                  <a:pt x="0" y="0"/>
-                </a:moveTo>
-                <a:lnTo>
-                  <a:pt x="120000" y="0"/>
-                </a:lnTo>
-                <a:lnTo>
-                  <a:pt x="120000" y="120000"/>
-                </a:lnTo>
-                <a:lnTo>
-                  <a:pt x="0" y="120000"/>
-                </a:lnTo>
-                <a:close/>
-              </a:path>
-            </a:pathLst>
-          </a:custGeom>
-        </p:spPr>
-      </p:sp>
-      <p:sp>
-        <p:nvSpPr>
-          <p:cNvPr id="102" name="Google Shape;102;g22858182f59_0_24:notes"/>
-          <p:cNvSpPr txBox="1"/>
-          <p:nvPr>
-            <p:ph idx="1" type="body"/>
-          </p:nvPr>
-        </p:nvSpPr>
-        <p:spPr>
-          <a:xfrm>
-            <a:off x="685800" y="4343400"/>
-            <a:ext cx="5486400" cy="4114800"/>
-          </a:xfrm>
-          <a:prstGeom prst="rect">
-            <a:avLst/>
-          </a:prstGeom>
-        </p:spPr>
-        <p:txBody>
-          <a:bodyPr anchorCtr="0" anchor="t" bIns="91425" lIns="91425" spcFirstLastPara="1" rIns="91425" wrap="square" tIns="91425">
-            <a:noAutofit/>
-          </a:bodyPr>
-          <a:lstStyle/>
-          <a:p>
-            <a:pPr indent="0" lvl="0" marL="0" rtl="0" algn="l">
-              <a:spcBef>
-                <a:spcPts val="0"/>
-              </a:spcBef>
-              <a:spcAft>
-                <a:spcPts val="0"/>
-              </a:spcAft>
-              <a:buNone/>
-            </a:pPr>
-            <a:r>
-              <a:t/>
-            </a:r>
+            <a:pPr marL="0" lvl="0" indent="0" algn="l" rtl="0">
+              <a:spcBef>
+                <a:spcPts val="0"/>
+              </a:spcBef>
+              <a:spcAft>
+                <a:spcPts val="0"/>
+              </a:spcAft>
+              <a:buNone/>
+            </a:pPr>
             <a:endParaRPr/>
           </a:p>
         </p:txBody>
@@ -1951,11 +1924,11 @@
 </file>
 
 <file path=ppt/slideLayouts/slideLayout1.xml><?xml version="1.0" encoding="utf-8"?>
-<p:sldLayout xmlns:a="http://schemas.openxmlformats.org/drawingml/2006/main" xmlns:r="http://schemas.openxmlformats.org/officeDocument/2006/relationships" xmlns:mc="http://schemas.openxmlformats.org/markup-compatibility/2006" xmlns:mv="urn:schemas-microsoft-com:mac:vml" xmlns:p="http://schemas.openxmlformats.org/presentationml/2006/main" xmlns:c="http://schemas.openxmlformats.org/drawingml/2006/chart" xmlns:dgm="http://schemas.openxmlformats.org/drawingml/2006/diagram" xmlns:o="urn:schemas-microsoft-com:office:office" xmlns:v="urn:schemas-microsoft-com:vml" xmlns:pvml="urn:schemas-microsoft-com:office:powerpoint" xmlns:com="http://schemas.openxmlformats.org/drawingml/2006/compatibility" xmlns:p14="http://schemas.microsoft.com/office/powerpoint/2010/main" xmlns:p15="http://schemas.microsoft.com/office/powerpoint/2012/main" xmlns:ahyp="http://schemas.microsoft.com/office/drawing/2018/hyperlinkcolor" matchingName="Title slide" type="title">
+<p:sldLayout xmlns:a="http://schemas.openxmlformats.org/drawingml/2006/main" xmlns:r="http://schemas.openxmlformats.org/officeDocument/2006/relationships" xmlns:p="http://schemas.openxmlformats.org/presentationml/2006/main" matchingName="Title slide" type="title">
   <p:cSld name="TITLE">
     <p:spTree>
       <p:nvGrpSpPr>
-        <p:cNvPr id="9" name="Shape 9"/>
+        <p:cNvPr id="1" name="Shape 9"/>
         <p:cNvGrpSpPr/>
         <p:nvPr/>
       </p:nvGrpSpPr>
@@ -1970,7 +1943,9 @@
       <p:sp>
         <p:nvSpPr>
           <p:cNvPr id="10" name="Google Shape;10;p2"/>
-          <p:cNvSpPr txBox="1"/>
+          <p:cNvSpPr txBox="1">
+            <a:spLocks noGrp="1"/>
+          </p:cNvSpPr>
           <p:nvPr>
             <p:ph type="ctrTitle"/>
           </p:nvPr>
@@ -1985,7 +1960,7 @@
           </a:prstGeom>
         </p:spPr>
         <p:txBody>
-          <a:bodyPr anchorCtr="0" anchor="b" bIns="91425" lIns="91425" spcFirstLastPara="1" rIns="91425" wrap="square" tIns="91425">
+          <a:bodyPr spcFirstLastPara="1" wrap="square" lIns="91425" tIns="91425" rIns="91425" bIns="91425" anchor="b" anchorCtr="0">
             <a:normAutofit/>
           </a:bodyPr>
           <a:lstStyle>
@@ -2089,15 +2064,19 @@
               <a:defRPr sz="5200"/>
             </a:lvl9pPr>
           </a:lstStyle>
-          <a:p/>
+          <a:p>
+            <a:endParaRPr/>
+          </a:p>
         </p:txBody>
       </p:sp>
       <p:sp>
         <p:nvSpPr>
           <p:cNvPr id="11" name="Google Shape;11;p2"/>
-          <p:cNvSpPr txBox="1"/>
+          <p:cNvSpPr txBox="1">
+            <a:spLocks noGrp="1"/>
+          </p:cNvSpPr>
           <p:nvPr>
-            <p:ph idx="1" type="subTitle"/>
+            <p:ph type="subTitle" idx="1"/>
           </p:nvPr>
         </p:nvSpPr>
         <p:spPr>
@@ -2110,7 +2089,7 @@
           </a:prstGeom>
         </p:spPr>
         <p:txBody>
-          <a:bodyPr anchorCtr="0" anchor="t" bIns="91425" lIns="91425" spcFirstLastPara="1" rIns="91425" wrap="square" tIns="91425">
+          <a:bodyPr spcFirstLastPara="1" wrap="square" lIns="91425" tIns="91425" rIns="91425" bIns="91425" anchor="t" anchorCtr="0">
             <a:normAutofit/>
           </a:bodyPr>
           <a:lstStyle>
@@ -2241,15 +2220,19 @@
               <a:defRPr sz="2800"/>
             </a:lvl9pPr>
           </a:lstStyle>
-          <a:p/>
+          <a:p>
+            <a:endParaRPr/>
+          </a:p>
         </p:txBody>
       </p:sp>
       <p:sp>
         <p:nvSpPr>
           <p:cNvPr id="12" name="Google Shape;12;p2"/>
-          <p:cNvSpPr txBox="1"/>
+          <p:cNvSpPr txBox="1">
+            <a:spLocks noGrp="1"/>
+          </p:cNvSpPr>
           <p:nvPr>
-            <p:ph idx="12" type="sldNum"/>
+            <p:ph type="sldNum" idx="12"/>
           </p:nvPr>
         </p:nvSpPr>
         <p:spPr>
@@ -2262,7 +2245,7 @@
           </a:prstGeom>
         </p:spPr>
         <p:txBody>
-          <a:bodyPr anchorCtr="0" anchor="ctr" bIns="91425" lIns="91425" spcFirstLastPara="1" rIns="91425" wrap="square" tIns="91425">
+          <a:bodyPr spcFirstLastPara="1" wrap="square" lIns="91425" tIns="91425" rIns="91425" bIns="91425" anchor="ctr" anchorCtr="0">
             <a:normAutofit/>
           </a:bodyPr>
           <a:lstStyle>
@@ -2304,7 +2287,7 @@
             </a:lvl9pPr>
           </a:lstStyle>
           <a:p>
-            <a:pPr indent="0" lvl="0" marL="0" rtl="0" algn="r">
+            <a:pPr marL="0" lvl="0" indent="0" algn="r" rtl="0">
               <a:spcBef>
                 <a:spcPts val="0"/>
               </a:spcBef>
@@ -2330,11 +2313,11 @@
 </file>
 
 <file path=ppt/slideLayouts/slideLayout10.xml><?xml version="1.0" encoding="utf-8"?>
-<p:sldLayout xmlns:a="http://schemas.openxmlformats.org/drawingml/2006/main" xmlns:r="http://schemas.openxmlformats.org/officeDocument/2006/relationships" xmlns:mc="http://schemas.openxmlformats.org/markup-compatibility/2006" xmlns:mv="urn:schemas-microsoft-com:mac:vml" xmlns:p="http://schemas.openxmlformats.org/presentationml/2006/main" xmlns:c="http://schemas.openxmlformats.org/drawingml/2006/chart" xmlns:dgm="http://schemas.openxmlformats.org/drawingml/2006/diagram" xmlns:o="urn:schemas-microsoft-com:office:office" xmlns:v="urn:schemas-microsoft-com:vml" xmlns:pvml="urn:schemas-microsoft-com:office:powerpoint" xmlns:com="http://schemas.openxmlformats.org/drawingml/2006/compatibility" xmlns:p14="http://schemas.microsoft.com/office/powerpoint/2010/main" xmlns:p15="http://schemas.microsoft.com/office/powerpoint/2012/main" xmlns:ahyp="http://schemas.microsoft.com/office/drawing/2018/hyperlinkcolor" matchingName="Big number">
+<p:sldLayout xmlns:a="http://schemas.openxmlformats.org/drawingml/2006/main" xmlns:r="http://schemas.openxmlformats.org/officeDocument/2006/relationships" xmlns:p="http://schemas.openxmlformats.org/presentationml/2006/main" matchingName="Big number">
   <p:cSld name="BIG_NUMBER">
     <p:spTree>
       <p:nvGrpSpPr>
-        <p:cNvPr id="44" name="Shape 44"/>
+        <p:cNvPr id="1" name="Shape 44"/>
         <p:cNvGrpSpPr/>
         <p:nvPr/>
       </p:nvGrpSpPr>
@@ -2349,9 +2332,11 @@
       <p:sp>
         <p:nvSpPr>
           <p:cNvPr id="45" name="Google Shape;45;p11"/>
-          <p:cNvSpPr txBox="1"/>
+          <p:cNvSpPr txBox="1">
+            <a:spLocks noGrp="1"/>
+          </p:cNvSpPr>
           <p:nvPr>
-            <p:ph hasCustomPrompt="1" type="title"/>
+            <p:ph type="title" hasCustomPrompt="1"/>
           </p:nvPr>
         </p:nvSpPr>
         <p:spPr>
@@ -2364,7 +2349,7 @@
           </a:prstGeom>
         </p:spPr>
         <p:txBody>
-          <a:bodyPr anchorCtr="0" anchor="b" bIns="91425" lIns="91425" spcFirstLastPara="1" rIns="91425" wrap="square" tIns="91425">
+          <a:bodyPr spcFirstLastPara="1" wrap="square" lIns="91425" tIns="91425" rIns="91425" bIns="91425" anchor="b" anchorCtr="0">
             <a:normAutofit/>
           </a:bodyPr>
           <a:lstStyle>
@@ -2478,9 +2463,11 @@
       <p:sp>
         <p:nvSpPr>
           <p:cNvPr id="46" name="Google Shape;46;p11"/>
-          <p:cNvSpPr txBox="1"/>
+          <p:cNvSpPr txBox="1">
+            <a:spLocks noGrp="1"/>
+          </p:cNvSpPr>
           <p:nvPr>
-            <p:ph idx="1" type="body"/>
+            <p:ph type="body" idx="1"/>
           </p:nvPr>
         </p:nvSpPr>
         <p:spPr>
@@ -2493,11 +2480,11 @@
           </a:prstGeom>
         </p:spPr>
         <p:txBody>
-          <a:bodyPr anchorCtr="0" anchor="t" bIns="91425" lIns="91425" spcFirstLastPara="1" rIns="91425" wrap="square" tIns="91425">
+          <a:bodyPr spcFirstLastPara="1" wrap="square" lIns="91425" tIns="91425" rIns="91425" bIns="91425" anchor="t" anchorCtr="0">
             <a:normAutofit/>
           </a:bodyPr>
           <a:lstStyle>
-            <a:lvl1pPr indent="-342900" lvl="0" marL="457200" algn="ctr">
+            <a:lvl1pPr marL="457200" lvl="0" indent="-342900" algn="ctr">
               <a:spcBef>
                 <a:spcPts val="0"/>
               </a:spcBef>
@@ -2508,7 +2495,7 @@
               <a:buChar char="●"/>
               <a:defRPr/>
             </a:lvl1pPr>
-            <a:lvl2pPr indent="-317500" lvl="1" marL="914400" algn="ctr">
+            <a:lvl2pPr marL="914400" lvl="1" indent="-317500" algn="ctr">
               <a:spcBef>
                 <a:spcPts val="0"/>
               </a:spcBef>
@@ -2519,7 +2506,7 @@
               <a:buChar char="○"/>
               <a:defRPr/>
             </a:lvl2pPr>
-            <a:lvl3pPr indent="-317500" lvl="2" marL="1371600" algn="ctr">
+            <a:lvl3pPr marL="1371600" lvl="2" indent="-317500" algn="ctr">
               <a:spcBef>
                 <a:spcPts val="0"/>
               </a:spcBef>
@@ -2530,7 +2517,7 @@
               <a:buChar char="■"/>
               <a:defRPr/>
             </a:lvl3pPr>
-            <a:lvl4pPr indent="-317500" lvl="3" marL="1828800" algn="ctr">
+            <a:lvl4pPr marL="1828800" lvl="3" indent="-317500" algn="ctr">
               <a:spcBef>
                 <a:spcPts val="0"/>
               </a:spcBef>
@@ -2541,7 +2528,7 @@
               <a:buChar char="●"/>
               <a:defRPr/>
             </a:lvl4pPr>
-            <a:lvl5pPr indent="-317500" lvl="4" marL="2286000" algn="ctr">
+            <a:lvl5pPr marL="2286000" lvl="4" indent="-317500" algn="ctr">
               <a:spcBef>
                 <a:spcPts val="0"/>
               </a:spcBef>
@@ -2552,7 +2539,7 @@
               <a:buChar char="○"/>
               <a:defRPr/>
             </a:lvl5pPr>
-            <a:lvl6pPr indent="-317500" lvl="5" marL="2743200" algn="ctr">
+            <a:lvl6pPr marL="2743200" lvl="5" indent="-317500" algn="ctr">
               <a:spcBef>
                 <a:spcPts val="0"/>
               </a:spcBef>
@@ -2563,7 +2550,7 @@
               <a:buChar char="■"/>
               <a:defRPr/>
             </a:lvl6pPr>
-            <a:lvl7pPr indent="-317500" lvl="6" marL="3200400" algn="ctr">
+            <a:lvl7pPr marL="3200400" lvl="6" indent="-317500" algn="ctr">
               <a:spcBef>
                 <a:spcPts val="0"/>
               </a:spcBef>
@@ -2574,7 +2561,7 @@
               <a:buChar char="●"/>
               <a:defRPr/>
             </a:lvl7pPr>
-            <a:lvl8pPr indent="-317500" lvl="7" marL="3657600" algn="ctr">
+            <a:lvl8pPr marL="3657600" lvl="7" indent="-317500" algn="ctr">
               <a:spcBef>
                 <a:spcPts val="0"/>
               </a:spcBef>
@@ -2585,7 +2572,7 @@
               <a:buChar char="○"/>
               <a:defRPr/>
             </a:lvl8pPr>
-            <a:lvl9pPr indent="-317500" lvl="8" marL="4114800" algn="ctr">
+            <a:lvl9pPr marL="4114800" lvl="8" indent="-317500" algn="ctr">
               <a:spcBef>
                 <a:spcPts val="0"/>
               </a:spcBef>
@@ -2597,15 +2584,19 @@
               <a:defRPr/>
             </a:lvl9pPr>
           </a:lstStyle>
-          <a:p/>
+          <a:p>
+            <a:endParaRPr/>
+          </a:p>
         </p:txBody>
       </p:sp>
       <p:sp>
         <p:nvSpPr>
           <p:cNvPr id="47" name="Google Shape;47;p11"/>
-          <p:cNvSpPr txBox="1"/>
+          <p:cNvSpPr txBox="1">
+            <a:spLocks noGrp="1"/>
+          </p:cNvSpPr>
           <p:nvPr>
-            <p:ph idx="12" type="sldNum"/>
+            <p:ph type="sldNum" idx="12"/>
           </p:nvPr>
         </p:nvSpPr>
         <p:spPr>
@@ -2618,7 +2609,7 @@
           </a:prstGeom>
         </p:spPr>
         <p:txBody>
-          <a:bodyPr anchorCtr="0" anchor="ctr" bIns="91425" lIns="91425" spcFirstLastPara="1" rIns="91425" wrap="square" tIns="91425">
+          <a:bodyPr spcFirstLastPara="1" wrap="square" lIns="91425" tIns="91425" rIns="91425" bIns="91425" anchor="ctr" anchorCtr="0">
             <a:normAutofit/>
           </a:bodyPr>
           <a:lstStyle>
@@ -2660,7 +2651,7 @@
             </a:lvl9pPr>
           </a:lstStyle>
           <a:p>
-            <a:pPr indent="0" lvl="0" marL="0" rtl="0" algn="r">
+            <a:pPr marL="0" lvl="0" indent="0" algn="r" rtl="0">
               <a:spcBef>
                 <a:spcPts val="0"/>
               </a:spcBef>
@@ -2686,11 +2677,11 @@
 </file>
 
 <file path=ppt/slideLayouts/slideLayout11.xml><?xml version="1.0" encoding="utf-8"?>
-<p:sldLayout xmlns:a="http://schemas.openxmlformats.org/drawingml/2006/main" xmlns:r="http://schemas.openxmlformats.org/officeDocument/2006/relationships" xmlns:mc="http://schemas.openxmlformats.org/markup-compatibility/2006" xmlns:mv="urn:schemas-microsoft-com:mac:vml" xmlns:p="http://schemas.openxmlformats.org/presentationml/2006/main" xmlns:c="http://schemas.openxmlformats.org/drawingml/2006/chart" xmlns:dgm="http://schemas.openxmlformats.org/drawingml/2006/diagram" xmlns:o="urn:schemas-microsoft-com:office:office" xmlns:v="urn:schemas-microsoft-com:vml" xmlns:pvml="urn:schemas-microsoft-com:office:powerpoint" xmlns:com="http://schemas.openxmlformats.org/drawingml/2006/compatibility" xmlns:p14="http://schemas.microsoft.com/office/powerpoint/2010/main" xmlns:p15="http://schemas.microsoft.com/office/powerpoint/2012/main" xmlns:ahyp="http://schemas.microsoft.com/office/drawing/2018/hyperlinkcolor" matchingName="Blank" type="blank">
+<p:sldLayout xmlns:a="http://schemas.openxmlformats.org/drawingml/2006/main" xmlns:r="http://schemas.openxmlformats.org/officeDocument/2006/relationships" xmlns:p="http://schemas.openxmlformats.org/presentationml/2006/main" matchingName="Blank" type="blank">
   <p:cSld name="BLANK">
     <p:spTree>
       <p:nvGrpSpPr>
-        <p:cNvPr id="48" name="Shape 48"/>
+        <p:cNvPr id="1" name="Shape 48"/>
         <p:cNvGrpSpPr/>
         <p:nvPr/>
       </p:nvGrpSpPr>
@@ -2705,9 +2696,11 @@
       <p:sp>
         <p:nvSpPr>
           <p:cNvPr id="49" name="Google Shape;49;p12"/>
-          <p:cNvSpPr txBox="1"/>
+          <p:cNvSpPr txBox="1">
+            <a:spLocks noGrp="1"/>
+          </p:cNvSpPr>
           <p:nvPr>
-            <p:ph idx="12" type="sldNum"/>
+            <p:ph type="sldNum" idx="12"/>
           </p:nvPr>
         </p:nvSpPr>
         <p:spPr>
@@ -2720,7 +2713,7 @@
           </a:prstGeom>
         </p:spPr>
         <p:txBody>
-          <a:bodyPr anchorCtr="0" anchor="ctr" bIns="91425" lIns="91425" spcFirstLastPara="1" rIns="91425" wrap="square" tIns="91425">
+          <a:bodyPr spcFirstLastPara="1" wrap="square" lIns="91425" tIns="91425" rIns="91425" bIns="91425" anchor="ctr" anchorCtr="0">
             <a:normAutofit/>
           </a:bodyPr>
           <a:lstStyle>
@@ -2762,7 +2755,7 @@
             </a:lvl9pPr>
           </a:lstStyle>
           <a:p>
-            <a:pPr indent="0" lvl="0" marL="0" rtl="0" algn="r">
+            <a:pPr marL="0" lvl="0" indent="0" algn="r" rtl="0">
               <a:spcBef>
                 <a:spcPts val="0"/>
               </a:spcBef>
@@ -2788,11 +2781,11 @@
 </file>
 
 <file path=ppt/slideLayouts/slideLayout2.xml><?xml version="1.0" encoding="utf-8"?>
-<p:sldLayout xmlns:a="http://schemas.openxmlformats.org/drawingml/2006/main" xmlns:r="http://schemas.openxmlformats.org/officeDocument/2006/relationships" xmlns:mc="http://schemas.openxmlformats.org/markup-compatibility/2006" xmlns:mv="urn:schemas-microsoft-com:mac:vml" xmlns:p="http://schemas.openxmlformats.org/presentationml/2006/main" xmlns:c="http://schemas.openxmlformats.org/drawingml/2006/chart" xmlns:dgm="http://schemas.openxmlformats.org/drawingml/2006/diagram" xmlns:o="urn:schemas-microsoft-com:office:office" xmlns:v="urn:schemas-microsoft-com:vml" xmlns:pvml="urn:schemas-microsoft-com:office:powerpoint" xmlns:com="http://schemas.openxmlformats.org/drawingml/2006/compatibility" xmlns:p14="http://schemas.microsoft.com/office/powerpoint/2010/main" xmlns:p15="http://schemas.microsoft.com/office/powerpoint/2012/main" xmlns:ahyp="http://schemas.microsoft.com/office/drawing/2018/hyperlinkcolor" matchingName="Section header" type="secHead">
+<p:sldLayout xmlns:a="http://schemas.openxmlformats.org/drawingml/2006/main" xmlns:r="http://schemas.openxmlformats.org/officeDocument/2006/relationships" xmlns:p="http://schemas.openxmlformats.org/presentationml/2006/main" matchingName="Section header" type="secHead">
   <p:cSld name="SECTION_HEADER">
     <p:spTree>
       <p:nvGrpSpPr>
-        <p:cNvPr id="13" name="Shape 13"/>
+        <p:cNvPr id="1" name="Shape 13"/>
         <p:cNvGrpSpPr/>
         <p:nvPr/>
       </p:nvGrpSpPr>
@@ -2807,7 +2800,9 @@
       <p:sp>
         <p:nvSpPr>
           <p:cNvPr id="14" name="Google Shape;14;p3"/>
-          <p:cNvSpPr txBox="1"/>
+          <p:cNvSpPr txBox="1">
+            <a:spLocks noGrp="1"/>
+          </p:cNvSpPr>
           <p:nvPr>
             <p:ph type="title"/>
           </p:nvPr>
@@ -2822,7 +2817,7 @@
           </a:prstGeom>
         </p:spPr>
         <p:txBody>
-          <a:bodyPr anchorCtr="0" anchor="ctr" bIns="91425" lIns="91425" spcFirstLastPara="1" rIns="91425" wrap="square" tIns="91425">
+          <a:bodyPr spcFirstLastPara="1" wrap="square" lIns="91425" tIns="91425" rIns="91425" bIns="91425" anchor="ctr" anchorCtr="0">
             <a:normAutofit/>
           </a:bodyPr>
           <a:lstStyle>
@@ -2926,15 +2921,19 @@
               <a:defRPr sz="3600"/>
             </a:lvl9pPr>
           </a:lstStyle>
-          <a:p/>
+          <a:p>
+            <a:endParaRPr/>
+          </a:p>
         </p:txBody>
       </p:sp>
       <p:sp>
         <p:nvSpPr>
           <p:cNvPr id="15" name="Google Shape;15;p3"/>
-          <p:cNvSpPr txBox="1"/>
+          <p:cNvSpPr txBox="1">
+            <a:spLocks noGrp="1"/>
+          </p:cNvSpPr>
           <p:nvPr>
-            <p:ph idx="12" type="sldNum"/>
+            <p:ph type="sldNum" idx="12"/>
           </p:nvPr>
         </p:nvSpPr>
         <p:spPr>
@@ -2947,7 +2946,7 @@
           </a:prstGeom>
         </p:spPr>
         <p:txBody>
-          <a:bodyPr anchorCtr="0" anchor="ctr" bIns="91425" lIns="91425" spcFirstLastPara="1" rIns="91425" wrap="square" tIns="91425">
+          <a:bodyPr spcFirstLastPara="1" wrap="square" lIns="91425" tIns="91425" rIns="91425" bIns="91425" anchor="ctr" anchorCtr="0">
             <a:normAutofit/>
           </a:bodyPr>
           <a:lstStyle>
@@ -2989,7 +2988,7 @@
             </a:lvl9pPr>
           </a:lstStyle>
           <a:p>
-            <a:pPr indent="0" lvl="0" marL="0" rtl="0" algn="r">
+            <a:pPr marL="0" lvl="0" indent="0" algn="r" rtl="0">
               <a:spcBef>
                 <a:spcPts val="0"/>
               </a:spcBef>
@@ -3015,11 +3014,11 @@
 </file>
 
 <file path=ppt/slideLayouts/slideLayout3.xml><?xml version="1.0" encoding="utf-8"?>
-<p:sldLayout xmlns:a="http://schemas.openxmlformats.org/drawingml/2006/main" xmlns:r="http://schemas.openxmlformats.org/officeDocument/2006/relationships" xmlns:mc="http://schemas.openxmlformats.org/markup-compatibility/2006" xmlns:mv="urn:schemas-microsoft-com:mac:vml" xmlns:p="http://schemas.openxmlformats.org/presentationml/2006/main" xmlns:c="http://schemas.openxmlformats.org/drawingml/2006/chart" xmlns:dgm="http://schemas.openxmlformats.org/drawingml/2006/diagram" xmlns:o="urn:schemas-microsoft-com:office:office" xmlns:v="urn:schemas-microsoft-com:vml" xmlns:pvml="urn:schemas-microsoft-com:office:powerpoint" xmlns:com="http://schemas.openxmlformats.org/drawingml/2006/compatibility" xmlns:p14="http://schemas.microsoft.com/office/powerpoint/2010/main" xmlns:p15="http://schemas.microsoft.com/office/powerpoint/2012/main" xmlns:ahyp="http://schemas.microsoft.com/office/drawing/2018/hyperlinkcolor" matchingName="Title and body" type="tx">
+<p:sldLayout xmlns:a="http://schemas.openxmlformats.org/drawingml/2006/main" xmlns:r="http://schemas.openxmlformats.org/officeDocument/2006/relationships" xmlns:p="http://schemas.openxmlformats.org/presentationml/2006/main" matchingName="Title and body" type="tx">
   <p:cSld name="TITLE_AND_BODY">
     <p:spTree>
       <p:nvGrpSpPr>
-        <p:cNvPr id="16" name="Shape 16"/>
+        <p:cNvPr id="1" name="Shape 16"/>
         <p:cNvGrpSpPr/>
         <p:nvPr/>
       </p:nvGrpSpPr>
@@ -3034,7 +3033,9 @@
       <p:sp>
         <p:nvSpPr>
           <p:cNvPr id="17" name="Google Shape;17;p4"/>
-          <p:cNvSpPr txBox="1"/>
+          <p:cNvSpPr txBox="1">
+            <a:spLocks noGrp="1"/>
+          </p:cNvSpPr>
           <p:nvPr>
             <p:ph type="title"/>
           </p:nvPr>
@@ -3049,7 +3050,7 @@
           </a:prstGeom>
         </p:spPr>
         <p:txBody>
-          <a:bodyPr anchorCtr="0" anchor="t" bIns="91425" lIns="91425" spcFirstLastPara="1" rIns="91425" wrap="square" tIns="91425">
+          <a:bodyPr spcFirstLastPara="1" wrap="square" lIns="91425" tIns="91425" rIns="91425" bIns="91425" anchor="t" anchorCtr="0">
             <a:normAutofit/>
           </a:bodyPr>
           <a:lstStyle>
@@ -3153,15 +3154,19 @@
               <a:defRPr/>
             </a:lvl9pPr>
           </a:lstStyle>
-          <a:p/>
+          <a:p>
+            <a:endParaRPr/>
+          </a:p>
         </p:txBody>
       </p:sp>
       <p:sp>
         <p:nvSpPr>
           <p:cNvPr id="18" name="Google Shape;18;p4"/>
-          <p:cNvSpPr txBox="1"/>
+          <p:cNvSpPr txBox="1">
+            <a:spLocks noGrp="1"/>
+          </p:cNvSpPr>
           <p:nvPr>
-            <p:ph idx="1" type="body"/>
+            <p:ph type="body" idx="1"/>
           </p:nvPr>
         </p:nvSpPr>
         <p:spPr>
@@ -3174,11 +3179,11 @@
           </a:prstGeom>
         </p:spPr>
         <p:txBody>
-          <a:bodyPr anchorCtr="0" anchor="t" bIns="91425" lIns="91425" spcFirstLastPara="1" rIns="91425" wrap="square" tIns="91425">
+          <a:bodyPr spcFirstLastPara="1" wrap="square" lIns="91425" tIns="91425" rIns="91425" bIns="91425" anchor="t" anchorCtr="0">
             <a:normAutofit/>
           </a:bodyPr>
           <a:lstStyle>
-            <a:lvl1pPr indent="-342900" lvl="0" marL="457200">
+            <a:lvl1pPr marL="457200" lvl="0" indent="-342900">
               <a:spcBef>
                 <a:spcPts val="0"/>
               </a:spcBef>
@@ -3189,7 +3194,7 @@
               <a:buChar char="●"/>
               <a:defRPr/>
             </a:lvl1pPr>
-            <a:lvl2pPr indent="-317500" lvl="1" marL="914400">
+            <a:lvl2pPr marL="914400" lvl="1" indent="-317500">
               <a:spcBef>
                 <a:spcPts val="0"/>
               </a:spcBef>
@@ -3200,7 +3205,7 @@
               <a:buChar char="○"/>
               <a:defRPr/>
             </a:lvl2pPr>
-            <a:lvl3pPr indent="-317500" lvl="2" marL="1371600">
+            <a:lvl3pPr marL="1371600" lvl="2" indent="-317500">
               <a:spcBef>
                 <a:spcPts val="0"/>
               </a:spcBef>
@@ -3211,7 +3216,7 @@
               <a:buChar char="■"/>
               <a:defRPr/>
             </a:lvl3pPr>
-            <a:lvl4pPr indent="-317500" lvl="3" marL="1828800">
+            <a:lvl4pPr marL="1828800" lvl="3" indent="-317500">
               <a:spcBef>
                 <a:spcPts val="0"/>
               </a:spcBef>
@@ -3222,7 +3227,7 @@
               <a:buChar char="●"/>
               <a:defRPr/>
             </a:lvl4pPr>
-            <a:lvl5pPr indent="-317500" lvl="4" marL="2286000">
+            <a:lvl5pPr marL="2286000" lvl="4" indent="-317500">
               <a:spcBef>
                 <a:spcPts val="0"/>
               </a:spcBef>
@@ -3233,7 +3238,7 @@
               <a:buChar char="○"/>
               <a:defRPr/>
             </a:lvl5pPr>
-            <a:lvl6pPr indent="-317500" lvl="5" marL="2743200">
+            <a:lvl6pPr marL="2743200" lvl="5" indent="-317500">
               <a:spcBef>
                 <a:spcPts val="0"/>
               </a:spcBef>
@@ -3244,7 +3249,7 @@
               <a:buChar char="■"/>
               <a:defRPr/>
             </a:lvl6pPr>
-            <a:lvl7pPr indent="-317500" lvl="6" marL="3200400">
+            <a:lvl7pPr marL="3200400" lvl="6" indent="-317500">
               <a:spcBef>
                 <a:spcPts val="0"/>
               </a:spcBef>
@@ -3255,7 +3260,7 @@
               <a:buChar char="●"/>
               <a:defRPr/>
             </a:lvl7pPr>
-            <a:lvl8pPr indent="-317500" lvl="7" marL="3657600">
+            <a:lvl8pPr marL="3657600" lvl="7" indent="-317500">
               <a:spcBef>
                 <a:spcPts val="0"/>
               </a:spcBef>
@@ -3266,7 +3271,7 @@
               <a:buChar char="○"/>
               <a:defRPr/>
             </a:lvl8pPr>
-            <a:lvl9pPr indent="-317500" lvl="8" marL="4114800">
+            <a:lvl9pPr marL="4114800" lvl="8" indent="-317500">
               <a:spcBef>
                 <a:spcPts val="0"/>
               </a:spcBef>
@@ -3278,15 +3283,19 @@
               <a:defRPr/>
             </a:lvl9pPr>
           </a:lstStyle>
-          <a:p/>
+          <a:p>
+            <a:endParaRPr/>
+          </a:p>
         </p:txBody>
       </p:sp>
       <p:sp>
         <p:nvSpPr>
           <p:cNvPr id="19" name="Google Shape;19;p4"/>
-          <p:cNvSpPr txBox="1"/>
+          <p:cNvSpPr txBox="1">
+            <a:spLocks noGrp="1"/>
+          </p:cNvSpPr>
           <p:nvPr>
-            <p:ph idx="12" type="sldNum"/>
+            <p:ph type="sldNum" idx="12"/>
           </p:nvPr>
         </p:nvSpPr>
         <p:spPr>
@@ -3299,7 +3308,7 @@
           </a:prstGeom>
         </p:spPr>
         <p:txBody>
-          <a:bodyPr anchorCtr="0" anchor="ctr" bIns="91425" lIns="91425" spcFirstLastPara="1" rIns="91425" wrap="square" tIns="91425">
+          <a:bodyPr spcFirstLastPara="1" wrap="square" lIns="91425" tIns="91425" rIns="91425" bIns="91425" anchor="ctr" anchorCtr="0">
             <a:normAutofit/>
           </a:bodyPr>
           <a:lstStyle>
@@ -3341,7 +3350,7 @@
             </a:lvl9pPr>
           </a:lstStyle>
           <a:p>
-            <a:pPr indent="0" lvl="0" marL="0" rtl="0" algn="r">
+            <a:pPr marL="0" lvl="0" indent="0" algn="r" rtl="0">
               <a:spcBef>
                 <a:spcPts val="0"/>
               </a:spcBef>
@@ -3367,11 +3376,11 @@
 </file>
 
 <file path=ppt/slideLayouts/slideLayout4.xml><?xml version="1.0" encoding="utf-8"?>
-<p:sldLayout xmlns:a="http://schemas.openxmlformats.org/drawingml/2006/main" xmlns:r="http://schemas.openxmlformats.org/officeDocument/2006/relationships" xmlns:mc="http://schemas.openxmlformats.org/markup-compatibility/2006" xmlns:mv="urn:schemas-microsoft-com:mac:vml" xmlns:p="http://schemas.openxmlformats.org/presentationml/2006/main" xmlns:c="http://schemas.openxmlformats.org/drawingml/2006/chart" xmlns:dgm="http://schemas.openxmlformats.org/drawingml/2006/diagram" xmlns:o="urn:schemas-microsoft-com:office:office" xmlns:v="urn:schemas-microsoft-com:vml" xmlns:pvml="urn:schemas-microsoft-com:office:powerpoint" xmlns:com="http://schemas.openxmlformats.org/drawingml/2006/compatibility" xmlns:p14="http://schemas.microsoft.com/office/powerpoint/2010/main" xmlns:p15="http://schemas.microsoft.com/office/powerpoint/2012/main" xmlns:ahyp="http://schemas.microsoft.com/office/drawing/2018/hyperlinkcolor" matchingName="Title and two columns" type="twoColTx">
+<p:sldLayout xmlns:a="http://schemas.openxmlformats.org/drawingml/2006/main" xmlns:r="http://schemas.openxmlformats.org/officeDocument/2006/relationships" xmlns:p="http://schemas.openxmlformats.org/presentationml/2006/main" matchingName="Title and two columns" type="twoColTx">
   <p:cSld name="TITLE_AND_TWO_COLUMNS">
     <p:spTree>
       <p:nvGrpSpPr>
-        <p:cNvPr id="20" name="Shape 20"/>
+        <p:cNvPr id="1" name="Shape 20"/>
         <p:cNvGrpSpPr/>
         <p:nvPr/>
       </p:nvGrpSpPr>
@@ -3386,7 +3395,9 @@
       <p:sp>
         <p:nvSpPr>
           <p:cNvPr id="21" name="Google Shape;21;p5"/>
-          <p:cNvSpPr txBox="1"/>
+          <p:cNvSpPr txBox="1">
+            <a:spLocks noGrp="1"/>
+          </p:cNvSpPr>
           <p:nvPr>
             <p:ph type="title"/>
           </p:nvPr>
@@ -3401,7 +3412,7 @@
           </a:prstGeom>
         </p:spPr>
         <p:txBody>
-          <a:bodyPr anchorCtr="0" anchor="t" bIns="91425" lIns="91425" spcFirstLastPara="1" rIns="91425" wrap="square" tIns="91425">
+          <a:bodyPr spcFirstLastPara="1" wrap="square" lIns="91425" tIns="91425" rIns="91425" bIns="91425" anchor="t" anchorCtr="0">
             <a:normAutofit/>
           </a:bodyPr>
           <a:lstStyle>
@@ -3505,15 +3516,19 @@
               <a:defRPr/>
             </a:lvl9pPr>
           </a:lstStyle>
-          <a:p/>
+          <a:p>
+            <a:endParaRPr/>
+          </a:p>
         </p:txBody>
       </p:sp>
       <p:sp>
         <p:nvSpPr>
           <p:cNvPr id="22" name="Google Shape;22;p5"/>
-          <p:cNvSpPr txBox="1"/>
+          <p:cNvSpPr txBox="1">
+            <a:spLocks noGrp="1"/>
+          </p:cNvSpPr>
           <p:nvPr>
-            <p:ph idx="1" type="body"/>
+            <p:ph type="body" idx="1"/>
           </p:nvPr>
         </p:nvSpPr>
         <p:spPr>
@@ -3526,11 +3541,11 @@
           </a:prstGeom>
         </p:spPr>
         <p:txBody>
-          <a:bodyPr anchorCtr="0" anchor="t" bIns="91425" lIns="91425" spcFirstLastPara="1" rIns="91425" wrap="square" tIns="91425">
+          <a:bodyPr spcFirstLastPara="1" wrap="square" lIns="91425" tIns="91425" rIns="91425" bIns="91425" anchor="t" anchorCtr="0">
             <a:normAutofit/>
           </a:bodyPr>
           <a:lstStyle>
-            <a:lvl1pPr indent="-317500" lvl="0" marL="457200">
+            <a:lvl1pPr marL="457200" lvl="0" indent="-317500">
               <a:spcBef>
                 <a:spcPts val="0"/>
               </a:spcBef>
@@ -3541,7 +3556,7 @@
               <a:buChar char="●"/>
               <a:defRPr sz="1400"/>
             </a:lvl1pPr>
-            <a:lvl2pPr indent="-304800" lvl="1" marL="914400">
+            <a:lvl2pPr marL="914400" lvl="1" indent="-304800">
               <a:spcBef>
                 <a:spcPts val="0"/>
               </a:spcBef>
@@ -3552,7 +3567,7 @@
               <a:buChar char="○"/>
               <a:defRPr sz="1200"/>
             </a:lvl2pPr>
-            <a:lvl3pPr indent="-304800" lvl="2" marL="1371600">
+            <a:lvl3pPr marL="1371600" lvl="2" indent="-304800">
               <a:spcBef>
                 <a:spcPts val="0"/>
               </a:spcBef>
@@ -3563,7 +3578,7 @@
               <a:buChar char="■"/>
               <a:defRPr sz="1200"/>
             </a:lvl3pPr>
-            <a:lvl4pPr indent="-304800" lvl="3" marL="1828800">
+            <a:lvl4pPr marL="1828800" lvl="3" indent="-304800">
               <a:spcBef>
                 <a:spcPts val="0"/>
               </a:spcBef>
@@ -3574,7 +3589,7 @@
               <a:buChar char="●"/>
               <a:defRPr sz="1200"/>
             </a:lvl4pPr>
-            <a:lvl5pPr indent="-304800" lvl="4" marL="2286000">
+            <a:lvl5pPr marL="2286000" lvl="4" indent="-304800">
               <a:spcBef>
                 <a:spcPts val="0"/>
               </a:spcBef>
@@ -3585,7 +3600,7 @@
               <a:buChar char="○"/>
               <a:defRPr sz="1200"/>
             </a:lvl5pPr>
-            <a:lvl6pPr indent="-304800" lvl="5" marL="2743200">
+            <a:lvl6pPr marL="2743200" lvl="5" indent="-304800">
               <a:spcBef>
                 <a:spcPts val="0"/>
               </a:spcBef>
@@ -3596,7 +3611,7 @@
               <a:buChar char="■"/>
               <a:defRPr sz="1200"/>
             </a:lvl6pPr>
-            <a:lvl7pPr indent="-304800" lvl="6" marL="3200400">
+            <a:lvl7pPr marL="3200400" lvl="6" indent="-304800">
               <a:spcBef>
                 <a:spcPts val="0"/>
               </a:spcBef>
@@ -3607,7 +3622,7 @@
               <a:buChar char="●"/>
               <a:defRPr sz="1200"/>
             </a:lvl7pPr>
-            <a:lvl8pPr indent="-304800" lvl="7" marL="3657600">
+            <a:lvl8pPr marL="3657600" lvl="7" indent="-304800">
               <a:spcBef>
                 <a:spcPts val="0"/>
               </a:spcBef>
@@ -3618,7 +3633,7 @@
               <a:buChar char="○"/>
               <a:defRPr sz="1200"/>
             </a:lvl8pPr>
-            <a:lvl9pPr indent="-304800" lvl="8" marL="4114800">
+            <a:lvl9pPr marL="4114800" lvl="8" indent="-304800">
               <a:spcBef>
                 <a:spcPts val="0"/>
               </a:spcBef>
@@ -3630,15 +3645,19 @@
               <a:defRPr sz="1200"/>
             </a:lvl9pPr>
           </a:lstStyle>
-          <a:p/>
+          <a:p>
+            <a:endParaRPr/>
+          </a:p>
         </p:txBody>
       </p:sp>
       <p:sp>
         <p:nvSpPr>
           <p:cNvPr id="23" name="Google Shape;23;p5"/>
-          <p:cNvSpPr txBox="1"/>
+          <p:cNvSpPr txBox="1">
+            <a:spLocks noGrp="1"/>
+          </p:cNvSpPr>
           <p:nvPr>
-            <p:ph idx="2" type="body"/>
+            <p:ph type="body" idx="2"/>
           </p:nvPr>
         </p:nvSpPr>
         <p:spPr>
@@ -3651,11 +3670,11 @@
           </a:prstGeom>
         </p:spPr>
         <p:txBody>
-          <a:bodyPr anchorCtr="0" anchor="t" bIns="91425" lIns="91425" spcFirstLastPara="1" rIns="91425" wrap="square" tIns="91425">
+          <a:bodyPr spcFirstLastPara="1" wrap="square" lIns="91425" tIns="91425" rIns="91425" bIns="91425" anchor="t" anchorCtr="0">
             <a:normAutofit/>
           </a:bodyPr>
           <a:lstStyle>
-            <a:lvl1pPr indent="-317500" lvl="0" marL="457200">
+            <a:lvl1pPr marL="457200" lvl="0" indent="-317500">
               <a:spcBef>
                 <a:spcPts val="0"/>
               </a:spcBef>
@@ -3666,7 +3685,7 @@
               <a:buChar char="●"/>
               <a:defRPr sz="1400"/>
             </a:lvl1pPr>
-            <a:lvl2pPr indent="-304800" lvl="1" marL="914400">
+            <a:lvl2pPr marL="914400" lvl="1" indent="-304800">
               <a:spcBef>
                 <a:spcPts val="0"/>
               </a:spcBef>
@@ -3677,7 +3696,7 @@
               <a:buChar char="○"/>
               <a:defRPr sz="1200"/>
             </a:lvl2pPr>
-            <a:lvl3pPr indent="-304800" lvl="2" marL="1371600">
+            <a:lvl3pPr marL="1371600" lvl="2" indent="-304800">
               <a:spcBef>
                 <a:spcPts val="0"/>
               </a:spcBef>
@@ -3688,7 +3707,7 @@
               <a:buChar char="■"/>
               <a:defRPr sz="1200"/>
             </a:lvl3pPr>
-            <a:lvl4pPr indent="-304800" lvl="3" marL="1828800">
+            <a:lvl4pPr marL="1828800" lvl="3" indent="-304800">
               <a:spcBef>
                 <a:spcPts val="0"/>
               </a:spcBef>
@@ -3699,7 +3718,7 @@
               <a:buChar char="●"/>
               <a:defRPr sz="1200"/>
             </a:lvl4pPr>
-            <a:lvl5pPr indent="-304800" lvl="4" marL="2286000">
+            <a:lvl5pPr marL="2286000" lvl="4" indent="-304800">
               <a:spcBef>
                 <a:spcPts val="0"/>
               </a:spcBef>
@@ -3710,7 +3729,7 @@
               <a:buChar char="○"/>
               <a:defRPr sz="1200"/>
             </a:lvl5pPr>
-            <a:lvl6pPr indent="-304800" lvl="5" marL="2743200">
+            <a:lvl6pPr marL="2743200" lvl="5" indent="-304800">
               <a:spcBef>
                 <a:spcPts val="0"/>
               </a:spcBef>
@@ -3721,7 +3740,7 @@
               <a:buChar char="■"/>
               <a:defRPr sz="1200"/>
             </a:lvl6pPr>
-            <a:lvl7pPr indent="-304800" lvl="6" marL="3200400">
+            <a:lvl7pPr marL="3200400" lvl="6" indent="-304800">
               <a:spcBef>
                 <a:spcPts val="0"/>
               </a:spcBef>
@@ -3732,7 +3751,7 @@
               <a:buChar char="●"/>
               <a:defRPr sz="1200"/>
             </a:lvl7pPr>
-            <a:lvl8pPr indent="-304800" lvl="7" marL="3657600">
+            <a:lvl8pPr marL="3657600" lvl="7" indent="-304800">
               <a:spcBef>
                 <a:spcPts val="0"/>
               </a:spcBef>
@@ -3743,7 +3762,7 @@
               <a:buChar char="○"/>
               <a:defRPr sz="1200"/>
             </a:lvl8pPr>
-            <a:lvl9pPr indent="-304800" lvl="8" marL="4114800">
+            <a:lvl9pPr marL="4114800" lvl="8" indent="-304800">
               <a:spcBef>
                 <a:spcPts val="0"/>
               </a:spcBef>
@@ -3755,15 +3774,19 @@
               <a:defRPr sz="1200"/>
             </a:lvl9pPr>
           </a:lstStyle>
-          <a:p/>
+          <a:p>
+            <a:endParaRPr/>
+          </a:p>
         </p:txBody>
       </p:sp>
       <p:sp>
         <p:nvSpPr>
           <p:cNvPr id="24" name="Google Shape;24;p5"/>
-          <p:cNvSpPr txBox="1"/>
+          <p:cNvSpPr txBox="1">
+            <a:spLocks noGrp="1"/>
+          </p:cNvSpPr>
           <p:nvPr>
-            <p:ph idx="12" type="sldNum"/>
+            <p:ph type="sldNum" idx="12"/>
           </p:nvPr>
         </p:nvSpPr>
         <p:spPr>
@@ -3776,7 +3799,7 @@
           </a:prstGeom>
         </p:spPr>
         <p:txBody>
-          <a:bodyPr anchorCtr="0" anchor="ctr" bIns="91425" lIns="91425" spcFirstLastPara="1" rIns="91425" wrap="square" tIns="91425">
+          <a:bodyPr spcFirstLastPara="1" wrap="square" lIns="91425" tIns="91425" rIns="91425" bIns="91425" anchor="ctr" anchorCtr="0">
             <a:normAutofit/>
           </a:bodyPr>
           <a:lstStyle>
@@ -3818,7 +3841,7 @@
             </a:lvl9pPr>
           </a:lstStyle>
           <a:p>
-            <a:pPr indent="0" lvl="0" marL="0" rtl="0" algn="r">
+            <a:pPr marL="0" lvl="0" indent="0" algn="r" rtl="0">
               <a:spcBef>
                 <a:spcPts val="0"/>
               </a:spcBef>
@@ -3844,11 +3867,11 @@
 </file>
 
 <file path=ppt/slideLayouts/slideLayout5.xml><?xml version="1.0" encoding="utf-8"?>
-<p:sldLayout xmlns:a="http://schemas.openxmlformats.org/drawingml/2006/main" xmlns:r="http://schemas.openxmlformats.org/officeDocument/2006/relationships" xmlns:mc="http://schemas.openxmlformats.org/markup-compatibility/2006" xmlns:mv="urn:schemas-microsoft-com:mac:vml" xmlns:p="http://schemas.openxmlformats.org/presentationml/2006/main" xmlns:c="http://schemas.openxmlformats.org/drawingml/2006/chart" xmlns:dgm="http://schemas.openxmlformats.org/drawingml/2006/diagram" xmlns:o="urn:schemas-microsoft-com:office:office" xmlns:v="urn:schemas-microsoft-com:vml" xmlns:pvml="urn:schemas-microsoft-com:office:powerpoint" xmlns:com="http://schemas.openxmlformats.org/drawingml/2006/compatibility" xmlns:p14="http://schemas.microsoft.com/office/powerpoint/2010/main" xmlns:p15="http://schemas.microsoft.com/office/powerpoint/2012/main" xmlns:ahyp="http://schemas.microsoft.com/office/drawing/2018/hyperlinkcolor" matchingName="Title only" type="titleOnly">
+<p:sldLayout xmlns:a="http://schemas.openxmlformats.org/drawingml/2006/main" xmlns:r="http://schemas.openxmlformats.org/officeDocument/2006/relationships" xmlns:p="http://schemas.openxmlformats.org/presentationml/2006/main" matchingName="Title only" type="titleOnly">
   <p:cSld name="TITLE_ONLY">
     <p:spTree>
       <p:nvGrpSpPr>
-        <p:cNvPr id="25" name="Shape 25"/>
+        <p:cNvPr id="1" name="Shape 25"/>
         <p:cNvGrpSpPr/>
         <p:nvPr/>
       </p:nvGrpSpPr>
@@ -3863,7 +3886,9 @@
       <p:sp>
         <p:nvSpPr>
           <p:cNvPr id="26" name="Google Shape;26;p6"/>
-          <p:cNvSpPr txBox="1"/>
+          <p:cNvSpPr txBox="1">
+            <a:spLocks noGrp="1"/>
+          </p:cNvSpPr>
           <p:nvPr>
             <p:ph type="title"/>
           </p:nvPr>
@@ -3878,7 +3903,7 @@
           </a:prstGeom>
         </p:spPr>
         <p:txBody>
-          <a:bodyPr anchorCtr="0" anchor="t" bIns="91425" lIns="91425" spcFirstLastPara="1" rIns="91425" wrap="square" tIns="91425">
+          <a:bodyPr spcFirstLastPara="1" wrap="square" lIns="91425" tIns="91425" rIns="91425" bIns="91425" anchor="t" anchorCtr="0">
             <a:normAutofit/>
           </a:bodyPr>
           <a:lstStyle>
@@ -3982,15 +4007,19 @@
               <a:defRPr/>
             </a:lvl9pPr>
           </a:lstStyle>
-          <a:p/>
+          <a:p>
+            <a:endParaRPr/>
+          </a:p>
         </p:txBody>
       </p:sp>
       <p:sp>
         <p:nvSpPr>
           <p:cNvPr id="27" name="Google Shape;27;p6"/>
-          <p:cNvSpPr txBox="1"/>
+          <p:cNvSpPr txBox="1">
+            <a:spLocks noGrp="1"/>
+          </p:cNvSpPr>
           <p:nvPr>
-            <p:ph idx="12" type="sldNum"/>
+            <p:ph type="sldNum" idx="12"/>
           </p:nvPr>
         </p:nvSpPr>
         <p:spPr>
@@ -4003,7 +4032,7 @@
           </a:prstGeom>
         </p:spPr>
         <p:txBody>
-          <a:bodyPr anchorCtr="0" anchor="ctr" bIns="91425" lIns="91425" spcFirstLastPara="1" rIns="91425" wrap="square" tIns="91425">
+          <a:bodyPr spcFirstLastPara="1" wrap="square" lIns="91425" tIns="91425" rIns="91425" bIns="91425" anchor="ctr" anchorCtr="0">
             <a:normAutofit/>
           </a:bodyPr>
           <a:lstStyle>
@@ -4045,7 +4074,7 @@
             </a:lvl9pPr>
           </a:lstStyle>
           <a:p>
-            <a:pPr indent="0" lvl="0" marL="0" rtl="0" algn="r">
+            <a:pPr marL="0" lvl="0" indent="0" algn="r" rtl="0">
               <a:spcBef>
                 <a:spcPts val="0"/>
               </a:spcBef>
@@ -4071,11 +4100,11 @@
 </file>
 
 <file path=ppt/slideLayouts/slideLayout6.xml><?xml version="1.0" encoding="utf-8"?>
-<p:sldLayout xmlns:a="http://schemas.openxmlformats.org/drawingml/2006/main" xmlns:r="http://schemas.openxmlformats.org/officeDocument/2006/relationships" xmlns:mc="http://schemas.openxmlformats.org/markup-compatibility/2006" xmlns:mv="urn:schemas-microsoft-com:mac:vml" xmlns:p="http://schemas.openxmlformats.org/presentationml/2006/main" xmlns:c="http://schemas.openxmlformats.org/drawingml/2006/chart" xmlns:dgm="http://schemas.openxmlformats.org/drawingml/2006/diagram" xmlns:o="urn:schemas-microsoft-com:office:office" xmlns:v="urn:schemas-microsoft-com:vml" xmlns:pvml="urn:schemas-microsoft-com:office:powerpoint" xmlns:com="http://schemas.openxmlformats.org/drawingml/2006/compatibility" xmlns:p14="http://schemas.microsoft.com/office/powerpoint/2010/main" xmlns:p15="http://schemas.microsoft.com/office/powerpoint/2012/main" xmlns:ahyp="http://schemas.microsoft.com/office/drawing/2018/hyperlinkcolor" matchingName="One column text">
+<p:sldLayout xmlns:a="http://schemas.openxmlformats.org/drawingml/2006/main" xmlns:r="http://schemas.openxmlformats.org/officeDocument/2006/relationships" xmlns:p="http://schemas.openxmlformats.org/presentationml/2006/main" matchingName="One column text">
   <p:cSld name="ONE_COLUMN_TEXT">
     <p:spTree>
       <p:nvGrpSpPr>
-        <p:cNvPr id="28" name="Shape 28"/>
+        <p:cNvPr id="1" name="Shape 28"/>
         <p:cNvGrpSpPr/>
         <p:nvPr/>
       </p:nvGrpSpPr>
@@ -4090,7 +4119,9 @@
       <p:sp>
         <p:nvSpPr>
           <p:cNvPr id="29" name="Google Shape;29;p7"/>
-          <p:cNvSpPr txBox="1"/>
+          <p:cNvSpPr txBox="1">
+            <a:spLocks noGrp="1"/>
+          </p:cNvSpPr>
           <p:nvPr>
             <p:ph type="title"/>
           </p:nvPr>
@@ -4105,7 +4136,7 @@
           </a:prstGeom>
         </p:spPr>
         <p:txBody>
-          <a:bodyPr anchorCtr="0" anchor="b" bIns="91425" lIns="91425" spcFirstLastPara="1" rIns="91425" wrap="square" tIns="91425">
+          <a:bodyPr spcFirstLastPara="1" wrap="square" lIns="91425" tIns="91425" rIns="91425" bIns="91425" anchor="b" anchorCtr="0">
             <a:normAutofit/>
           </a:bodyPr>
           <a:lstStyle>
@@ -4209,15 +4240,19 @@
               <a:defRPr sz="2400"/>
             </a:lvl9pPr>
           </a:lstStyle>
-          <a:p/>
+          <a:p>
+            <a:endParaRPr/>
+          </a:p>
         </p:txBody>
       </p:sp>
       <p:sp>
         <p:nvSpPr>
           <p:cNvPr id="30" name="Google Shape;30;p7"/>
-          <p:cNvSpPr txBox="1"/>
+          <p:cNvSpPr txBox="1">
+            <a:spLocks noGrp="1"/>
+          </p:cNvSpPr>
           <p:nvPr>
-            <p:ph idx="1" type="body"/>
+            <p:ph type="body" idx="1"/>
           </p:nvPr>
         </p:nvSpPr>
         <p:spPr>
@@ -4230,11 +4265,11 @@
           </a:prstGeom>
         </p:spPr>
         <p:txBody>
-          <a:bodyPr anchorCtr="0" anchor="t" bIns="91425" lIns="91425" spcFirstLastPara="1" rIns="91425" wrap="square" tIns="91425">
+          <a:bodyPr spcFirstLastPara="1" wrap="square" lIns="91425" tIns="91425" rIns="91425" bIns="91425" anchor="t" anchorCtr="0">
             <a:normAutofit/>
           </a:bodyPr>
           <a:lstStyle>
-            <a:lvl1pPr indent="-304800" lvl="0" marL="457200">
+            <a:lvl1pPr marL="457200" lvl="0" indent="-304800">
               <a:spcBef>
                 <a:spcPts val="0"/>
               </a:spcBef>
@@ -4245,7 +4280,7 @@
               <a:buChar char="●"/>
               <a:defRPr sz="1200"/>
             </a:lvl1pPr>
-            <a:lvl2pPr indent="-304800" lvl="1" marL="914400">
+            <a:lvl2pPr marL="914400" lvl="1" indent="-304800">
               <a:spcBef>
                 <a:spcPts val="0"/>
               </a:spcBef>
@@ -4256,7 +4291,7 @@
               <a:buChar char="○"/>
               <a:defRPr sz="1200"/>
             </a:lvl2pPr>
-            <a:lvl3pPr indent="-304800" lvl="2" marL="1371600">
+            <a:lvl3pPr marL="1371600" lvl="2" indent="-304800">
               <a:spcBef>
                 <a:spcPts val="0"/>
               </a:spcBef>
@@ -4267,7 +4302,7 @@
               <a:buChar char="■"/>
               <a:defRPr sz="1200"/>
             </a:lvl3pPr>
-            <a:lvl4pPr indent="-304800" lvl="3" marL="1828800">
+            <a:lvl4pPr marL="1828800" lvl="3" indent="-304800">
               <a:spcBef>
                 <a:spcPts val="0"/>
               </a:spcBef>
@@ -4278,7 +4313,7 @@
               <a:buChar char="●"/>
               <a:defRPr sz="1200"/>
             </a:lvl4pPr>
-            <a:lvl5pPr indent="-304800" lvl="4" marL="2286000">
+            <a:lvl5pPr marL="2286000" lvl="4" indent="-304800">
               <a:spcBef>
                 <a:spcPts val="0"/>
               </a:spcBef>
@@ -4289,7 +4324,7 @@
               <a:buChar char="○"/>
               <a:defRPr sz="1200"/>
             </a:lvl5pPr>
-            <a:lvl6pPr indent="-304800" lvl="5" marL="2743200">
+            <a:lvl6pPr marL="2743200" lvl="5" indent="-304800">
               <a:spcBef>
                 <a:spcPts val="0"/>
               </a:spcBef>
@@ -4300,7 +4335,7 @@
               <a:buChar char="■"/>
               <a:defRPr sz="1200"/>
             </a:lvl6pPr>
-            <a:lvl7pPr indent="-304800" lvl="6" marL="3200400">
+            <a:lvl7pPr marL="3200400" lvl="6" indent="-304800">
               <a:spcBef>
                 <a:spcPts val="0"/>
               </a:spcBef>
@@ -4311,7 +4346,7 @@
               <a:buChar char="●"/>
               <a:defRPr sz="1200"/>
             </a:lvl7pPr>
-            <a:lvl8pPr indent="-304800" lvl="7" marL="3657600">
+            <a:lvl8pPr marL="3657600" lvl="7" indent="-304800">
               <a:spcBef>
                 <a:spcPts val="0"/>
               </a:spcBef>
@@ -4322,7 +4357,7 @@
               <a:buChar char="○"/>
               <a:defRPr sz="1200"/>
             </a:lvl8pPr>
-            <a:lvl9pPr indent="-304800" lvl="8" marL="4114800">
+            <a:lvl9pPr marL="4114800" lvl="8" indent="-304800">
               <a:spcBef>
                 <a:spcPts val="0"/>
               </a:spcBef>
@@ -4334,15 +4369,19 @@
               <a:defRPr sz="1200"/>
             </a:lvl9pPr>
           </a:lstStyle>
-          <a:p/>
+          <a:p>
+            <a:endParaRPr/>
+          </a:p>
         </p:txBody>
       </p:sp>
       <p:sp>
         <p:nvSpPr>
           <p:cNvPr id="31" name="Google Shape;31;p7"/>
-          <p:cNvSpPr txBox="1"/>
+          <p:cNvSpPr txBox="1">
+            <a:spLocks noGrp="1"/>
+          </p:cNvSpPr>
           <p:nvPr>
-            <p:ph idx="12" type="sldNum"/>
+            <p:ph type="sldNum" idx="12"/>
           </p:nvPr>
         </p:nvSpPr>
         <p:spPr>
@@ -4355,7 +4394,7 @@
           </a:prstGeom>
         </p:spPr>
         <p:txBody>
-          <a:bodyPr anchorCtr="0" anchor="ctr" bIns="91425" lIns="91425" spcFirstLastPara="1" rIns="91425" wrap="square" tIns="91425">
+          <a:bodyPr spcFirstLastPara="1" wrap="square" lIns="91425" tIns="91425" rIns="91425" bIns="91425" anchor="ctr" anchorCtr="0">
             <a:normAutofit/>
           </a:bodyPr>
           <a:lstStyle>
@@ -4397,7 +4436,7 @@
             </a:lvl9pPr>
           </a:lstStyle>
           <a:p>
-            <a:pPr indent="0" lvl="0" marL="0" rtl="0" algn="r">
+            <a:pPr marL="0" lvl="0" indent="0" algn="r" rtl="0">
               <a:spcBef>
                 <a:spcPts val="0"/>
               </a:spcBef>
@@ -4423,11 +4462,11 @@
 </file>
 
 <file path=ppt/slideLayouts/slideLayout7.xml><?xml version="1.0" encoding="utf-8"?>
-<p:sldLayout xmlns:a="http://schemas.openxmlformats.org/drawingml/2006/main" xmlns:r="http://schemas.openxmlformats.org/officeDocument/2006/relationships" xmlns:mc="http://schemas.openxmlformats.org/markup-compatibility/2006" xmlns:mv="urn:schemas-microsoft-com:mac:vml" xmlns:p="http://schemas.openxmlformats.org/presentationml/2006/main" xmlns:c="http://schemas.openxmlformats.org/drawingml/2006/chart" xmlns:dgm="http://schemas.openxmlformats.org/drawingml/2006/diagram" xmlns:o="urn:schemas-microsoft-com:office:office" xmlns:v="urn:schemas-microsoft-com:vml" xmlns:pvml="urn:schemas-microsoft-com:office:powerpoint" xmlns:com="http://schemas.openxmlformats.org/drawingml/2006/compatibility" xmlns:p14="http://schemas.microsoft.com/office/powerpoint/2010/main" xmlns:p15="http://schemas.microsoft.com/office/powerpoint/2012/main" xmlns:ahyp="http://schemas.microsoft.com/office/drawing/2018/hyperlinkcolor" matchingName="Main point">
+<p:sldLayout xmlns:a="http://schemas.openxmlformats.org/drawingml/2006/main" xmlns:r="http://schemas.openxmlformats.org/officeDocument/2006/relationships" xmlns:p="http://schemas.openxmlformats.org/presentationml/2006/main" matchingName="Main point">
   <p:cSld name="MAIN_POINT">
     <p:spTree>
       <p:nvGrpSpPr>
-        <p:cNvPr id="32" name="Shape 32"/>
+        <p:cNvPr id="1" name="Shape 32"/>
         <p:cNvGrpSpPr/>
         <p:nvPr/>
       </p:nvGrpSpPr>
@@ -4442,7 +4481,9 @@
       <p:sp>
         <p:nvSpPr>
           <p:cNvPr id="33" name="Google Shape;33;p8"/>
-          <p:cNvSpPr txBox="1"/>
+          <p:cNvSpPr txBox="1">
+            <a:spLocks noGrp="1"/>
+          </p:cNvSpPr>
           <p:nvPr>
             <p:ph type="title"/>
           </p:nvPr>
@@ -4457,7 +4498,7 @@
           </a:prstGeom>
         </p:spPr>
         <p:txBody>
-          <a:bodyPr anchorCtr="0" anchor="ctr" bIns="91425" lIns="91425" spcFirstLastPara="1" rIns="91425" wrap="square" tIns="91425">
+          <a:bodyPr spcFirstLastPara="1" wrap="square" lIns="91425" tIns="91425" rIns="91425" bIns="91425" anchor="ctr" anchorCtr="0">
             <a:normAutofit/>
           </a:bodyPr>
           <a:lstStyle>
@@ -4561,15 +4602,19 @@
               <a:defRPr sz="4800"/>
             </a:lvl9pPr>
           </a:lstStyle>
-          <a:p/>
+          <a:p>
+            <a:endParaRPr/>
+          </a:p>
         </p:txBody>
       </p:sp>
       <p:sp>
         <p:nvSpPr>
           <p:cNvPr id="34" name="Google Shape;34;p8"/>
-          <p:cNvSpPr txBox="1"/>
+          <p:cNvSpPr txBox="1">
+            <a:spLocks noGrp="1"/>
+          </p:cNvSpPr>
           <p:nvPr>
-            <p:ph idx="12" type="sldNum"/>
+            <p:ph type="sldNum" idx="12"/>
           </p:nvPr>
         </p:nvSpPr>
         <p:spPr>
@@ -4582,7 +4627,7 @@
           </a:prstGeom>
         </p:spPr>
         <p:txBody>
-          <a:bodyPr anchorCtr="0" anchor="ctr" bIns="91425" lIns="91425" spcFirstLastPara="1" rIns="91425" wrap="square" tIns="91425">
+          <a:bodyPr spcFirstLastPara="1" wrap="square" lIns="91425" tIns="91425" rIns="91425" bIns="91425" anchor="ctr" anchorCtr="0">
             <a:normAutofit/>
           </a:bodyPr>
           <a:lstStyle>
@@ -4624,7 +4669,7 @@
             </a:lvl9pPr>
           </a:lstStyle>
           <a:p>
-            <a:pPr indent="0" lvl="0" marL="0" rtl="0" algn="r">
+            <a:pPr marL="0" lvl="0" indent="0" algn="r" rtl="0">
               <a:spcBef>
                 <a:spcPts val="0"/>
               </a:spcBef>
@@ -4650,11 +4695,11 @@
 </file>
 
 <file path=ppt/slideLayouts/slideLayout8.xml><?xml version="1.0" encoding="utf-8"?>
-<p:sldLayout xmlns:a="http://schemas.openxmlformats.org/drawingml/2006/main" xmlns:r="http://schemas.openxmlformats.org/officeDocument/2006/relationships" xmlns:mc="http://schemas.openxmlformats.org/markup-compatibility/2006" xmlns:mv="urn:schemas-microsoft-com:mac:vml" xmlns:p="http://schemas.openxmlformats.org/presentationml/2006/main" xmlns:c="http://schemas.openxmlformats.org/drawingml/2006/chart" xmlns:dgm="http://schemas.openxmlformats.org/drawingml/2006/diagram" xmlns:o="urn:schemas-microsoft-com:office:office" xmlns:v="urn:schemas-microsoft-com:vml" xmlns:pvml="urn:schemas-microsoft-com:office:powerpoint" xmlns:com="http://schemas.openxmlformats.org/drawingml/2006/compatibility" xmlns:p14="http://schemas.microsoft.com/office/powerpoint/2010/main" xmlns:p15="http://schemas.microsoft.com/office/powerpoint/2012/main" xmlns:ahyp="http://schemas.microsoft.com/office/drawing/2018/hyperlinkcolor" matchingName="Section title and description">
+<p:sldLayout xmlns:a="http://schemas.openxmlformats.org/drawingml/2006/main" xmlns:r="http://schemas.openxmlformats.org/officeDocument/2006/relationships" xmlns:p="http://schemas.openxmlformats.org/presentationml/2006/main" matchingName="Section title and description">
   <p:cSld name="SECTION_TITLE_AND_DESCRIPTION">
     <p:spTree>
       <p:nvGrpSpPr>
-        <p:cNvPr id="35" name="Shape 35"/>
+        <p:cNvPr id="1" name="Shape 35"/>
         <p:cNvGrpSpPr/>
         <p:nvPr/>
       </p:nvGrpSpPr>
@@ -4688,23 +4733,20 @@
           </a:ln>
         </p:spPr>
         <p:txBody>
-          <a:bodyPr anchorCtr="0" anchor="ctr" bIns="91425" lIns="91425" spcFirstLastPara="1" rIns="91425" wrap="square" tIns="91425">
+          <a:bodyPr spcFirstLastPara="1" wrap="square" lIns="91425" tIns="91425" rIns="91425" bIns="91425" anchor="ctr" anchorCtr="0">
             <a:noAutofit/>
           </a:bodyPr>
           <a:lstStyle/>
           <a:p>
-            <a:pPr indent="0" lvl="0" marL="0" rtl="0" algn="l">
-              <a:spcBef>
-                <a:spcPts val="0"/>
-              </a:spcBef>
-              <a:spcAft>
-                <a:spcPts val="0"/>
-              </a:spcAft>
-              <a:buNone/>
-            </a:pPr>
-            <a:r>
-              <a:t/>
-            </a:r>
+            <a:pPr marL="0" lvl="0" indent="0" algn="l" rtl="0">
+              <a:spcBef>
+                <a:spcPts val="0"/>
+              </a:spcBef>
+              <a:spcAft>
+                <a:spcPts val="0"/>
+              </a:spcAft>
+              <a:buNone/>
+            </a:pPr>
             <a:endParaRPr/>
           </a:p>
         </p:txBody>
@@ -4712,7 +4754,9 @@
       <p:sp>
         <p:nvSpPr>
           <p:cNvPr id="37" name="Google Shape;37;p9"/>
-          <p:cNvSpPr txBox="1"/>
+          <p:cNvSpPr txBox="1">
+            <a:spLocks noGrp="1"/>
+          </p:cNvSpPr>
           <p:nvPr>
             <p:ph type="title"/>
           </p:nvPr>
@@ -4727,7 +4771,7 @@
           </a:prstGeom>
         </p:spPr>
         <p:txBody>
-          <a:bodyPr anchorCtr="0" anchor="b" bIns="91425" lIns="91425" spcFirstLastPara="1" rIns="91425" wrap="square" tIns="91425">
+          <a:bodyPr spcFirstLastPara="1" wrap="square" lIns="91425" tIns="91425" rIns="91425" bIns="91425" anchor="b" anchorCtr="0">
             <a:normAutofit/>
           </a:bodyPr>
           <a:lstStyle>
@@ -4831,15 +4875,19 @@
               <a:defRPr sz="4200"/>
             </a:lvl9pPr>
           </a:lstStyle>
-          <a:p/>
+          <a:p>
+            <a:endParaRPr/>
+          </a:p>
         </p:txBody>
       </p:sp>
       <p:sp>
         <p:nvSpPr>
           <p:cNvPr id="38" name="Google Shape;38;p9"/>
-          <p:cNvSpPr txBox="1"/>
+          <p:cNvSpPr txBox="1">
+            <a:spLocks noGrp="1"/>
+          </p:cNvSpPr>
           <p:nvPr>
-            <p:ph idx="1" type="subTitle"/>
+            <p:ph type="subTitle" idx="1"/>
           </p:nvPr>
         </p:nvSpPr>
         <p:spPr>
@@ -4852,7 +4900,7 @@
           </a:prstGeom>
         </p:spPr>
         <p:txBody>
-          <a:bodyPr anchorCtr="0" anchor="t" bIns="91425" lIns="91425" spcFirstLastPara="1" rIns="91425" wrap="square" tIns="91425">
+          <a:bodyPr spcFirstLastPara="1" wrap="square" lIns="91425" tIns="91425" rIns="91425" bIns="91425" anchor="t" anchorCtr="0">
             <a:normAutofit/>
           </a:bodyPr>
           <a:lstStyle>
@@ -4983,15 +5031,19 @@
               <a:defRPr sz="2100"/>
             </a:lvl9pPr>
           </a:lstStyle>
-          <a:p/>
+          <a:p>
+            <a:endParaRPr/>
+          </a:p>
         </p:txBody>
       </p:sp>
       <p:sp>
         <p:nvSpPr>
           <p:cNvPr id="39" name="Google Shape;39;p9"/>
-          <p:cNvSpPr txBox="1"/>
+          <p:cNvSpPr txBox="1">
+            <a:spLocks noGrp="1"/>
+          </p:cNvSpPr>
           <p:nvPr>
-            <p:ph idx="2" type="body"/>
+            <p:ph type="body" idx="2"/>
           </p:nvPr>
         </p:nvSpPr>
         <p:spPr>
@@ -5004,11 +5056,11 @@
           </a:prstGeom>
         </p:spPr>
         <p:txBody>
-          <a:bodyPr anchorCtr="0" anchor="ctr" bIns="91425" lIns="91425" spcFirstLastPara="1" rIns="91425" wrap="square" tIns="91425">
+          <a:bodyPr spcFirstLastPara="1" wrap="square" lIns="91425" tIns="91425" rIns="91425" bIns="91425" anchor="ctr" anchorCtr="0">
             <a:normAutofit/>
           </a:bodyPr>
           <a:lstStyle>
-            <a:lvl1pPr indent="-342900" lvl="0" marL="457200">
+            <a:lvl1pPr marL="457200" lvl="0" indent="-342900">
               <a:spcBef>
                 <a:spcPts val="0"/>
               </a:spcBef>
@@ -5019,7 +5071,7 @@
               <a:buChar char="●"/>
               <a:defRPr/>
             </a:lvl1pPr>
-            <a:lvl2pPr indent="-317500" lvl="1" marL="914400">
+            <a:lvl2pPr marL="914400" lvl="1" indent="-317500">
               <a:spcBef>
                 <a:spcPts val="0"/>
               </a:spcBef>
@@ -5030,7 +5082,7 @@
               <a:buChar char="○"/>
               <a:defRPr/>
             </a:lvl2pPr>
-            <a:lvl3pPr indent="-317500" lvl="2" marL="1371600">
+            <a:lvl3pPr marL="1371600" lvl="2" indent="-317500">
               <a:spcBef>
                 <a:spcPts val="0"/>
               </a:spcBef>
@@ -5041,7 +5093,7 @@
               <a:buChar char="■"/>
               <a:defRPr/>
             </a:lvl3pPr>
-            <a:lvl4pPr indent="-317500" lvl="3" marL="1828800">
+            <a:lvl4pPr marL="1828800" lvl="3" indent="-317500">
               <a:spcBef>
                 <a:spcPts val="0"/>
               </a:spcBef>
@@ -5052,7 +5104,7 @@
               <a:buChar char="●"/>
               <a:defRPr/>
             </a:lvl4pPr>
-            <a:lvl5pPr indent="-317500" lvl="4" marL="2286000">
+            <a:lvl5pPr marL="2286000" lvl="4" indent="-317500">
               <a:spcBef>
                 <a:spcPts val="0"/>
               </a:spcBef>
@@ -5063,7 +5115,7 @@
               <a:buChar char="○"/>
               <a:defRPr/>
             </a:lvl5pPr>
-            <a:lvl6pPr indent="-317500" lvl="5" marL="2743200">
+            <a:lvl6pPr marL="2743200" lvl="5" indent="-317500">
               <a:spcBef>
                 <a:spcPts val="0"/>
               </a:spcBef>
@@ -5074,7 +5126,7 @@
               <a:buChar char="■"/>
               <a:defRPr/>
             </a:lvl6pPr>
-            <a:lvl7pPr indent="-317500" lvl="6" marL="3200400">
+            <a:lvl7pPr marL="3200400" lvl="6" indent="-317500">
               <a:spcBef>
                 <a:spcPts val="0"/>
               </a:spcBef>
@@ -5085,7 +5137,7 @@
               <a:buChar char="●"/>
               <a:defRPr/>
             </a:lvl7pPr>
-            <a:lvl8pPr indent="-317500" lvl="7" marL="3657600">
+            <a:lvl8pPr marL="3657600" lvl="7" indent="-317500">
               <a:spcBef>
                 <a:spcPts val="0"/>
               </a:spcBef>
@@ -5096,7 +5148,7 @@
               <a:buChar char="○"/>
               <a:defRPr/>
             </a:lvl8pPr>
-            <a:lvl9pPr indent="-317500" lvl="8" marL="4114800">
+            <a:lvl9pPr marL="4114800" lvl="8" indent="-317500">
               <a:spcBef>
                 <a:spcPts val="0"/>
               </a:spcBef>
@@ -5108,15 +5160,19 @@
               <a:defRPr/>
             </a:lvl9pPr>
           </a:lstStyle>
-          <a:p/>
+          <a:p>
+            <a:endParaRPr/>
+          </a:p>
         </p:txBody>
       </p:sp>
       <p:sp>
         <p:nvSpPr>
           <p:cNvPr id="40" name="Google Shape;40;p9"/>
-          <p:cNvSpPr txBox="1"/>
+          <p:cNvSpPr txBox="1">
+            <a:spLocks noGrp="1"/>
+          </p:cNvSpPr>
           <p:nvPr>
-            <p:ph idx="12" type="sldNum"/>
+            <p:ph type="sldNum" idx="12"/>
           </p:nvPr>
         </p:nvSpPr>
         <p:spPr>
@@ -5129,7 +5185,7 @@
           </a:prstGeom>
         </p:spPr>
         <p:txBody>
-          <a:bodyPr anchorCtr="0" anchor="ctr" bIns="91425" lIns="91425" spcFirstLastPara="1" rIns="91425" wrap="square" tIns="91425">
+          <a:bodyPr spcFirstLastPara="1" wrap="square" lIns="91425" tIns="91425" rIns="91425" bIns="91425" anchor="ctr" anchorCtr="0">
             <a:normAutofit/>
           </a:bodyPr>
           <a:lstStyle>
@@ -5171,7 +5227,7 @@
             </a:lvl9pPr>
           </a:lstStyle>
           <a:p>
-            <a:pPr indent="0" lvl="0" marL="0" rtl="0" algn="r">
+            <a:pPr marL="0" lvl="0" indent="0" algn="r" rtl="0">
               <a:spcBef>
                 <a:spcPts val="0"/>
               </a:spcBef>
@@ -5197,11 +5253,11 @@
 </file>
 
 <file path=ppt/slideLayouts/slideLayout9.xml><?xml version="1.0" encoding="utf-8"?>
-<p:sldLayout xmlns:a="http://schemas.openxmlformats.org/drawingml/2006/main" xmlns:r="http://schemas.openxmlformats.org/officeDocument/2006/relationships" xmlns:mc="http://schemas.openxmlformats.org/markup-compatibility/2006" xmlns:mv="urn:schemas-microsoft-com:mac:vml" xmlns:p="http://schemas.openxmlformats.org/presentationml/2006/main" xmlns:c="http://schemas.openxmlformats.org/drawingml/2006/chart" xmlns:dgm="http://schemas.openxmlformats.org/drawingml/2006/diagram" xmlns:o="urn:schemas-microsoft-com:office:office" xmlns:v="urn:schemas-microsoft-com:vml" xmlns:pvml="urn:schemas-microsoft-com:office:powerpoint" xmlns:com="http://schemas.openxmlformats.org/drawingml/2006/compatibility" xmlns:p14="http://schemas.microsoft.com/office/powerpoint/2010/main" xmlns:p15="http://schemas.microsoft.com/office/powerpoint/2012/main" xmlns:ahyp="http://schemas.microsoft.com/office/drawing/2018/hyperlinkcolor" matchingName="Caption">
+<p:sldLayout xmlns:a="http://schemas.openxmlformats.org/drawingml/2006/main" xmlns:r="http://schemas.openxmlformats.org/officeDocument/2006/relationships" xmlns:p="http://schemas.openxmlformats.org/presentationml/2006/main" matchingName="Caption">
   <p:cSld name="CAPTION_ONLY">
     <p:spTree>
       <p:nvGrpSpPr>
-        <p:cNvPr id="41" name="Shape 41"/>
+        <p:cNvPr id="1" name="Shape 41"/>
         <p:cNvGrpSpPr/>
         <p:nvPr/>
       </p:nvGrpSpPr>
@@ -5216,9 +5272,11 @@
       <p:sp>
         <p:nvSpPr>
           <p:cNvPr id="42" name="Google Shape;42;p10"/>
-          <p:cNvSpPr txBox="1"/>
+          <p:cNvSpPr txBox="1">
+            <a:spLocks noGrp="1"/>
+          </p:cNvSpPr>
           <p:nvPr>
-            <p:ph idx="1" type="body"/>
+            <p:ph type="body" idx="1"/>
           </p:nvPr>
         </p:nvSpPr>
         <p:spPr>
@@ -5231,11 +5289,11 @@
           </a:prstGeom>
         </p:spPr>
         <p:txBody>
-          <a:bodyPr anchorCtr="0" anchor="ctr" bIns="91425" lIns="91425" spcFirstLastPara="1" rIns="91425" wrap="square" tIns="91425">
+          <a:bodyPr spcFirstLastPara="1" wrap="square" lIns="91425" tIns="91425" rIns="91425" bIns="91425" anchor="ctr" anchorCtr="0">
             <a:normAutofit/>
           </a:bodyPr>
           <a:lstStyle>
-            <a:lvl1pPr indent="-228600" lvl="0" marL="457200">
+            <a:lvl1pPr marL="457200" lvl="0" indent="-228600">
               <a:lnSpc>
                 <a:spcPct val="100000"/>
               </a:lnSpc>
@@ -5250,15 +5308,19 @@
               <a:defRPr/>
             </a:lvl1pPr>
           </a:lstStyle>
-          <a:p/>
+          <a:p>
+            <a:endParaRPr/>
+          </a:p>
         </p:txBody>
       </p:sp>
       <p:sp>
         <p:nvSpPr>
           <p:cNvPr id="43" name="Google Shape;43;p10"/>
-          <p:cNvSpPr txBox="1"/>
+          <p:cNvSpPr txBox="1">
+            <a:spLocks noGrp="1"/>
+          </p:cNvSpPr>
           <p:nvPr>
-            <p:ph idx="12" type="sldNum"/>
+            <p:ph type="sldNum" idx="12"/>
           </p:nvPr>
         </p:nvSpPr>
         <p:spPr>
@@ -5271,7 +5333,7 @@
           </a:prstGeom>
         </p:spPr>
         <p:txBody>
-          <a:bodyPr anchorCtr="0" anchor="ctr" bIns="91425" lIns="91425" spcFirstLastPara="1" rIns="91425" wrap="square" tIns="91425">
+          <a:bodyPr spcFirstLastPara="1" wrap="square" lIns="91425" tIns="91425" rIns="91425" bIns="91425" anchor="ctr" anchorCtr="0">
             <a:normAutofit/>
           </a:bodyPr>
           <a:lstStyle>
@@ -5313,7 +5375,7 @@
             </a:lvl9pPr>
           </a:lstStyle>
           <a:p>
-            <a:pPr indent="0" lvl="0" marL="0" rtl="0" algn="r">
+            <a:pPr marL="0" lvl="0" indent="0" algn="r" rtl="0">
               <a:spcBef>
                 <a:spcPts val="0"/>
               </a:spcBef>
@@ -5339,18 +5401,19 @@
 </file>
 
 <file path=ppt/slideMasters/slideMaster1.xml><?xml version="1.0" encoding="utf-8"?>
-<p:sldMaster xmlns:a="http://schemas.openxmlformats.org/drawingml/2006/main" xmlns:r="http://schemas.openxmlformats.org/officeDocument/2006/relationships" xmlns:mc="http://schemas.openxmlformats.org/markup-compatibility/2006" xmlns:mv="urn:schemas-microsoft-com:mac:vml" xmlns:p="http://schemas.openxmlformats.org/presentationml/2006/main" xmlns:c="http://schemas.openxmlformats.org/drawingml/2006/chart" xmlns:dgm="http://schemas.openxmlformats.org/drawingml/2006/diagram" xmlns:o="urn:schemas-microsoft-com:office:office" xmlns:v="urn:schemas-microsoft-com:vml" xmlns:pvml="urn:schemas-microsoft-com:office:powerpoint" xmlns:com="http://schemas.openxmlformats.org/drawingml/2006/compatibility" xmlns:p14="http://schemas.microsoft.com/office/powerpoint/2010/main" xmlns:p15="http://schemas.microsoft.com/office/powerpoint/2012/main" xmlns:ahyp="http://schemas.microsoft.com/office/drawing/2018/hyperlinkcolor">
+<p:sldMaster xmlns:a="http://schemas.openxmlformats.org/drawingml/2006/main" xmlns:r="http://schemas.openxmlformats.org/officeDocument/2006/relationships" xmlns:p="http://schemas.openxmlformats.org/presentationml/2006/main">
   <p:cSld name="simple-light-2">
     <p:bg>
       <p:bgPr>
         <a:solidFill>
           <a:schemeClr val="lt1"/>
         </a:solidFill>
+        <a:effectLst/>
       </p:bgPr>
     </p:bg>
     <p:spTree>
       <p:nvGrpSpPr>
-        <p:cNvPr id="5" name="Shape 5"/>
+        <p:cNvPr id="1" name="Shape 5"/>
         <p:cNvGrpSpPr/>
         <p:nvPr/>
       </p:nvGrpSpPr>
@@ -5365,7 +5428,9 @@
       <p:sp>
         <p:nvSpPr>
           <p:cNvPr id="6" name="Google Shape;6;p1"/>
-          <p:cNvSpPr txBox="1"/>
+          <p:cNvSpPr txBox="1">
+            <a:spLocks noGrp="1"/>
+          </p:cNvSpPr>
           <p:nvPr>
             <p:ph type="title"/>
           </p:nvPr>
@@ -5384,7 +5449,7 @@
           </a:ln>
         </p:spPr>
         <p:txBody>
-          <a:bodyPr anchorCtr="0" anchor="t" bIns="91425" lIns="91425" spcFirstLastPara="1" rIns="91425" wrap="square" tIns="91425">
+          <a:bodyPr spcFirstLastPara="1" wrap="square" lIns="91425" tIns="91425" rIns="91425" bIns="91425" anchor="t" anchorCtr="0">
             <a:normAutofit/>
           </a:bodyPr>
           <a:lstStyle>
@@ -5551,15 +5616,19 @@
               </a:defRPr>
             </a:lvl9pPr>
           </a:lstStyle>
-          <a:p/>
+          <a:p>
+            <a:endParaRPr/>
+          </a:p>
         </p:txBody>
       </p:sp>
       <p:sp>
         <p:nvSpPr>
           <p:cNvPr id="7" name="Google Shape;7;p1"/>
-          <p:cNvSpPr txBox="1"/>
+          <p:cNvSpPr txBox="1">
+            <a:spLocks noGrp="1"/>
+          </p:cNvSpPr>
           <p:nvPr>
-            <p:ph idx="1" type="body"/>
+            <p:ph type="body" idx="1"/>
           </p:nvPr>
         </p:nvSpPr>
         <p:spPr>
@@ -5576,11 +5645,11 @@
           </a:ln>
         </p:spPr>
         <p:txBody>
-          <a:bodyPr anchorCtr="0" anchor="t" bIns="91425" lIns="91425" spcFirstLastPara="1" rIns="91425" wrap="square" tIns="91425">
+          <a:bodyPr spcFirstLastPara="1" wrap="square" lIns="91425" tIns="91425" rIns="91425" bIns="91425" anchor="t" anchorCtr="0">
             <a:normAutofit/>
           </a:bodyPr>
           <a:lstStyle>
-            <a:lvl1pPr indent="-342900" lvl="0" marL="457200">
+            <a:lvl1pPr marL="457200" lvl="0" indent="-342900">
               <a:lnSpc>
                 <a:spcPct val="115000"/>
               </a:lnSpc>
@@ -5601,7 +5670,7 @@
                 </a:solidFill>
               </a:defRPr>
             </a:lvl1pPr>
-            <a:lvl2pPr indent="-317500" lvl="1" marL="914400">
+            <a:lvl2pPr marL="914400" lvl="1" indent="-317500">
               <a:lnSpc>
                 <a:spcPct val="115000"/>
               </a:lnSpc>
@@ -5622,7 +5691,7 @@
                 </a:solidFill>
               </a:defRPr>
             </a:lvl2pPr>
-            <a:lvl3pPr indent="-317500" lvl="2" marL="1371600">
+            <a:lvl3pPr marL="1371600" lvl="2" indent="-317500">
               <a:lnSpc>
                 <a:spcPct val="115000"/>
               </a:lnSpc>
@@ -5643,7 +5712,7 @@
                 </a:solidFill>
               </a:defRPr>
             </a:lvl3pPr>
-            <a:lvl4pPr indent="-317500" lvl="3" marL="1828800">
+            <a:lvl4pPr marL="1828800" lvl="3" indent="-317500">
               <a:lnSpc>
                 <a:spcPct val="115000"/>
               </a:lnSpc>
@@ -5664,7 +5733,7 @@
                 </a:solidFill>
               </a:defRPr>
             </a:lvl4pPr>
-            <a:lvl5pPr indent="-317500" lvl="4" marL="2286000">
+            <a:lvl5pPr marL="2286000" lvl="4" indent="-317500">
               <a:lnSpc>
                 <a:spcPct val="115000"/>
               </a:lnSpc>
@@ -5685,7 +5754,7 @@
                 </a:solidFill>
               </a:defRPr>
             </a:lvl5pPr>
-            <a:lvl6pPr indent="-317500" lvl="5" marL="2743200">
+            <a:lvl6pPr marL="2743200" lvl="5" indent="-317500">
               <a:lnSpc>
                 <a:spcPct val="115000"/>
               </a:lnSpc>
@@ -5706,7 +5775,7 @@
                 </a:solidFill>
               </a:defRPr>
             </a:lvl6pPr>
-            <a:lvl7pPr indent="-317500" lvl="6" marL="3200400">
+            <a:lvl7pPr marL="3200400" lvl="6" indent="-317500">
               <a:lnSpc>
                 <a:spcPct val="115000"/>
               </a:lnSpc>
@@ -5727,7 +5796,7 @@
                 </a:solidFill>
               </a:defRPr>
             </a:lvl7pPr>
-            <a:lvl8pPr indent="-317500" lvl="7" marL="3657600">
+            <a:lvl8pPr marL="3657600" lvl="7" indent="-317500">
               <a:lnSpc>
                 <a:spcPct val="115000"/>
               </a:lnSpc>
@@ -5748,7 +5817,7 @@
                 </a:solidFill>
               </a:defRPr>
             </a:lvl8pPr>
-            <a:lvl9pPr indent="-317500" lvl="8" marL="4114800">
+            <a:lvl9pPr marL="4114800" lvl="8" indent="-317500">
               <a:lnSpc>
                 <a:spcPct val="115000"/>
               </a:lnSpc>
@@ -5770,15 +5839,19 @@
               </a:defRPr>
             </a:lvl9pPr>
           </a:lstStyle>
-          <a:p/>
+          <a:p>
+            <a:endParaRPr/>
+          </a:p>
         </p:txBody>
       </p:sp>
       <p:sp>
         <p:nvSpPr>
           <p:cNvPr id="8" name="Google Shape;8;p1"/>
-          <p:cNvSpPr txBox="1"/>
+          <p:cNvSpPr txBox="1">
+            <a:spLocks noGrp="1"/>
+          </p:cNvSpPr>
           <p:nvPr>
-            <p:ph idx="12" type="sldNum"/>
+            <p:ph type="sldNum" idx="12"/>
           </p:nvPr>
         </p:nvSpPr>
         <p:spPr>
@@ -5795,7 +5868,7 @@
           </a:ln>
         </p:spPr>
         <p:txBody>
-          <a:bodyPr anchorCtr="0" anchor="ctr" bIns="91425" lIns="91425" spcFirstLastPara="1" rIns="91425" wrap="square" tIns="91425">
+          <a:bodyPr spcFirstLastPara="1" wrap="square" lIns="91425" tIns="91425" rIns="91425" bIns="91425" anchor="ctr" anchorCtr="0">
             <a:normAutofit/>
           </a:bodyPr>
           <a:lstStyle>
@@ -5873,7 +5946,7 @@
             </a:lvl9pPr>
           </a:lstStyle>
           <a:p>
-            <a:pPr indent="0" lvl="0" marL="0" rtl="0" algn="r">
+            <a:pPr marL="0" lvl="0" indent="0" algn="r" rtl="0">
               <a:spcBef>
                 <a:spcPts val="0"/>
               </a:spcBef>
@@ -5892,7 +5965,7 @@
       </p:sp>
     </p:spTree>
   </p:cSld>
-  <p:clrMap accent1="accent1" accent2="accent2" accent3="accent3" accent4="accent4" accent5="accent5" accent6="accent6" bg1="lt1" bg2="dk2" tx1="dk1" tx2="lt2" folHlink="folHlink" hlink="hlink"/>
+  <p:clrMap bg1="lt1" tx1="dk1" bg2="dk2" tx2="lt2" accent1="accent1" accent2="accent2" accent3="accent3" accent4="accent4" accent5="accent5" accent6="accent6" hlink="hlink" folHlink="folHlink"/>
   <p:sldLayoutIdLst>
     <p:sldLayoutId id="2147483648" r:id="rId1"/>
     <p:sldLayoutId id="2147483649" r:id="rId2"/>
@@ -5906,10 +5979,10 @@
     <p:sldLayoutId id="2147483657" r:id="rId10"/>
     <p:sldLayoutId id="2147483658" r:id="rId11"/>
   </p:sldLayoutIdLst>
-  <p:hf dt="0" ftr="0" hdr="0" sldNum="0"/>
+  <p:hf sldNum="0" hdr="0" ftr="0" dt="0"/>
   <p:txStyles>
     <p:titleStyle>
-      <a:defPPr lvl="0" marR="0" rtl="0" algn="l">
+      <a:defPPr marR="0" lvl="0" algn="l" rtl="0">
         <a:lnSpc>
           <a:spcPct val="100000"/>
         </a:lnSpc>
@@ -5920,7 +5993,7 @@
           <a:spcPts val="0"/>
         </a:spcAft>
       </a:defPPr>
-      <a:lvl1pPr lvl="0" marR="0" rtl="0" algn="l">
+      <a:lvl1pPr marR="0" lvl="0" algn="l" rtl="0">
         <a:lnSpc>
           <a:spcPct val="100000"/>
         </a:lnSpc>
@@ -5934,7 +6007,7 @@
           <a:srgbClr val="000000"/>
         </a:buClr>
         <a:buFont typeface="Arial"/>
-        <a:defRPr b="0" i="0" sz="1400" u="none" cap="none" strike="noStrike">
+        <a:defRPr sz="1400" b="0" i="0" u="none" strike="noStrike" cap="none">
           <a:solidFill>
             <a:srgbClr val="000000"/>
           </a:solidFill>
@@ -5944,7 +6017,7 @@
           <a:sym typeface="Arial"/>
         </a:defRPr>
       </a:lvl1pPr>
-      <a:lvl2pPr lvl="1" marR="0" rtl="0" algn="l">
+      <a:lvl2pPr marR="0" lvl="1" algn="l" rtl="0">
         <a:lnSpc>
           <a:spcPct val="100000"/>
         </a:lnSpc>
@@ -5958,7 +6031,7 @@
           <a:srgbClr val="000000"/>
         </a:buClr>
         <a:buFont typeface="Arial"/>
-        <a:defRPr b="0" i="0" sz="1400" u="none" cap="none" strike="noStrike">
+        <a:defRPr sz="1400" b="0" i="0" u="none" strike="noStrike" cap="none">
           <a:solidFill>
             <a:srgbClr val="000000"/>
           </a:solidFill>
@@ -5968,7 +6041,7 @@
           <a:sym typeface="Arial"/>
         </a:defRPr>
       </a:lvl2pPr>
-      <a:lvl3pPr lvl="2" marR="0" rtl="0" algn="l">
+      <a:lvl3pPr marR="0" lvl="2" algn="l" rtl="0">
         <a:lnSpc>
           <a:spcPct val="100000"/>
         </a:lnSpc>
@@ -5982,7 +6055,7 @@
           <a:srgbClr val="000000"/>
         </a:buClr>
         <a:buFont typeface="Arial"/>
-        <a:defRPr b="0" i="0" sz="1400" u="none" cap="none" strike="noStrike">
+        <a:defRPr sz="1400" b="0" i="0" u="none" strike="noStrike" cap="none">
           <a:solidFill>
             <a:srgbClr val="000000"/>
           </a:solidFill>
@@ -5992,7 +6065,7 @@
           <a:sym typeface="Arial"/>
         </a:defRPr>
       </a:lvl3pPr>
-      <a:lvl4pPr lvl="3" marR="0" rtl="0" algn="l">
+      <a:lvl4pPr marR="0" lvl="3" algn="l" rtl="0">
         <a:lnSpc>
           <a:spcPct val="100000"/>
         </a:lnSpc>
@@ -6006,7 +6079,7 @@
           <a:srgbClr val="000000"/>
         </a:buClr>
         <a:buFont typeface="Arial"/>
-        <a:defRPr b="0" i="0" sz="1400" u="none" cap="none" strike="noStrike">
+        <a:defRPr sz="1400" b="0" i="0" u="none" strike="noStrike" cap="none">
           <a:solidFill>
             <a:srgbClr val="000000"/>
           </a:solidFill>
@@ -6016,7 +6089,7 @@
           <a:sym typeface="Arial"/>
         </a:defRPr>
       </a:lvl4pPr>
-      <a:lvl5pPr lvl="4" marR="0" rtl="0" algn="l">
+      <a:lvl5pPr marR="0" lvl="4" algn="l" rtl="0">
         <a:lnSpc>
           <a:spcPct val="100000"/>
         </a:lnSpc>
@@ -6030,7 +6103,7 @@
           <a:srgbClr val="000000"/>
         </a:buClr>
         <a:buFont typeface="Arial"/>
-        <a:defRPr b="0" i="0" sz="1400" u="none" cap="none" strike="noStrike">
+        <a:defRPr sz="1400" b="0" i="0" u="none" strike="noStrike" cap="none">
           <a:solidFill>
             <a:srgbClr val="000000"/>
           </a:solidFill>
@@ -6040,7 +6113,7 @@
           <a:sym typeface="Arial"/>
         </a:defRPr>
       </a:lvl5pPr>
-      <a:lvl6pPr lvl="5" marR="0" rtl="0" algn="l">
+      <a:lvl6pPr marR="0" lvl="5" algn="l" rtl="0">
         <a:lnSpc>
           <a:spcPct val="100000"/>
         </a:lnSpc>
@@ -6054,7 +6127,7 @@
           <a:srgbClr val="000000"/>
         </a:buClr>
         <a:buFont typeface="Arial"/>
-        <a:defRPr b="0" i="0" sz="1400" u="none" cap="none" strike="noStrike">
+        <a:defRPr sz="1400" b="0" i="0" u="none" strike="noStrike" cap="none">
           <a:solidFill>
             <a:srgbClr val="000000"/>
           </a:solidFill>
@@ -6064,7 +6137,7 @@
           <a:sym typeface="Arial"/>
         </a:defRPr>
       </a:lvl6pPr>
-      <a:lvl7pPr lvl="6" marR="0" rtl="0" algn="l">
+      <a:lvl7pPr marR="0" lvl="6" algn="l" rtl="0">
         <a:lnSpc>
           <a:spcPct val="100000"/>
         </a:lnSpc>
@@ -6078,7 +6151,7 @@
           <a:srgbClr val="000000"/>
         </a:buClr>
         <a:buFont typeface="Arial"/>
-        <a:defRPr b="0" i="0" sz="1400" u="none" cap="none" strike="noStrike">
+        <a:defRPr sz="1400" b="0" i="0" u="none" strike="noStrike" cap="none">
           <a:solidFill>
             <a:srgbClr val="000000"/>
           </a:solidFill>
@@ -6088,7 +6161,7 @@
           <a:sym typeface="Arial"/>
         </a:defRPr>
       </a:lvl7pPr>
-      <a:lvl8pPr lvl="7" marR="0" rtl="0" algn="l">
+      <a:lvl8pPr marR="0" lvl="7" algn="l" rtl="0">
         <a:lnSpc>
           <a:spcPct val="100000"/>
         </a:lnSpc>
@@ -6102,7 +6175,7 @@
           <a:srgbClr val="000000"/>
         </a:buClr>
         <a:buFont typeface="Arial"/>
-        <a:defRPr b="0" i="0" sz="1400" u="none" cap="none" strike="noStrike">
+        <a:defRPr sz="1400" b="0" i="0" u="none" strike="noStrike" cap="none">
           <a:solidFill>
             <a:srgbClr val="000000"/>
           </a:solidFill>
@@ -6112,7 +6185,7 @@
           <a:sym typeface="Arial"/>
         </a:defRPr>
       </a:lvl8pPr>
-      <a:lvl9pPr lvl="8" marR="0" rtl="0" algn="l">
+      <a:lvl9pPr marR="0" lvl="8" algn="l" rtl="0">
         <a:lnSpc>
           <a:spcPct val="100000"/>
         </a:lnSpc>
@@ -6126,7 +6199,7 @@
           <a:srgbClr val="000000"/>
         </a:buClr>
         <a:buFont typeface="Arial"/>
-        <a:defRPr b="0" i="0" sz="1400" u="none" cap="none" strike="noStrike">
+        <a:defRPr sz="1400" b="0" i="0" u="none" strike="noStrike" cap="none">
           <a:solidFill>
             <a:srgbClr val="000000"/>
           </a:solidFill>
@@ -6138,7 +6211,7 @@
       </a:lvl9pPr>
     </p:titleStyle>
     <p:bodyStyle>
-      <a:defPPr lvl="0" marR="0" rtl="0" algn="l">
+      <a:defPPr marR="0" lvl="0" algn="l" rtl="0">
         <a:lnSpc>
           <a:spcPct val="100000"/>
         </a:lnSpc>
@@ -6149,7 +6222,7 @@
           <a:spcPts val="0"/>
         </a:spcAft>
       </a:defPPr>
-      <a:lvl1pPr lvl="0" marR="0" rtl="0" algn="l">
+      <a:lvl1pPr marR="0" lvl="0" algn="l" rtl="0">
         <a:lnSpc>
           <a:spcPct val="100000"/>
         </a:lnSpc>
@@ -6163,7 +6236,7 @@
           <a:srgbClr val="000000"/>
         </a:buClr>
         <a:buFont typeface="Arial"/>
-        <a:defRPr b="0" i="0" sz="1400" u="none" cap="none" strike="noStrike">
+        <a:defRPr sz="1400" b="0" i="0" u="none" strike="noStrike" cap="none">
           <a:solidFill>
             <a:srgbClr val="000000"/>
           </a:solidFill>
@@ -6173,7 +6246,7 @@
           <a:sym typeface="Arial"/>
         </a:defRPr>
       </a:lvl1pPr>
-      <a:lvl2pPr lvl="1" marR="0" rtl="0" algn="l">
+      <a:lvl2pPr marR="0" lvl="1" algn="l" rtl="0">
         <a:lnSpc>
           <a:spcPct val="100000"/>
         </a:lnSpc>
@@ -6187,7 +6260,7 @@
           <a:srgbClr val="000000"/>
         </a:buClr>
         <a:buFont typeface="Arial"/>
-        <a:defRPr b="0" i="0" sz="1400" u="none" cap="none" strike="noStrike">
+        <a:defRPr sz="1400" b="0" i="0" u="none" strike="noStrike" cap="none">
           <a:solidFill>
             <a:srgbClr val="000000"/>
           </a:solidFill>
@@ -6197,7 +6270,7 @@
           <a:sym typeface="Arial"/>
         </a:defRPr>
       </a:lvl2pPr>
-      <a:lvl3pPr lvl="2" marR="0" rtl="0" algn="l">
+      <a:lvl3pPr marR="0" lvl="2" algn="l" rtl="0">
         <a:lnSpc>
           <a:spcPct val="100000"/>
         </a:lnSpc>
@@ -6211,7 +6284,7 @@
           <a:srgbClr val="000000"/>
         </a:buClr>
         <a:buFont typeface="Arial"/>
-        <a:defRPr b="0" i="0" sz="1400" u="none" cap="none" strike="noStrike">
+        <a:defRPr sz="1400" b="0" i="0" u="none" strike="noStrike" cap="none">
           <a:solidFill>
             <a:srgbClr val="000000"/>
           </a:solidFill>
@@ -6221,7 +6294,7 @@
           <a:sym typeface="Arial"/>
         </a:defRPr>
       </a:lvl3pPr>
-      <a:lvl4pPr lvl="3" marR="0" rtl="0" algn="l">
+      <a:lvl4pPr marR="0" lvl="3" algn="l" rtl="0">
         <a:lnSpc>
           <a:spcPct val="100000"/>
         </a:lnSpc>
@@ -6235,7 +6308,7 @@
           <a:srgbClr val="000000"/>
         </a:buClr>
         <a:buFont typeface="Arial"/>
-        <a:defRPr b="0" i="0" sz="1400" u="none" cap="none" strike="noStrike">
+        <a:defRPr sz="1400" b="0" i="0" u="none" strike="noStrike" cap="none">
           <a:solidFill>
             <a:srgbClr val="000000"/>
           </a:solidFill>
@@ -6245,7 +6318,7 @@
           <a:sym typeface="Arial"/>
         </a:defRPr>
       </a:lvl4pPr>
-      <a:lvl5pPr lvl="4" marR="0" rtl="0" algn="l">
+      <a:lvl5pPr marR="0" lvl="4" algn="l" rtl="0">
         <a:lnSpc>
           <a:spcPct val="100000"/>
         </a:lnSpc>
@@ -6259,7 +6332,7 @@
           <a:srgbClr val="000000"/>
         </a:buClr>
         <a:buFont typeface="Arial"/>
-        <a:defRPr b="0" i="0" sz="1400" u="none" cap="none" strike="noStrike">
+        <a:defRPr sz="1400" b="0" i="0" u="none" strike="noStrike" cap="none">
           <a:solidFill>
             <a:srgbClr val="000000"/>
           </a:solidFill>
@@ -6269,7 +6342,7 @@
           <a:sym typeface="Arial"/>
         </a:defRPr>
       </a:lvl5pPr>
-      <a:lvl6pPr lvl="5" marR="0" rtl="0" algn="l">
+      <a:lvl6pPr marR="0" lvl="5" algn="l" rtl="0">
         <a:lnSpc>
           <a:spcPct val="100000"/>
         </a:lnSpc>
@@ -6283,7 +6356,7 @@
           <a:srgbClr val="000000"/>
         </a:buClr>
         <a:buFont typeface="Arial"/>
-        <a:defRPr b="0" i="0" sz="1400" u="none" cap="none" strike="noStrike">
+        <a:defRPr sz="1400" b="0" i="0" u="none" strike="noStrike" cap="none">
           <a:solidFill>
             <a:srgbClr val="000000"/>
           </a:solidFill>
@@ -6293,7 +6366,7 @@
           <a:sym typeface="Arial"/>
         </a:defRPr>
       </a:lvl6pPr>
-      <a:lvl7pPr lvl="6" marR="0" rtl="0" algn="l">
+      <a:lvl7pPr marR="0" lvl="6" algn="l" rtl="0">
         <a:lnSpc>
           <a:spcPct val="100000"/>
         </a:lnSpc>
@@ -6307,7 +6380,7 @@
           <a:srgbClr val="000000"/>
         </a:buClr>
         <a:buFont typeface="Arial"/>
-        <a:defRPr b="0" i="0" sz="1400" u="none" cap="none" strike="noStrike">
+        <a:defRPr sz="1400" b="0" i="0" u="none" strike="noStrike" cap="none">
           <a:solidFill>
             <a:srgbClr val="000000"/>
           </a:solidFill>
@@ -6317,7 +6390,7 @@
           <a:sym typeface="Arial"/>
         </a:defRPr>
       </a:lvl7pPr>
-      <a:lvl8pPr lvl="7" marR="0" rtl="0" algn="l">
+      <a:lvl8pPr marR="0" lvl="7" algn="l" rtl="0">
         <a:lnSpc>
           <a:spcPct val="100000"/>
         </a:lnSpc>
@@ -6331,7 +6404,7 @@
           <a:srgbClr val="000000"/>
         </a:buClr>
         <a:buFont typeface="Arial"/>
-        <a:defRPr b="0" i="0" sz="1400" u="none" cap="none" strike="noStrike">
+        <a:defRPr sz="1400" b="0" i="0" u="none" strike="noStrike" cap="none">
           <a:solidFill>
             <a:srgbClr val="000000"/>
           </a:solidFill>
@@ -6341,7 +6414,7 @@
           <a:sym typeface="Arial"/>
         </a:defRPr>
       </a:lvl8pPr>
-      <a:lvl9pPr lvl="8" marR="0" rtl="0" algn="l">
+      <a:lvl9pPr marR="0" lvl="8" algn="l" rtl="0">
         <a:lnSpc>
           <a:spcPct val="100000"/>
         </a:lnSpc>
@@ -6355,7 +6428,7 @@
           <a:srgbClr val="000000"/>
         </a:buClr>
         <a:buFont typeface="Arial"/>
-        <a:defRPr b="0" i="0" sz="1400" u="none" cap="none" strike="noStrike">
+        <a:defRPr sz="1400" b="0" i="0" u="none" strike="noStrike" cap="none">
           <a:solidFill>
             <a:srgbClr val="000000"/>
           </a:solidFill>
@@ -6367,7 +6440,7 @@
       </a:lvl9pPr>
     </p:bodyStyle>
     <p:otherStyle>
-      <a:defPPr lvl="0" marR="0" rtl="0" algn="l">
+      <a:defPPr marR="0" lvl="0" algn="l" rtl="0">
         <a:lnSpc>
           <a:spcPct val="100000"/>
         </a:lnSpc>
@@ -6378,7 +6451,7 @@
           <a:spcPts val="0"/>
         </a:spcAft>
       </a:defPPr>
-      <a:lvl1pPr lvl="0" marR="0" rtl="0" algn="l">
+      <a:lvl1pPr marR="0" lvl="0" algn="l" rtl="0">
         <a:lnSpc>
           <a:spcPct val="100000"/>
         </a:lnSpc>
@@ -6392,7 +6465,7 @@
           <a:srgbClr val="000000"/>
         </a:buClr>
         <a:buFont typeface="Arial"/>
-        <a:defRPr b="0" i="0" sz="1400" u="none" cap="none" strike="noStrike">
+        <a:defRPr sz="1400" b="0" i="0" u="none" strike="noStrike" cap="none">
           <a:solidFill>
             <a:srgbClr val="000000"/>
           </a:solidFill>
@@ -6402,7 +6475,7 @@
           <a:sym typeface="Arial"/>
         </a:defRPr>
       </a:lvl1pPr>
-      <a:lvl2pPr lvl="1" marR="0" rtl="0" algn="l">
+      <a:lvl2pPr marR="0" lvl="1" algn="l" rtl="0">
         <a:lnSpc>
           <a:spcPct val="100000"/>
         </a:lnSpc>
@@ -6416,7 +6489,7 @@
           <a:srgbClr val="000000"/>
         </a:buClr>
         <a:buFont typeface="Arial"/>
-        <a:defRPr b="0" i="0" sz="1400" u="none" cap="none" strike="noStrike">
+        <a:defRPr sz="1400" b="0" i="0" u="none" strike="noStrike" cap="none">
           <a:solidFill>
             <a:srgbClr val="000000"/>
           </a:solidFill>
@@ -6426,7 +6499,7 @@
           <a:sym typeface="Arial"/>
         </a:defRPr>
       </a:lvl2pPr>
-      <a:lvl3pPr lvl="2" marR="0" rtl="0" algn="l">
+      <a:lvl3pPr marR="0" lvl="2" algn="l" rtl="0">
         <a:lnSpc>
           <a:spcPct val="100000"/>
         </a:lnSpc>
@@ -6440,7 +6513,7 @@
           <a:srgbClr val="000000"/>
         </a:buClr>
         <a:buFont typeface="Arial"/>
-        <a:defRPr b="0" i="0" sz="1400" u="none" cap="none" strike="noStrike">
+        <a:defRPr sz="1400" b="0" i="0" u="none" strike="noStrike" cap="none">
           <a:solidFill>
             <a:srgbClr val="000000"/>
           </a:solidFill>
@@ -6450,7 +6523,7 @@
           <a:sym typeface="Arial"/>
         </a:defRPr>
       </a:lvl3pPr>
-      <a:lvl4pPr lvl="3" marR="0" rtl="0" algn="l">
+      <a:lvl4pPr marR="0" lvl="3" algn="l" rtl="0">
         <a:lnSpc>
           <a:spcPct val="100000"/>
         </a:lnSpc>
@@ -6464,7 +6537,7 @@
           <a:srgbClr val="000000"/>
         </a:buClr>
         <a:buFont typeface="Arial"/>
-        <a:defRPr b="0" i="0" sz="1400" u="none" cap="none" strike="noStrike">
+        <a:defRPr sz="1400" b="0" i="0" u="none" strike="noStrike" cap="none">
           <a:solidFill>
             <a:srgbClr val="000000"/>
           </a:solidFill>
@@ -6474,7 +6547,7 @@
           <a:sym typeface="Arial"/>
         </a:defRPr>
       </a:lvl4pPr>
-      <a:lvl5pPr lvl="4" marR="0" rtl="0" algn="l">
+      <a:lvl5pPr marR="0" lvl="4" algn="l" rtl="0">
         <a:lnSpc>
           <a:spcPct val="100000"/>
         </a:lnSpc>
@@ -6488,7 +6561,7 @@
           <a:srgbClr val="000000"/>
         </a:buClr>
         <a:buFont typeface="Arial"/>
-        <a:defRPr b="0" i="0" sz="1400" u="none" cap="none" strike="noStrike">
+        <a:defRPr sz="1400" b="0" i="0" u="none" strike="noStrike" cap="none">
           <a:solidFill>
             <a:srgbClr val="000000"/>
           </a:solidFill>
@@ -6498,7 +6571,7 @@
           <a:sym typeface="Arial"/>
         </a:defRPr>
       </a:lvl5pPr>
-      <a:lvl6pPr lvl="5" marR="0" rtl="0" algn="l">
+      <a:lvl6pPr marR="0" lvl="5" algn="l" rtl="0">
         <a:lnSpc>
           <a:spcPct val="100000"/>
         </a:lnSpc>
@@ -6512,7 +6585,7 @@
           <a:srgbClr val="000000"/>
         </a:buClr>
         <a:buFont typeface="Arial"/>
-        <a:defRPr b="0" i="0" sz="1400" u="none" cap="none" strike="noStrike">
+        <a:defRPr sz="1400" b="0" i="0" u="none" strike="noStrike" cap="none">
           <a:solidFill>
             <a:srgbClr val="000000"/>
           </a:solidFill>
@@ -6522,7 +6595,7 @@
           <a:sym typeface="Arial"/>
         </a:defRPr>
       </a:lvl6pPr>
-      <a:lvl7pPr lvl="6" marR="0" rtl="0" algn="l">
+      <a:lvl7pPr marR="0" lvl="6" algn="l" rtl="0">
         <a:lnSpc>
           <a:spcPct val="100000"/>
         </a:lnSpc>
@@ -6536,7 +6609,7 @@
           <a:srgbClr val="000000"/>
         </a:buClr>
         <a:buFont typeface="Arial"/>
-        <a:defRPr b="0" i="0" sz="1400" u="none" cap="none" strike="noStrike">
+        <a:defRPr sz="1400" b="0" i="0" u="none" strike="noStrike" cap="none">
           <a:solidFill>
             <a:srgbClr val="000000"/>
           </a:solidFill>
@@ -6546,7 +6619,7 @@
           <a:sym typeface="Arial"/>
         </a:defRPr>
       </a:lvl7pPr>
-      <a:lvl8pPr lvl="7" marR="0" rtl="0" algn="l">
+      <a:lvl8pPr marR="0" lvl="7" algn="l" rtl="0">
         <a:lnSpc>
           <a:spcPct val="100000"/>
         </a:lnSpc>
@@ -6560,7 +6633,7 @@
           <a:srgbClr val="000000"/>
         </a:buClr>
         <a:buFont typeface="Arial"/>
-        <a:defRPr b="0" i="0" sz="1400" u="none" cap="none" strike="noStrike">
+        <a:defRPr sz="1400" b="0" i="0" u="none" strike="noStrike" cap="none">
           <a:solidFill>
             <a:srgbClr val="000000"/>
           </a:solidFill>
@@ -6570,7 +6643,7 @@
           <a:sym typeface="Arial"/>
         </a:defRPr>
       </a:lvl8pPr>
-      <a:lvl9pPr lvl="8" marR="0" rtl="0" algn="l">
+      <a:lvl9pPr marR="0" lvl="8" algn="l" rtl="0">
         <a:lnSpc>
           <a:spcPct val="100000"/>
         </a:lnSpc>
@@ -6584,7 +6657,7 @@
           <a:srgbClr val="000000"/>
         </a:buClr>
         <a:buFont typeface="Arial"/>
-        <a:defRPr b="0" i="0" sz="1400" u="none" cap="none" strike="noStrike">
+        <a:defRPr sz="1400" b="0" i="0" u="none" strike="noStrike" cap="none">
           <a:solidFill>
             <a:srgbClr val="000000"/>
           </a:solidFill>
@@ -6600,11 +6673,11 @@
 </file>
 
 <file path=ppt/slides/slide1.xml><?xml version="1.0" encoding="utf-8"?>
-<p:sld xmlns:a="http://schemas.openxmlformats.org/drawingml/2006/main" xmlns:r="http://schemas.openxmlformats.org/officeDocument/2006/relationships" xmlns:mc="http://schemas.openxmlformats.org/markup-compatibility/2006" xmlns:mv="urn:schemas-microsoft-com:mac:vml" xmlns:p="http://schemas.openxmlformats.org/presentationml/2006/main" xmlns:c="http://schemas.openxmlformats.org/drawingml/2006/chart" xmlns:dgm="http://schemas.openxmlformats.org/drawingml/2006/diagram" xmlns:o="urn:schemas-microsoft-com:office:office" xmlns:v="urn:schemas-microsoft-com:vml" xmlns:pvml="urn:schemas-microsoft-com:office:powerpoint" xmlns:com="http://schemas.openxmlformats.org/drawingml/2006/compatibility" xmlns:p14="http://schemas.microsoft.com/office/powerpoint/2010/main" xmlns:p15="http://schemas.microsoft.com/office/powerpoint/2012/main" xmlns:ahyp="http://schemas.microsoft.com/office/drawing/2018/hyperlinkcolor">
+<p:sld xmlns:a="http://schemas.openxmlformats.org/drawingml/2006/main" xmlns:r="http://schemas.openxmlformats.org/officeDocument/2006/relationships" xmlns:p="http://schemas.openxmlformats.org/presentationml/2006/main">
   <p:cSld>
     <p:spTree>
       <p:nvGrpSpPr>
-        <p:cNvPr id="53" name="Shape 53"/>
+        <p:cNvPr id="1" name="Shape 53"/>
         <p:cNvGrpSpPr/>
         <p:nvPr/>
       </p:nvGrpSpPr>
@@ -6619,7 +6692,9 @@
       <p:sp>
         <p:nvSpPr>
           <p:cNvPr id="54" name="Google Shape;54;p13"/>
-          <p:cNvSpPr txBox="1"/>
+          <p:cNvSpPr txBox="1">
+            <a:spLocks noGrp="1"/>
+          </p:cNvSpPr>
           <p:nvPr>
             <p:ph type="ctrTitle"/>
           </p:nvPr>
@@ -6634,12 +6709,12 @@
           </a:prstGeom>
         </p:spPr>
         <p:txBody>
-          <a:bodyPr anchorCtr="0" anchor="b" bIns="91425" lIns="91425" spcFirstLastPara="1" rIns="91425" wrap="square" tIns="91425">
+          <a:bodyPr spcFirstLastPara="1" wrap="square" lIns="91425" tIns="91425" rIns="91425" bIns="91425" anchor="b" anchorCtr="0">
             <a:normAutofit/>
           </a:bodyPr>
           <a:lstStyle/>
           <a:p>
-            <a:pPr indent="0" lvl="0" marL="0" rtl="0" algn="ctr">
+            <a:pPr marL="0" lvl="0" indent="0" algn="ctr" rtl="0">
               <a:spcBef>
                 <a:spcPts val="0"/>
               </a:spcBef>
@@ -6659,9 +6734,11 @@
       <p:sp>
         <p:nvSpPr>
           <p:cNvPr id="55" name="Google Shape;55;p13"/>
-          <p:cNvSpPr txBox="1"/>
+          <p:cNvSpPr txBox="1">
+            <a:spLocks noGrp="1"/>
+          </p:cNvSpPr>
           <p:nvPr>
-            <p:ph idx="1" type="subTitle"/>
+            <p:ph type="subTitle" idx="1"/>
           </p:nvPr>
         </p:nvSpPr>
         <p:spPr>
@@ -6674,12 +6751,12 @@
           </a:prstGeom>
         </p:spPr>
         <p:txBody>
-          <a:bodyPr anchorCtr="0" anchor="t" bIns="91425" lIns="91425" spcFirstLastPara="1" rIns="91425" wrap="square" tIns="91425">
+          <a:bodyPr spcFirstLastPara="1" wrap="square" lIns="91425" tIns="91425" rIns="91425" bIns="91425" anchor="t" anchorCtr="0">
             <a:normAutofit fontScale="85000"/>
           </a:bodyPr>
           <a:lstStyle/>
           <a:p>
-            <a:pPr indent="0" lvl="0" marL="0" rtl="0" algn="ctr">
+            <a:pPr marL="0" lvl="0" indent="0" algn="ctr" rtl="0">
               <a:spcBef>
                 <a:spcPts val="0"/>
               </a:spcBef>
@@ -6705,189 +6782,11 @@
 </file>
 
 <file path=ppt/slides/slide10.xml><?xml version="1.0" encoding="utf-8"?>
-<p:sld xmlns:a="http://schemas.openxmlformats.org/drawingml/2006/main" xmlns:r="http://schemas.openxmlformats.org/officeDocument/2006/relationships" xmlns:mc="http://schemas.openxmlformats.org/markup-compatibility/2006" xmlns:mv="urn:schemas-microsoft-com:mac:vml" xmlns:p="http://schemas.openxmlformats.org/presentationml/2006/main" xmlns:c="http://schemas.openxmlformats.org/drawingml/2006/chart" xmlns:dgm="http://schemas.openxmlformats.org/drawingml/2006/diagram" xmlns:o="urn:schemas-microsoft-com:office:office" xmlns:v="urn:schemas-microsoft-com:vml" xmlns:pvml="urn:schemas-microsoft-com:office:powerpoint" xmlns:com="http://schemas.openxmlformats.org/drawingml/2006/compatibility" xmlns:p14="http://schemas.microsoft.com/office/powerpoint/2010/main" xmlns:p15="http://schemas.microsoft.com/office/powerpoint/2012/main" xmlns:ahyp="http://schemas.microsoft.com/office/drawing/2018/hyperlinkcolor">
+<p:sld xmlns:a="http://schemas.openxmlformats.org/drawingml/2006/main" xmlns:r="http://schemas.openxmlformats.org/officeDocument/2006/relationships" xmlns:p="http://schemas.openxmlformats.org/presentationml/2006/main">
   <p:cSld>
     <p:spTree>
       <p:nvGrpSpPr>
-        <p:cNvPr id="109" name="Shape 109"/>
-        <p:cNvGrpSpPr/>
-        <p:nvPr/>
-      </p:nvGrpSpPr>
-      <p:grpSpPr>
-        <a:xfrm>
-          <a:off x="0" y="0"/>
-          <a:ext cx="0" cy="0"/>
-          <a:chOff x="0" y="0"/>
-          <a:chExt cx="0" cy="0"/>
-        </a:xfrm>
-      </p:grpSpPr>
-      <p:sp>
-        <p:nvSpPr>
-          <p:cNvPr id="110" name="Google Shape;110;p22"/>
-          <p:cNvSpPr txBox="1"/>
-          <p:nvPr>
-            <p:ph type="title"/>
-          </p:nvPr>
-        </p:nvSpPr>
-        <p:spPr>
-          <a:xfrm>
-            <a:off x="311700" y="419350"/>
-            <a:ext cx="8520600" cy="572700"/>
-          </a:xfrm>
-          <a:prstGeom prst="rect">
-            <a:avLst/>
-          </a:prstGeom>
-        </p:spPr>
-        <p:txBody>
-          <a:bodyPr anchorCtr="0" anchor="t" bIns="91425" lIns="91425" spcFirstLastPara="1" rIns="91425" wrap="square" tIns="91425">
-            <a:normAutofit fontScale="90000"/>
-          </a:bodyPr>
-          <a:lstStyle/>
-          <a:p>
-            <a:pPr indent="0" lvl="0" marL="0" rtl="0" algn="l">
-              <a:spcBef>
-                <a:spcPts val="0"/>
-              </a:spcBef>
-              <a:spcAft>
-                <a:spcPts val="0"/>
-              </a:spcAft>
-              <a:buNone/>
-            </a:pPr>
-            <a:r>
-              <a:rPr lang="en"/>
-              <a:t>Demonstration Video</a:t>
-            </a:r>
-            <a:endParaRPr/>
-          </a:p>
-        </p:txBody>
-      </p:sp>
-      <p:pic>
-        <p:nvPicPr>
-          <p:cNvPr id="111" name="Google Shape;111;p22" title="Complete_Demo_Chatbot.mov">
-            <a:hlinkClick r:id="rId3"/>
-          </p:cNvPr>
-          <p:cNvPicPr preferRelativeResize="0"/>
-          <p:nvPr/>
-        </p:nvPicPr>
-        <p:blipFill>
-          <a:blip r:embed="rId4">
-            <a:alphaModFix/>
-          </a:blip>
-          <a:stretch>
-            <a:fillRect/>
-          </a:stretch>
-        </p:blipFill>
-        <p:spPr>
-          <a:xfrm>
-            <a:off x="2286000" y="1247175"/>
-            <a:ext cx="4572000" cy="3429000"/>
-          </a:xfrm>
-          <a:prstGeom prst="rect">
-            <a:avLst/>
-          </a:prstGeom>
-          <a:noFill/>
-          <a:ln>
-            <a:noFill/>
-          </a:ln>
-        </p:spPr>
-      </p:pic>
-    </p:spTree>
-  </p:cSld>
-  <p:clrMapOvr>
-    <a:masterClrMapping/>
-  </p:clrMapOvr>
-  <p:timing>
-    <p:tnLst>
-      <p:par>
-        <p:cTn dur="indefinite" nodeType="tmRoot" restart="never">
-          <p:childTnLst>
-            <p:seq concurrent="1" nextAc="seek">
-              <p:cTn dur="indefinite" id="2" nodeType="mainSeq">
-                <p:childTnLst>
-                  <p:par>
-                    <p:cTn fill="hold">
-                      <p:stCondLst>
-                        <p:cond delay="indefinite"/>
-                      </p:stCondLst>
-                      <p:childTnLst>
-                        <p:par>
-                          <p:cTn fill="hold">
-                            <p:stCondLst>
-                              <p:cond delay="0"/>
-                            </p:stCondLst>
-                            <p:childTnLst>
-                              <p:par>
-                                <p:cTn fill="hold" nodeType="clickEffect" presetClass="entr" presetID="10" presetSubtype="0">
-                                  <p:stCondLst>
-                                    <p:cond delay="0"/>
-                                  </p:stCondLst>
-                                  <p:childTnLst>
-                                    <p:set>
-                                      <p:cBhvr>
-                                        <p:cTn dur="1" fill="hold">
-                                          <p:stCondLst>
-                                            <p:cond delay="0"/>
-                                          </p:stCondLst>
-                                        </p:cTn>
-                                        <p:tgtEl>
-                                          <p:spTgt spid="111"/>
-                                        </p:tgtEl>
-                                        <p:attrNameLst>
-                                          <p:attrName>style.visibility</p:attrName>
-                                        </p:attrNameLst>
-                                      </p:cBhvr>
-                                      <p:to>
-                                        <p:strVal val="visible"/>
-                                      </p:to>
-                                    </p:set>
-                                    <p:animEffect filter="fade" transition="in">
-                                      <p:cBhvr>
-                                        <p:cTn dur="1000"/>
-                                        <p:tgtEl>
-                                          <p:spTgt spid="111"/>
-                                        </p:tgtEl>
-                                      </p:cBhvr>
-                                    </p:animEffect>
-                                  </p:childTnLst>
-                                </p:cTn>
-                              </p:par>
-                            </p:childTnLst>
-                          </p:cTn>
-                        </p:par>
-                      </p:childTnLst>
-                    </p:cTn>
-                  </p:par>
-                </p:childTnLst>
-              </p:cTn>
-              <p:prevCondLst>
-                <p:cond evt="onPrev">
-                  <p:tgtEl>
-                    <p:sldTgt/>
-                  </p:tgtEl>
-                </p:cond>
-              </p:prevCondLst>
-              <p:nextCondLst>
-                <p:cond evt="onNext">
-                  <p:tgtEl>
-                    <p:sldTgt/>
-                  </p:tgtEl>
-                </p:cond>
-              </p:nextCondLst>
-            </p:seq>
-          </p:childTnLst>
-        </p:cTn>
-      </p:par>
-    </p:tnLst>
-  </p:timing>
-</p:sld>
-</file>
-
-<file path=ppt/slides/slide11.xml><?xml version="1.0" encoding="utf-8"?>
-<p:sld xmlns:a="http://schemas.openxmlformats.org/drawingml/2006/main" xmlns:r="http://schemas.openxmlformats.org/officeDocument/2006/relationships" xmlns:mc="http://schemas.openxmlformats.org/markup-compatibility/2006" xmlns:mv="urn:schemas-microsoft-com:mac:vml" xmlns:p="http://schemas.openxmlformats.org/presentationml/2006/main" xmlns:c="http://schemas.openxmlformats.org/drawingml/2006/chart" xmlns:dgm="http://schemas.openxmlformats.org/drawingml/2006/diagram" xmlns:o="urn:schemas-microsoft-com:office:office" xmlns:v="urn:schemas-microsoft-com:vml" xmlns:pvml="urn:schemas-microsoft-com:office:powerpoint" xmlns:com="http://schemas.openxmlformats.org/drawingml/2006/compatibility" xmlns:p14="http://schemas.microsoft.com/office/powerpoint/2010/main" xmlns:p15="http://schemas.microsoft.com/office/powerpoint/2012/main" xmlns:ahyp="http://schemas.microsoft.com/office/drawing/2018/hyperlinkcolor">
-  <p:cSld>
-    <p:spTree>
-      <p:nvGrpSpPr>
-        <p:cNvPr id="115" name="Shape 115"/>
+        <p:cNvPr id="1" name="Shape 115"/>
         <p:cNvGrpSpPr/>
         <p:nvPr/>
       </p:nvGrpSpPr>
@@ -6902,7 +6801,9 @@
       <p:sp>
         <p:nvSpPr>
           <p:cNvPr id="116" name="Google Shape;116;p23"/>
-          <p:cNvSpPr txBox="1"/>
+          <p:cNvSpPr txBox="1">
+            <a:spLocks noGrp="1"/>
+          </p:cNvSpPr>
           <p:nvPr>
             <p:ph type="title"/>
           </p:nvPr>
@@ -6917,12 +6818,12 @@
           </a:prstGeom>
         </p:spPr>
         <p:txBody>
-          <a:bodyPr anchorCtr="0" anchor="t" bIns="91425" lIns="91425" spcFirstLastPara="1" rIns="91425" wrap="square" tIns="91425">
+          <a:bodyPr spcFirstLastPara="1" wrap="square" lIns="91425" tIns="91425" rIns="91425" bIns="91425" anchor="t" anchorCtr="0">
             <a:normAutofit fontScale="90000"/>
           </a:bodyPr>
           <a:lstStyle/>
           <a:p>
-            <a:pPr indent="0" lvl="0" marL="0" rtl="0" algn="l">
+            <a:pPr marL="0" lvl="0" indent="0" algn="l" rtl="0">
               <a:spcBef>
                 <a:spcPts val="0"/>
               </a:spcBef>
@@ -6942,9 +6843,11 @@
       <p:sp>
         <p:nvSpPr>
           <p:cNvPr id="117" name="Google Shape;117;p23"/>
-          <p:cNvSpPr txBox="1"/>
+          <p:cNvSpPr txBox="1">
+            <a:spLocks noGrp="1"/>
+          </p:cNvSpPr>
           <p:nvPr>
-            <p:ph idx="1" type="body"/>
+            <p:ph type="body" idx="1"/>
           </p:nvPr>
         </p:nvSpPr>
         <p:spPr>
@@ -6957,12 +6860,12 @@
           </a:prstGeom>
         </p:spPr>
         <p:txBody>
-          <a:bodyPr anchorCtr="0" anchor="t" bIns="91425" lIns="91425" spcFirstLastPara="1" rIns="91425" wrap="square" tIns="91425">
+          <a:bodyPr spcFirstLastPara="1" wrap="square" lIns="91425" tIns="91425" rIns="91425" bIns="91425" anchor="t" anchorCtr="0">
             <a:normAutofit fontScale="77500" lnSpcReduction="20000"/>
           </a:bodyPr>
           <a:lstStyle/>
           <a:p>
-            <a:pPr indent="457200" lvl="0" marL="1371600" rtl="0" algn="l">
+            <a:pPr marL="1371600" lvl="0" indent="457200" algn="l" rtl="0">
               <a:spcBef>
                 <a:spcPts val="0"/>
               </a:spcBef>
@@ -6978,7 +6881,7 @@
             <a:endParaRPr/>
           </a:p>
           <a:p>
-            <a:pPr indent="-317182" lvl="0" marL="457200" rtl="0" algn="l">
+            <a:pPr marL="457200" lvl="0" indent="-317182" algn="l" rtl="0">
               <a:spcBef>
                 <a:spcPts val="1200"/>
               </a:spcBef>
@@ -6995,7 +6898,7 @@
             <a:endParaRPr/>
           </a:p>
           <a:p>
-            <a:pPr indent="-317182" lvl="0" marL="457200" rtl="0" algn="l">
+            <a:pPr marL="457200" lvl="0" indent="-317182" algn="l" rtl="0">
               <a:spcBef>
                 <a:spcPts val="0"/>
               </a:spcBef>
@@ -7012,7 +6915,7 @@
             <a:endParaRPr/>
           </a:p>
           <a:p>
-            <a:pPr indent="-317182" lvl="0" marL="457200" rtl="0" algn="l">
+            <a:pPr marL="457200" lvl="0" indent="-317182" algn="l" rtl="0">
               <a:spcBef>
                 <a:spcPts val="0"/>
               </a:spcBef>
@@ -7029,7 +6932,7 @@
             <a:endParaRPr/>
           </a:p>
           <a:p>
-            <a:pPr indent="-297497" lvl="1" marL="914400" rtl="0" algn="l">
+            <a:pPr marL="914400" lvl="1" indent="-297497" algn="l" rtl="0">
               <a:spcBef>
                 <a:spcPts val="0"/>
               </a:spcBef>
@@ -7046,7 +6949,7 @@
             <a:endParaRPr/>
           </a:p>
           <a:p>
-            <a:pPr indent="-297497" lvl="1" marL="914400" rtl="0" algn="l">
+            <a:pPr marL="914400" lvl="1" indent="-297497" algn="l" rtl="0">
               <a:spcBef>
                 <a:spcPts val="0"/>
               </a:spcBef>
@@ -7063,7 +6966,7 @@
             <a:endParaRPr/>
           </a:p>
           <a:p>
-            <a:pPr indent="0" lvl="0" marL="914400" rtl="0" algn="l">
+            <a:pPr marL="914400" lvl="0" indent="0" algn="l" rtl="0">
               <a:spcBef>
                 <a:spcPts val="1200"/>
               </a:spcBef>
@@ -7072,13 +6975,10 @@
               </a:spcAft>
               <a:buNone/>
             </a:pPr>
-            <a:r>
-              <a:t/>
-            </a:r>
-            <a:endParaRPr/>
-          </a:p>
-          <a:p>
-            <a:pPr indent="0" lvl="0" marL="0" rtl="0" algn="l">
+            <a:endParaRPr/>
+          </a:p>
+          <a:p>
+            <a:pPr marL="0" lvl="0" indent="0" algn="l" rtl="0">
               <a:spcBef>
                 <a:spcPts val="1200"/>
               </a:spcBef>
@@ -7087,13 +6987,10 @@
               </a:spcAft>
               <a:buNone/>
             </a:pPr>
-            <a:r>
-              <a:t/>
-            </a:r>
-            <a:endParaRPr/>
-          </a:p>
-          <a:p>
-            <a:pPr indent="0" lvl="0" marL="457200" rtl="0" algn="l">
+            <a:endParaRPr/>
+          </a:p>
+          <a:p>
+            <a:pPr marL="457200" lvl="0" indent="0" algn="l" rtl="0">
               <a:spcBef>
                 <a:spcPts val="1200"/>
               </a:spcBef>
@@ -7102,13 +6999,10 @@
               </a:spcAft>
               <a:buNone/>
             </a:pPr>
-            <a:r>
-              <a:t/>
-            </a:r>
-            <a:endParaRPr/>
-          </a:p>
-          <a:p>
-            <a:pPr indent="0" lvl="0" marL="914400" rtl="0" algn="l">
+            <a:endParaRPr/>
+          </a:p>
+          <a:p>
+            <a:pPr marL="914400" lvl="0" indent="0" algn="l" rtl="0">
               <a:spcBef>
                 <a:spcPts val="1200"/>
               </a:spcBef>
@@ -7124,7 +7018,7 @@
             <a:endParaRPr/>
           </a:p>
           <a:p>
-            <a:pPr indent="0" lvl="0" marL="0" rtl="0" algn="l">
+            <a:pPr marL="0" lvl="0" indent="0" algn="l" rtl="0">
               <a:spcBef>
                 <a:spcPts val="1200"/>
               </a:spcBef>
@@ -7133,9 +7027,6 @@
               </a:spcAft>
               <a:buNone/>
             </a:pPr>
-            <a:r>
-              <a:t/>
-            </a:r>
             <a:endParaRPr/>
           </a:p>
         </p:txBody>
@@ -7216,12 +7107,12 @@
           </a:ln>
         </p:spPr>
         <p:txBody>
-          <a:bodyPr anchorCtr="0" anchor="t" bIns="91425" lIns="91425" spcFirstLastPara="1" rIns="91425" wrap="square" tIns="91425">
+          <a:bodyPr spcFirstLastPara="1" wrap="square" lIns="91425" tIns="91425" rIns="91425" bIns="91425" anchor="t" anchorCtr="0">
             <a:spAutoFit/>
           </a:bodyPr>
           <a:lstStyle/>
           <a:p>
-            <a:pPr indent="0" lvl="0" marL="0" rtl="0" algn="l">
+            <a:pPr marL="0" lvl="0" indent="0" algn="l" rtl="0">
               <a:spcBef>
                 <a:spcPts val="0"/>
               </a:spcBef>
@@ -7231,7 +7122,7 @@
               <a:buNone/>
             </a:pPr>
             <a:r>
-              <a:rPr b="1" lang="en"/>
+              <a:rPr lang="en" b="1"/>
               <a:t>Low Risk</a:t>
             </a:r>
             <a:endParaRPr b="1"/>
@@ -7258,12 +7149,12 @@
           </a:ln>
         </p:spPr>
         <p:txBody>
-          <a:bodyPr anchorCtr="0" anchor="t" bIns="91425" lIns="91425" spcFirstLastPara="1" rIns="91425" wrap="square" tIns="91425">
+          <a:bodyPr spcFirstLastPara="1" wrap="square" lIns="91425" tIns="91425" rIns="91425" bIns="91425" anchor="t" anchorCtr="0">
             <a:spAutoFit/>
           </a:bodyPr>
           <a:lstStyle/>
           <a:p>
-            <a:pPr indent="0" lvl="0" marL="0" rtl="0" algn="l">
+            <a:pPr marL="0" lvl="0" indent="0" algn="l" rtl="0">
               <a:spcBef>
                 <a:spcPts val="0"/>
               </a:spcBef>
@@ -7273,20 +7164,12 @@
               <a:buNone/>
             </a:pPr>
             <a:r>
-              <a:rPr b="1" lang="en">
+              <a:rPr lang="en" b="1">
                 <a:solidFill>
                   <a:schemeClr val="dk1"/>
                 </a:solidFill>
               </a:rPr>
-              <a:t>Mid</a:t>
-            </a:r>
-            <a:r>
-              <a:rPr b="1" lang="en">
-                <a:solidFill>
-                  <a:schemeClr val="dk1"/>
-                </a:solidFill>
-              </a:rPr>
-              <a:t> Risk</a:t>
+              <a:t>Mid Risk</a:t>
             </a:r>
             <a:endParaRPr b="1">
               <a:solidFill>
@@ -7304,12 +7187,12 @@
 </p:sld>
 </file>
 
-<file path=ppt/slides/slide12.xml><?xml version="1.0" encoding="utf-8"?>
-<p:sld xmlns:a="http://schemas.openxmlformats.org/drawingml/2006/main" xmlns:r="http://schemas.openxmlformats.org/officeDocument/2006/relationships" xmlns:mc="http://schemas.openxmlformats.org/markup-compatibility/2006" xmlns:mv="urn:schemas-microsoft-com:mac:vml" xmlns:p="http://schemas.openxmlformats.org/presentationml/2006/main" xmlns:c="http://schemas.openxmlformats.org/drawingml/2006/chart" xmlns:dgm="http://schemas.openxmlformats.org/drawingml/2006/diagram" xmlns:o="urn:schemas-microsoft-com:office:office" xmlns:v="urn:schemas-microsoft-com:vml" xmlns:pvml="urn:schemas-microsoft-com:office:powerpoint" xmlns:com="http://schemas.openxmlformats.org/drawingml/2006/compatibility" xmlns:p14="http://schemas.microsoft.com/office/powerpoint/2010/main" xmlns:p15="http://schemas.microsoft.com/office/powerpoint/2012/main" xmlns:ahyp="http://schemas.microsoft.com/office/drawing/2018/hyperlinkcolor">
+<file path=ppt/slides/slide11.xml><?xml version="1.0" encoding="utf-8"?>
+<p:sld xmlns:a="http://schemas.openxmlformats.org/drawingml/2006/main" xmlns:r="http://schemas.openxmlformats.org/officeDocument/2006/relationships" xmlns:p="http://schemas.openxmlformats.org/presentationml/2006/main">
   <p:cSld>
     <p:spTree>
       <p:nvGrpSpPr>
-        <p:cNvPr id="125" name="Shape 125"/>
+        <p:cNvPr id="1" name="Shape 125"/>
         <p:cNvGrpSpPr/>
         <p:nvPr/>
       </p:nvGrpSpPr>
@@ -7324,7 +7207,9 @@
       <p:sp>
         <p:nvSpPr>
           <p:cNvPr id="126" name="Google Shape;126;p24"/>
-          <p:cNvSpPr txBox="1"/>
+          <p:cNvSpPr txBox="1">
+            <a:spLocks noGrp="1"/>
+          </p:cNvSpPr>
           <p:nvPr>
             <p:ph type="title"/>
           </p:nvPr>
@@ -7339,12 +7224,12 @@
           </a:prstGeom>
         </p:spPr>
         <p:txBody>
-          <a:bodyPr anchorCtr="0" anchor="t" bIns="91425" lIns="91425" spcFirstLastPara="1" rIns="91425" wrap="square" tIns="91425">
+          <a:bodyPr spcFirstLastPara="1" wrap="square" lIns="91425" tIns="91425" rIns="91425" bIns="91425" anchor="t" anchorCtr="0">
             <a:normAutofit fontScale="90000"/>
           </a:bodyPr>
           <a:lstStyle/>
           <a:p>
-            <a:pPr indent="0" lvl="0" marL="0" rtl="0" algn="l">
+            <a:pPr marL="0" lvl="0" indent="0" algn="l" rtl="0">
               <a:spcBef>
                 <a:spcPts val="0"/>
               </a:spcBef>
@@ -7364,9 +7249,11 @@
       <p:sp>
         <p:nvSpPr>
           <p:cNvPr id="127" name="Google Shape;127;p24"/>
-          <p:cNvSpPr txBox="1"/>
+          <p:cNvSpPr txBox="1">
+            <a:spLocks noGrp="1"/>
+          </p:cNvSpPr>
           <p:nvPr>
-            <p:ph idx="1" type="body"/>
+            <p:ph type="body" idx="1"/>
           </p:nvPr>
         </p:nvSpPr>
         <p:spPr>
@@ -7379,12 +7266,12 @@
           </a:prstGeom>
         </p:spPr>
         <p:txBody>
-          <a:bodyPr anchorCtr="0" anchor="t" bIns="91425" lIns="91425" spcFirstLastPara="1" rIns="91425" wrap="square" tIns="91425">
+          <a:bodyPr spcFirstLastPara="1" wrap="square" lIns="91425" tIns="91425" rIns="91425" bIns="91425" anchor="t" anchorCtr="0">
             <a:normAutofit/>
           </a:bodyPr>
           <a:lstStyle/>
           <a:p>
-            <a:pPr indent="-342900" lvl="0" marL="457200" rtl="0" algn="l">
+            <a:pPr marL="457200" lvl="0" indent="-342900" algn="l" rtl="0">
               <a:spcBef>
                 <a:spcPts val="0"/>
               </a:spcBef>
@@ -7401,7 +7288,7 @@
             <a:endParaRPr/>
           </a:p>
           <a:p>
-            <a:pPr indent="-342900" lvl="0" marL="457200" rtl="0" algn="l">
+            <a:pPr marL="457200" lvl="0" indent="-342900" algn="l" rtl="0">
               <a:spcBef>
                 <a:spcPts val="0"/>
               </a:spcBef>
@@ -7418,7 +7305,7 @@
             <a:endParaRPr/>
           </a:p>
           <a:p>
-            <a:pPr indent="-342900" lvl="0" marL="457200" rtl="0" algn="l">
+            <a:pPr marL="457200" lvl="0" indent="-342900" algn="l" rtl="0">
               <a:spcBef>
                 <a:spcPts val="0"/>
               </a:spcBef>
@@ -7435,7 +7322,7 @@
             <a:endParaRPr/>
           </a:p>
           <a:p>
-            <a:pPr indent="-342900" lvl="0" marL="457200" rtl="0" algn="l">
+            <a:pPr marL="457200" lvl="0" indent="-342900" algn="l" rtl="0">
               <a:spcBef>
                 <a:spcPts val="0"/>
               </a:spcBef>
@@ -7452,7 +7339,7 @@
             <a:endParaRPr/>
           </a:p>
           <a:p>
-            <a:pPr indent="-342900" lvl="0" marL="457200" rtl="0" algn="l">
+            <a:pPr marL="457200" lvl="0" indent="-342900" algn="l" rtl="0">
               <a:spcBef>
                 <a:spcPts val="0"/>
               </a:spcBef>
@@ -7462,9 +7349,6 @@
               <a:buSzPts val="1800"/>
               <a:buChar char="●"/>
             </a:pPr>
-            <a:r>
-              <a:t/>
-            </a:r>
             <a:endParaRPr/>
           </a:p>
         </p:txBody>
@@ -7478,11 +7362,11 @@
 </file>
 
 <file path=ppt/slides/slide2.xml><?xml version="1.0" encoding="utf-8"?>
-<p:sld xmlns:a="http://schemas.openxmlformats.org/drawingml/2006/main" xmlns:r="http://schemas.openxmlformats.org/officeDocument/2006/relationships" xmlns:mc="http://schemas.openxmlformats.org/markup-compatibility/2006" xmlns:mv="urn:schemas-microsoft-com:mac:vml" xmlns:p="http://schemas.openxmlformats.org/presentationml/2006/main" xmlns:c="http://schemas.openxmlformats.org/drawingml/2006/chart" xmlns:dgm="http://schemas.openxmlformats.org/drawingml/2006/diagram" xmlns:o="urn:schemas-microsoft-com:office:office" xmlns:v="urn:schemas-microsoft-com:vml" xmlns:pvml="urn:schemas-microsoft-com:office:powerpoint" xmlns:com="http://schemas.openxmlformats.org/drawingml/2006/compatibility" xmlns:p14="http://schemas.microsoft.com/office/powerpoint/2010/main" xmlns:p15="http://schemas.microsoft.com/office/powerpoint/2012/main" xmlns:ahyp="http://schemas.microsoft.com/office/drawing/2018/hyperlinkcolor">
+<p:sld xmlns:a="http://schemas.openxmlformats.org/drawingml/2006/main" xmlns:r="http://schemas.openxmlformats.org/officeDocument/2006/relationships" xmlns:p="http://schemas.openxmlformats.org/presentationml/2006/main">
   <p:cSld>
     <p:spTree>
       <p:nvGrpSpPr>
-        <p:cNvPr id="59" name="Shape 59"/>
+        <p:cNvPr id="1" name="Shape 65"/>
         <p:cNvGrpSpPr/>
         <p:nvPr/>
       </p:nvGrpSpPr>
@@ -7496,8 +7380,10 @@
       </p:grpSpPr>
       <p:sp>
         <p:nvSpPr>
-          <p:cNvPr id="60" name="Google Shape;60;p14"/>
-          <p:cNvSpPr txBox="1"/>
+          <p:cNvPr id="66" name="Google Shape;66;p15"/>
+          <p:cNvSpPr txBox="1">
+            <a:spLocks noGrp="1"/>
+          </p:cNvSpPr>
           <p:nvPr>
             <p:ph type="title"/>
           </p:nvPr>
@@ -7512,12 +7398,12 @@
           </a:prstGeom>
         </p:spPr>
         <p:txBody>
-          <a:bodyPr anchorCtr="0" anchor="t" bIns="91425" lIns="91425" spcFirstLastPara="1" rIns="91425" wrap="square" tIns="91425">
+          <a:bodyPr spcFirstLastPara="1" wrap="square" lIns="91425" tIns="91425" rIns="91425" bIns="91425" anchor="t" anchorCtr="0">
             <a:normAutofit fontScale="90000"/>
           </a:bodyPr>
           <a:lstStyle/>
           <a:p>
-            <a:pPr indent="0" lvl="0" marL="0" rtl="0" algn="l">
+            <a:pPr marL="0" lvl="0" indent="0" algn="l" rtl="0">
               <a:spcBef>
                 <a:spcPts val="0"/>
               </a:spcBef>
@@ -7536,10 +7422,12 @@
       </p:sp>
       <p:sp>
         <p:nvSpPr>
-          <p:cNvPr id="61" name="Google Shape;61;p14"/>
-          <p:cNvSpPr txBox="1"/>
+          <p:cNvPr id="67" name="Google Shape;67;p15"/>
+          <p:cNvSpPr txBox="1">
+            <a:spLocks noGrp="1"/>
+          </p:cNvSpPr>
           <p:nvPr>
-            <p:ph idx="1" type="body"/>
+            <p:ph type="body" idx="1"/>
           </p:nvPr>
         </p:nvSpPr>
         <p:spPr>
@@ -7552,12 +7440,12 @@
           </a:prstGeom>
         </p:spPr>
         <p:txBody>
-          <a:bodyPr anchorCtr="0" anchor="t" bIns="91425" lIns="91425" spcFirstLastPara="1" rIns="91425" wrap="square" tIns="91425">
+          <a:bodyPr spcFirstLastPara="1" wrap="square" lIns="91425" tIns="91425" rIns="91425" bIns="91425" anchor="t" anchorCtr="0">
             <a:normAutofit lnSpcReduction="10000"/>
           </a:bodyPr>
           <a:lstStyle/>
           <a:p>
-            <a:pPr indent="-342900" lvl="0" marL="457200" rtl="0" algn="l">
+            <a:pPr marL="457200" lvl="0" indent="-342900" algn="l" rtl="0">
               <a:spcBef>
                 <a:spcPts val="0"/>
               </a:spcBef>
@@ -7568,25 +7456,13 @@
               <a:buChar char="●"/>
             </a:pPr>
             <a:r>
-              <a:rPr lang="en"/>
-              <a:t>Create and interactive chatbot create a bespoke  customer’s trading/investing </a:t>
+              <a:rPr lang="en" dirty="0"/>
+              <a:t>Use a Machine Learning Model to compare Actual versus Predicted Returns on what to invest in given a user’s risk tolerance</a:t>
             </a:r>
-            <a:r>
-              <a:rPr lang="en"/>
-              <a:t>experience</a:t>
-            </a:r>
-            <a:r>
-              <a:rPr lang="en"/>
-              <a:t> based on </a:t>
-            </a:r>
-            <a:r>
-              <a:rPr lang="en"/>
-              <a:t>the respective risk appetite</a:t>
-            </a:r>
-            <a:endParaRPr/>
-          </a:p>
-          <a:p>
-            <a:pPr indent="-342900" lvl="0" marL="457200" rtl="0" algn="l">
+            <a:endParaRPr dirty="0"/>
+          </a:p>
+          <a:p>
+            <a:pPr marL="457200" lvl="0" indent="-342900" algn="l" rtl="0">
               <a:spcBef>
                 <a:spcPts val="0"/>
               </a:spcBef>
@@ -7597,21 +7473,19 @@
               <a:buChar char="●"/>
             </a:pPr>
             <a:r>
-              <a:rPr lang="en"/>
-              <a:t>Use a Machine Learning Model to optimize </a:t>
+              <a:rPr lang="en" dirty="0"/>
+              <a:t>MLP Classifier was chosen for the neural network for Machine Learning processing and optimization</a:t>
             </a:r>
+          </a:p>
+          <a:p>
             <a:r>
-              <a:rPr lang="en"/>
-              <a:t>momentum</a:t>
+              <a:rPr lang="en-US" dirty="0"/>
+              <a:t>Use a Machine Learning Model to optimize momentum trading </a:t>
             </a:r>
-            <a:r>
-              <a:rPr lang="en"/>
-              <a:t> trading </a:t>
-            </a:r>
-            <a:endParaRPr/>
-          </a:p>
-          <a:p>
-            <a:pPr indent="-342900" lvl="0" marL="457200" rtl="0" algn="l">
+            <a:endParaRPr dirty="0"/>
+          </a:p>
+          <a:p>
+            <a:pPr marL="457200" lvl="0" indent="-342900" algn="l" rtl="0">
               <a:spcBef>
                 <a:spcPts val="0"/>
               </a:spcBef>
@@ -7622,17 +7496,47 @@
               <a:buChar char="●"/>
             </a:pPr>
             <a:r>
-              <a:rPr lang="en"/>
-              <a:t>MLP Classifier was chosen for the neural </a:t>
+              <a:rPr lang="en" dirty="0"/>
+              <a:t>Technical indicators (X):</a:t>
             </a:r>
+            <a:endParaRPr dirty="0"/>
+          </a:p>
+          <a:p>
+            <a:pPr marL="914400" lvl="1" indent="-317500" algn="l" rtl="0">
+              <a:spcBef>
+                <a:spcPts val="0"/>
+              </a:spcBef>
+              <a:spcAft>
+                <a:spcPts val="0"/>
+              </a:spcAft>
+              <a:buSzPts val="1400"/>
+              <a:buChar char="○"/>
+            </a:pPr>
             <a:r>
-              <a:rPr lang="en"/>
-              <a:t>network for Machine Learning processing and optimization</a:t>
+              <a:rPr lang="en" dirty="0"/>
+              <a:t>VWOP</a:t>
             </a:r>
-            <a:endParaRPr/>
-          </a:p>
-          <a:p>
-            <a:pPr indent="-342900" lvl="0" marL="457200" rtl="0" algn="l">
+            <a:endParaRPr dirty="0"/>
+          </a:p>
+          <a:p>
+            <a:pPr marL="914400" lvl="1" indent="-317500" algn="l" rtl="0">
+              <a:spcBef>
+                <a:spcPts val="0"/>
+              </a:spcBef>
+              <a:spcAft>
+                <a:spcPts val="0"/>
+              </a:spcAft>
+              <a:buSzPts val="1400"/>
+              <a:buChar char="○"/>
+            </a:pPr>
+            <a:r>
+              <a:rPr lang="en" dirty="0"/>
+              <a:t>Exponential Moving Average (EMA) = 8</a:t>
+            </a:r>
+            <a:endParaRPr dirty="0"/>
+          </a:p>
+          <a:p>
+            <a:pPr marL="457200" lvl="0" indent="-342900" algn="l" rtl="0">
               <a:spcBef>
                 <a:spcPts val="0"/>
               </a:spcBef>
@@ -7643,13 +7547,13 @@
               <a:buChar char="●"/>
             </a:pPr>
             <a:r>
-              <a:rPr lang="en"/>
-              <a:t>Technical indicators (X):</a:t>
+              <a:rPr lang="en" dirty="0"/>
+              <a:t>Predictions (Y):</a:t>
             </a:r>
-            <a:endParaRPr/>
-          </a:p>
-          <a:p>
-            <a:pPr indent="-317500" lvl="1" marL="914400" rtl="0" algn="l">
+            <a:endParaRPr dirty="0"/>
+          </a:p>
+          <a:p>
+            <a:pPr marL="914400" lvl="1" indent="-317500" algn="l" rtl="0">
               <a:spcBef>
                 <a:spcPts val="0"/>
               </a:spcBef>
@@ -7660,13 +7564,13 @@
               <a:buChar char="○"/>
             </a:pPr>
             <a:r>
-              <a:rPr lang="en"/>
-              <a:t>VWOP</a:t>
+              <a:rPr lang="en" dirty="0"/>
+              <a:t>Generated by Momentum</a:t>
             </a:r>
-            <a:endParaRPr/>
-          </a:p>
-          <a:p>
-            <a:pPr indent="-317500" lvl="1" marL="914400" rtl="0" algn="l">
+            <a:endParaRPr dirty="0"/>
+          </a:p>
+          <a:p>
+            <a:pPr marL="914400" lvl="1" indent="-317500" algn="l" rtl="0">
               <a:spcBef>
                 <a:spcPts val="0"/>
               </a:spcBef>
@@ -7677,30 +7581,13 @@
               <a:buChar char="○"/>
             </a:pPr>
             <a:r>
-              <a:rPr lang="en"/>
-              <a:t>Exponential Moving Average (EMA) = 8</a:t>
+              <a:rPr lang="en" dirty="0"/>
+              <a:t>Investment returns</a:t>
             </a:r>
-            <a:endParaRPr/>
-          </a:p>
-          <a:p>
-            <a:pPr indent="-342900" lvl="0" marL="457200" rtl="0" algn="l">
-              <a:spcBef>
-                <a:spcPts val="0"/>
-              </a:spcBef>
-              <a:spcAft>
-                <a:spcPts val="0"/>
-              </a:spcAft>
-              <a:buSzPts val="1800"/>
-              <a:buChar char="●"/>
-            </a:pPr>
-            <a:r>
-              <a:rPr lang="en"/>
-              <a:t>Predictions (Y):</a:t>
-            </a:r>
-            <a:endParaRPr/>
-          </a:p>
-          <a:p>
-            <a:pPr indent="-317500" lvl="1" marL="914400" rtl="0" algn="l">
+            <a:endParaRPr dirty="0"/>
+          </a:p>
+          <a:p>
+            <a:pPr marL="914400" lvl="1" indent="-317500" algn="l" rtl="0">
               <a:spcBef>
                 <a:spcPts val="0"/>
               </a:spcBef>
@@ -7711,44 +7598,10 @@
               <a:buChar char="○"/>
             </a:pPr>
             <a:r>
-              <a:rPr lang="en"/>
-              <a:t>Generated by Momentum</a:t>
-            </a:r>
-            <a:endParaRPr/>
-          </a:p>
-          <a:p>
-            <a:pPr indent="-317500" lvl="1" marL="914400" rtl="0" algn="l">
-              <a:spcBef>
-                <a:spcPts val="0"/>
-              </a:spcBef>
-              <a:spcAft>
-                <a:spcPts val="0"/>
-              </a:spcAft>
-              <a:buSzPts val="1400"/>
-              <a:buChar char="○"/>
-            </a:pPr>
-            <a:r>
-              <a:rPr lang="en"/>
-              <a:t>Investment returns</a:t>
-            </a:r>
-            <a:endParaRPr/>
-          </a:p>
-          <a:p>
-            <a:pPr indent="-317500" lvl="1" marL="914400" rtl="0" algn="l">
-              <a:spcBef>
-                <a:spcPts val="0"/>
-              </a:spcBef>
-              <a:spcAft>
-                <a:spcPts val="0"/>
-              </a:spcAft>
-              <a:buSzPts val="1400"/>
-              <a:buChar char="○"/>
-            </a:pPr>
-            <a:r>
-              <a:rPr lang="en"/>
+              <a:rPr lang="en" dirty="0"/>
               <a:t>Observed better returns over time</a:t>
             </a:r>
-            <a:endParaRPr/>
+            <a:endParaRPr dirty="0"/>
           </a:p>
         </p:txBody>
       </p:sp>
@@ -7761,11 +7614,11 @@
 </file>
 
 <file path=ppt/slides/slide3.xml><?xml version="1.0" encoding="utf-8"?>
-<p:sld xmlns:a="http://schemas.openxmlformats.org/drawingml/2006/main" xmlns:r="http://schemas.openxmlformats.org/officeDocument/2006/relationships" xmlns:mc="http://schemas.openxmlformats.org/markup-compatibility/2006" xmlns:mv="urn:schemas-microsoft-com:mac:vml" xmlns:p="http://schemas.openxmlformats.org/presentationml/2006/main" xmlns:c="http://schemas.openxmlformats.org/drawingml/2006/chart" xmlns:dgm="http://schemas.openxmlformats.org/drawingml/2006/diagram" xmlns:o="urn:schemas-microsoft-com:office:office" xmlns:v="urn:schemas-microsoft-com:vml" xmlns:pvml="urn:schemas-microsoft-com:office:powerpoint" xmlns:com="http://schemas.openxmlformats.org/drawingml/2006/compatibility" xmlns:p14="http://schemas.microsoft.com/office/powerpoint/2010/main" xmlns:p15="http://schemas.microsoft.com/office/powerpoint/2012/main" xmlns:ahyp="http://schemas.microsoft.com/office/drawing/2018/hyperlinkcolor">
+<p:sld xmlns:a="http://schemas.openxmlformats.org/drawingml/2006/main" xmlns:r="http://schemas.openxmlformats.org/officeDocument/2006/relationships" xmlns:p="http://schemas.openxmlformats.org/presentationml/2006/main">
   <p:cSld>
     <p:spTree>
       <p:nvGrpSpPr>
-        <p:cNvPr id="65" name="Shape 65"/>
+        <p:cNvPr id="1" name="Shape 71"/>
         <p:cNvGrpSpPr/>
         <p:nvPr/>
       </p:nvGrpSpPr>
@@ -7779,8 +7632,10 @@
       </p:grpSpPr>
       <p:sp>
         <p:nvSpPr>
-          <p:cNvPr id="66" name="Google Shape;66;p15"/>
-          <p:cNvSpPr txBox="1"/>
+          <p:cNvPr id="72" name="Google Shape;72;p16"/>
+          <p:cNvSpPr txBox="1">
+            <a:spLocks noGrp="1"/>
+          </p:cNvSpPr>
           <p:nvPr>
             <p:ph type="title"/>
           </p:nvPr>
@@ -7795,12 +7650,12 @@
           </a:prstGeom>
         </p:spPr>
         <p:txBody>
-          <a:bodyPr anchorCtr="0" anchor="t" bIns="91425" lIns="91425" spcFirstLastPara="1" rIns="91425" wrap="square" tIns="91425">
+          <a:bodyPr spcFirstLastPara="1" wrap="square" lIns="91425" tIns="91425" rIns="91425" bIns="91425" anchor="t" anchorCtr="0">
             <a:normAutofit fontScale="90000"/>
           </a:bodyPr>
           <a:lstStyle/>
           <a:p>
-            <a:pPr indent="0" lvl="0" marL="0" rtl="0" algn="l">
+            <a:pPr marL="0" lvl="0" indent="0" algn="l" rtl="0">
               <a:spcBef>
                 <a:spcPts val="0"/>
               </a:spcBef>
@@ -7811,7 +7666,7 @@
             </a:pPr>
             <a:r>
               <a:rPr lang="en"/>
-              <a:t>Executive Summary</a:t>
+              <a:t>Executive Summary (cont’d)</a:t>
             </a:r>
             <a:endParaRPr/>
           </a:p>
@@ -7819,10 +7674,12 @@
       </p:sp>
       <p:sp>
         <p:nvSpPr>
-          <p:cNvPr id="67" name="Google Shape;67;p15"/>
-          <p:cNvSpPr txBox="1"/>
+          <p:cNvPr id="73" name="Google Shape;73;p16"/>
+          <p:cNvSpPr txBox="1">
+            <a:spLocks noGrp="1"/>
+          </p:cNvSpPr>
           <p:nvPr>
-            <p:ph idx="1" type="body"/>
+            <p:ph type="body" idx="1"/>
           </p:nvPr>
         </p:nvSpPr>
         <p:spPr>
@@ -7835,12 +7692,12 @@
           </a:prstGeom>
         </p:spPr>
         <p:txBody>
-          <a:bodyPr anchorCtr="0" anchor="t" bIns="91425" lIns="91425" spcFirstLastPara="1" rIns="91425" wrap="square" tIns="91425">
-            <a:normAutofit/>
+          <a:bodyPr spcFirstLastPara="1" wrap="square" lIns="91425" tIns="91425" rIns="91425" bIns="91425" anchor="t" anchorCtr="0">
+            <a:normAutofit fontScale="92500" lnSpcReduction="20000"/>
           </a:bodyPr>
           <a:lstStyle/>
           <a:p>
-            <a:pPr indent="-342900" lvl="0" marL="457200" rtl="0" algn="l">
+            <a:pPr marL="457200" lvl="0" indent="-342900" algn="l" rtl="0">
               <a:spcBef>
                 <a:spcPts val="0"/>
               </a:spcBef>
@@ -7851,13 +7708,17 @@
               <a:buChar char="●"/>
             </a:pPr>
             <a:r>
-              <a:rPr lang="en"/>
-              <a:t>Use a Machine Learning Model to compare Actual versus Predicted Returns on what to invest in given a user’s risk tolerance</a:t>
+              <a:rPr lang="en" dirty="0"/>
+              <a:t>Create an interactive bespoke Chatbot for a customer’s trading/investing experience based on their respective risk </a:t>
             </a:r>
-            <a:endParaRPr/>
-          </a:p>
-          <a:p>
-            <a:pPr indent="-342900" lvl="0" marL="457200" rtl="0" algn="l">
+            <a:r>
+              <a:rPr lang="en" dirty="0" err="1"/>
+              <a:t>apetite</a:t>
+            </a:r>
+            <a:endParaRPr lang="en" dirty="0"/>
+          </a:p>
+          <a:p>
+            <a:pPr marL="457200" lvl="0" indent="-342900" algn="l" rtl="0">
               <a:spcBef>
                 <a:spcPts val="0"/>
               </a:spcBef>
@@ -7868,30 +7729,13 @@
               <a:buChar char="●"/>
             </a:pPr>
             <a:r>
-              <a:rPr lang="en"/>
-              <a:t>MLP Classifier was chosen for the neural network for Machine Learning processing and optimization</a:t>
+              <a:rPr lang="en" dirty="0"/>
+              <a:t>Chatbot: gather information from our client to pass onto the ML model</a:t>
             </a:r>
-            <a:endParaRPr/>
-          </a:p>
-          <a:p>
-            <a:pPr indent="-342900" lvl="0" marL="457200" rtl="0" algn="l">
-              <a:spcBef>
-                <a:spcPts val="0"/>
-              </a:spcBef>
-              <a:spcAft>
-                <a:spcPts val="0"/>
-              </a:spcAft>
-              <a:buSzPts val="1800"/>
-              <a:buChar char="●"/>
-            </a:pPr>
-            <a:r>
-              <a:rPr lang="en"/>
-              <a:t>Technical indicators (X):</a:t>
-            </a:r>
-            <a:endParaRPr/>
-          </a:p>
-          <a:p>
-            <a:pPr indent="-317500" lvl="1" marL="914400" rtl="0" algn="l">
+            <a:endParaRPr dirty="0"/>
+          </a:p>
+          <a:p>
+            <a:pPr marL="914400" lvl="1" indent="-317500" algn="l" rtl="0">
               <a:spcBef>
                 <a:spcPts val="0"/>
               </a:spcBef>
@@ -7902,13 +7746,98 @@
               <a:buChar char="○"/>
             </a:pPr>
             <a:r>
-              <a:rPr lang="en"/>
-              <a:t>VWOP</a:t>
+              <a:rPr lang="en" dirty="0"/>
+              <a:t>Base information:</a:t>
             </a:r>
-            <a:endParaRPr/>
-          </a:p>
-          <a:p>
-            <a:pPr indent="-317500" lvl="1" marL="914400" rtl="0" algn="l">
+            <a:endParaRPr dirty="0"/>
+          </a:p>
+          <a:p>
+            <a:pPr marL="1371600" lvl="2" indent="-317500" algn="l" rtl="0">
+              <a:spcBef>
+                <a:spcPts val="0"/>
+              </a:spcBef>
+              <a:spcAft>
+                <a:spcPts val="0"/>
+              </a:spcAft>
+              <a:buSzPts val="1400"/>
+              <a:buChar char="■"/>
+            </a:pPr>
+            <a:r>
+              <a:rPr lang="en" dirty="0" err="1"/>
+              <a:t>Firstname</a:t>
+            </a:r>
+            <a:endParaRPr dirty="0"/>
+          </a:p>
+          <a:p>
+            <a:pPr marL="1371600" lvl="2" indent="-317500" algn="l" rtl="0">
+              <a:spcBef>
+                <a:spcPts val="0"/>
+              </a:spcBef>
+              <a:spcAft>
+                <a:spcPts val="0"/>
+              </a:spcAft>
+              <a:buSzPts val="1400"/>
+              <a:buChar char="■"/>
+            </a:pPr>
+            <a:r>
+              <a:rPr lang="en" dirty="0"/>
+              <a:t>Age: between 18-65</a:t>
+            </a:r>
+            <a:endParaRPr dirty="0"/>
+          </a:p>
+          <a:p>
+            <a:pPr marL="1371600" lvl="2" indent="-317500" algn="l" rtl="0">
+              <a:spcBef>
+                <a:spcPts val="0"/>
+              </a:spcBef>
+              <a:spcAft>
+                <a:spcPts val="0"/>
+              </a:spcAft>
+              <a:buSzPts val="1400"/>
+              <a:buChar char="■"/>
+            </a:pPr>
+            <a:r>
+              <a:rPr lang="en" dirty="0"/>
+              <a:t>Email</a:t>
+            </a:r>
+            <a:endParaRPr dirty="0"/>
+          </a:p>
+          <a:p>
+            <a:pPr marL="1371600" lvl="2" indent="-317500" algn="l" rtl="0">
+              <a:spcBef>
+                <a:spcPts val="0"/>
+              </a:spcBef>
+              <a:spcAft>
+                <a:spcPts val="0"/>
+              </a:spcAft>
+              <a:buSzPts val="1400"/>
+              <a:buChar char="■"/>
+            </a:pPr>
+            <a:r>
+              <a:rPr lang="en" dirty="0"/>
+              <a:t>Investment Amount: $10000</a:t>
+            </a:r>
+            <a:endParaRPr dirty="0"/>
+          </a:p>
+          <a:p>
+            <a:pPr marL="1371600" lvl="2" indent="-317500" algn="l" rtl="0">
+              <a:spcBef>
+                <a:spcPts val="0"/>
+              </a:spcBef>
+              <a:spcAft>
+                <a:spcPts val="0"/>
+              </a:spcAft>
+              <a:buSzPts val="1400"/>
+              <a:buChar char="■"/>
+            </a:pPr>
+            <a:r>
+              <a:rPr lang="en" dirty="0"/>
+              <a:t>Time Horizon: 10 years</a:t>
+            </a:r>
+            <a:endParaRPr dirty="0"/>
+          </a:p>
+          <a:p>
+            <a:pPr marL="914400" lvl="1" indent="-317500" algn="l" rtl="0">
               <a:spcBef>
                 <a:spcPts val="0"/>
               </a:spcBef>
@@ -7919,30 +7848,47 @@
               <a:buChar char="○"/>
             </a:pPr>
             <a:r>
-              <a:rPr lang="en"/>
-              <a:t>Exponential Moving Average (EMA) = 8</a:t>
+              <a:rPr lang="en" dirty="0"/>
+              <a:t>Information pertinent to the Machine Learning processing</a:t>
             </a:r>
-            <a:endParaRPr/>
-          </a:p>
-          <a:p>
-            <a:pPr indent="-342900" lvl="0" marL="457200" rtl="0" algn="l">
-              <a:spcBef>
-                <a:spcPts val="0"/>
-              </a:spcBef>
-              <a:spcAft>
-                <a:spcPts val="0"/>
-              </a:spcAft>
-              <a:buSzPts val="1800"/>
+            <a:endParaRPr dirty="0"/>
+          </a:p>
+          <a:p>
+            <a:pPr marL="1371600" lvl="2" indent="-317500" algn="l" rtl="0">
+              <a:spcBef>
+                <a:spcPts val="0"/>
+              </a:spcBef>
+              <a:spcAft>
+                <a:spcPts val="0"/>
+              </a:spcAft>
+              <a:buSzPts val="1400"/>
+              <a:buChar char="■"/>
+            </a:pPr>
+            <a:r>
+              <a:rPr lang="en" dirty="0"/>
+              <a:t>Risk level determines what to invest in</a:t>
+            </a:r>
+            <a:endParaRPr dirty="0"/>
+          </a:p>
+          <a:p>
+            <a:pPr marL="1828800" lvl="3" indent="-317500" algn="l" rtl="0">
+              <a:spcBef>
+                <a:spcPts val="0"/>
+              </a:spcBef>
+              <a:spcAft>
+                <a:spcPts val="0"/>
+              </a:spcAft>
+              <a:buSzPts val="1400"/>
               <a:buChar char="●"/>
             </a:pPr>
             <a:r>
-              <a:rPr lang="en"/>
-              <a:t>Predictions (Y):</a:t>
+              <a:rPr lang="en" dirty="0"/>
+              <a:t>Low: S&amp;P</a:t>
             </a:r>
-            <a:endParaRPr/>
-          </a:p>
-          <a:p>
-            <a:pPr indent="-317500" lvl="1" marL="914400" rtl="0" algn="l">
+            <a:endParaRPr dirty="0"/>
+          </a:p>
+          <a:p>
+            <a:pPr marL="1828800" lvl="3" indent="-317500" algn="l" rtl="0">
               <a:spcBef>
                 <a:spcPts val="0"/>
               </a:spcBef>
@@ -7950,16 +7896,16 @@
                 <a:spcPts val="0"/>
               </a:spcAft>
               <a:buSzPts val="1400"/>
-              <a:buChar char="○"/>
+              <a:buChar char="●"/>
             </a:pPr>
             <a:r>
-              <a:rPr lang="en"/>
-              <a:t>Generated by Momentum</a:t>
+              <a:rPr lang="en" dirty="0"/>
+              <a:t>Medium: Single name stock (e.g., Apple)</a:t>
             </a:r>
-            <a:endParaRPr/>
-          </a:p>
-          <a:p>
-            <a:pPr indent="-317500" lvl="1" marL="914400" rtl="0" algn="l">
+            <a:endParaRPr dirty="0"/>
+          </a:p>
+          <a:p>
+            <a:pPr marL="1828800" lvl="3" indent="-317500" algn="l" rtl="0">
               <a:spcBef>
                 <a:spcPts val="0"/>
               </a:spcBef>
@@ -7967,16 +7913,16 @@
                 <a:spcPts val="0"/>
               </a:spcAft>
               <a:buSzPts val="1400"/>
-              <a:buChar char="○"/>
+              <a:buChar char="●"/>
             </a:pPr>
             <a:r>
-              <a:rPr lang="en"/>
-              <a:t>Investment returns</a:t>
+              <a:rPr lang="en" dirty="0"/>
+              <a:t>High: Penny stock (East Side Distilling) -&gt; chosen for this demonstration</a:t>
             </a:r>
-            <a:endParaRPr/>
-          </a:p>
-          <a:p>
-            <a:pPr indent="-317500" lvl="1" marL="914400" rtl="0" algn="l">
+            <a:endParaRPr dirty="0"/>
+          </a:p>
+          <a:p>
+            <a:pPr marL="1371600" lvl="2" indent="-317500" algn="l" rtl="0">
               <a:spcBef>
                 <a:spcPts val="0"/>
               </a:spcBef>
@@ -7984,13 +7930,13 @@
                 <a:spcPts val="0"/>
               </a:spcAft>
               <a:buSzPts val="1400"/>
-              <a:buChar char="○"/>
+              <a:buChar char="■"/>
             </a:pPr>
             <a:r>
-              <a:rPr lang="en"/>
-              <a:t>Observed better returns over time</a:t>
+              <a:rPr lang="en" dirty="0"/>
+              <a:t>All risk levels will be submitted in the repository</a:t>
             </a:r>
-            <a:endParaRPr/>
+            <a:endParaRPr dirty="0"/>
           </a:p>
         </p:txBody>
       </p:sp>
@@ -8003,11 +7949,11 @@
 </file>
 
 <file path=ppt/slides/slide4.xml><?xml version="1.0" encoding="utf-8"?>
-<p:sld xmlns:a="http://schemas.openxmlformats.org/drawingml/2006/main" xmlns:r="http://schemas.openxmlformats.org/officeDocument/2006/relationships" xmlns:mc="http://schemas.openxmlformats.org/markup-compatibility/2006" xmlns:mv="urn:schemas-microsoft-com:mac:vml" xmlns:p="http://schemas.openxmlformats.org/presentationml/2006/main" xmlns:c="http://schemas.openxmlformats.org/drawingml/2006/chart" xmlns:dgm="http://schemas.openxmlformats.org/drawingml/2006/diagram" xmlns:o="urn:schemas-microsoft-com:office:office" xmlns:v="urn:schemas-microsoft-com:vml" xmlns:pvml="urn:schemas-microsoft-com:office:powerpoint" xmlns:com="http://schemas.openxmlformats.org/drawingml/2006/compatibility" xmlns:p14="http://schemas.microsoft.com/office/powerpoint/2010/main" xmlns:p15="http://schemas.microsoft.com/office/powerpoint/2012/main" xmlns:ahyp="http://schemas.microsoft.com/office/drawing/2018/hyperlinkcolor">
+<p:sld xmlns:a="http://schemas.openxmlformats.org/drawingml/2006/main" xmlns:r="http://schemas.openxmlformats.org/officeDocument/2006/relationships" xmlns:p="http://schemas.openxmlformats.org/presentationml/2006/main">
   <p:cSld>
     <p:spTree>
       <p:nvGrpSpPr>
-        <p:cNvPr id="71" name="Shape 71"/>
+        <p:cNvPr id="1" name="Shape 77"/>
         <p:cNvGrpSpPr/>
         <p:nvPr/>
       </p:nvGrpSpPr>
@@ -8021,8 +7967,10 @@
       </p:grpSpPr>
       <p:sp>
         <p:nvSpPr>
-          <p:cNvPr id="72" name="Google Shape;72;p16"/>
-          <p:cNvSpPr txBox="1"/>
+          <p:cNvPr id="78" name="Google Shape;78;p17"/>
+          <p:cNvSpPr txBox="1">
+            <a:spLocks noGrp="1"/>
+          </p:cNvSpPr>
           <p:nvPr>
             <p:ph type="title"/>
           </p:nvPr>
@@ -8037,12 +7985,12 @@
           </a:prstGeom>
         </p:spPr>
         <p:txBody>
-          <a:bodyPr anchorCtr="0" anchor="t" bIns="91425" lIns="91425" spcFirstLastPara="1" rIns="91425" wrap="square" tIns="91425">
+          <a:bodyPr spcFirstLastPara="1" wrap="square" lIns="91425" tIns="91425" rIns="91425" bIns="91425" anchor="t" anchorCtr="0">
             <a:normAutofit fontScale="90000"/>
           </a:bodyPr>
           <a:lstStyle/>
           <a:p>
-            <a:pPr indent="0" lvl="0" marL="0" rtl="0" algn="l">
+            <a:pPr marL="0" lvl="0" indent="0" algn="l" rtl="0">
               <a:spcBef>
                 <a:spcPts val="0"/>
               </a:spcBef>
@@ -8053,7 +8001,7 @@
             </a:pPr>
             <a:r>
               <a:rPr lang="en"/>
-              <a:t>Executive Summary (cont’d)</a:t>
+              <a:t>Presenter order</a:t>
             </a:r>
             <a:endParaRPr/>
           </a:p>
@@ -8061,10 +8009,12 @@
       </p:sp>
       <p:sp>
         <p:nvSpPr>
-          <p:cNvPr id="73" name="Google Shape;73;p16"/>
-          <p:cNvSpPr txBox="1"/>
+          <p:cNvPr id="79" name="Google Shape;79;p17"/>
+          <p:cNvSpPr txBox="1">
+            <a:spLocks noGrp="1"/>
+          </p:cNvSpPr>
           <p:nvPr>
-            <p:ph idx="1" type="body"/>
+            <p:ph type="body" idx="1"/>
           </p:nvPr>
         </p:nvSpPr>
         <p:spPr>
@@ -8077,12 +8027,12 @@
           </a:prstGeom>
         </p:spPr>
         <p:txBody>
-          <a:bodyPr anchorCtr="0" anchor="t" bIns="91425" lIns="91425" spcFirstLastPara="1" rIns="91425" wrap="square" tIns="91425">
+          <a:bodyPr spcFirstLastPara="1" wrap="square" lIns="91425" tIns="91425" rIns="91425" bIns="91425" anchor="t" anchorCtr="0">
             <a:normAutofit/>
           </a:bodyPr>
           <a:lstStyle/>
           <a:p>
-            <a:pPr indent="-342900" lvl="0" marL="457200" rtl="0" algn="l">
+            <a:pPr marL="457200" lvl="0" indent="-342900" algn="l" rtl="0">
               <a:spcBef>
                 <a:spcPts val="0"/>
               </a:spcBef>
@@ -8094,223 +8044,65 @@
             </a:pPr>
             <a:r>
               <a:rPr lang="en"/>
-              <a:t>Chatbot: gather information from our client to pass onto the ML model</a:t>
+              <a:t>Marvin Lee: demonstrate the Chatbot capability</a:t>
             </a:r>
             <a:endParaRPr/>
           </a:p>
           <a:p>
-            <a:pPr indent="-317500" lvl="1" marL="914400" rtl="0" algn="l">
-              <a:spcBef>
-                <a:spcPts val="0"/>
-              </a:spcBef>
-              <a:spcAft>
-                <a:spcPts val="0"/>
-              </a:spcAft>
-              <a:buSzPts val="1400"/>
-              <a:buChar char="○"/>
+            <a:pPr marL="0" lvl="0" indent="0" algn="l" rtl="0">
+              <a:spcBef>
+                <a:spcPts val="1200"/>
+              </a:spcBef>
+              <a:spcAft>
+                <a:spcPts val="0"/>
+              </a:spcAft>
+              <a:buNone/>
+            </a:pPr>
+            <a:endParaRPr/>
+          </a:p>
+          <a:p>
+            <a:pPr marL="457200" lvl="0" indent="-342900" algn="l" rtl="0">
+              <a:spcBef>
+                <a:spcPts val="1200"/>
+              </a:spcBef>
+              <a:spcAft>
+                <a:spcPts val="0"/>
+              </a:spcAft>
+              <a:buSzPts val="1800"/>
+              <a:buChar char="●"/>
             </a:pPr>
             <a:r>
               <a:rPr lang="en"/>
-              <a:t>Base </a:t>
+              <a:t>Vishal Puppala: Machine Learning demonstration</a:t>
             </a:r>
+            <a:endParaRPr/>
+          </a:p>
+          <a:p>
+            <a:pPr marL="0" lvl="0" indent="0" algn="l" rtl="0">
+              <a:spcBef>
+                <a:spcPts val="1200"/>
+              </a:spcBef>
+              <a:spcAft>
+                <a:spcPts val="0"/>
+              </a:spcAft>
+              <a:buNone/>
+            </a:pPr>
+            <a:endParaRPr/>
+          </a:p>
+          <a:p>
+            <a:pPr marL="457200" lvl="0" indent="-342900" algn="l" rtl="0">
+              <a:spcBef>
+                <a:spcPts val="1200"/>
+              </a:spcBef>
+              <a:spcAft>
+                <a:spcPts val="0"/>
+              </a:spcAft>
+              <a:buSzPts val="1800"/>
+              <a:buChar char="●"/>
+            </a:pPr>
             <a:r>
               <a:rPr lang="en"/>
-              <a:t>information</a:t>
-            </a:r>
-            <a:r>
-              <a:rPr lang="en"/>
-              <a:t>:</a:t>
-            </a:r>
-            <a:endParaRPr/>
-          </a:p>
-          <a:p>
-            <a:pPr indent="-317500" lvl="2" marL="1371600" rtl="0" algn="l">
-              <a:spcBef>
-                <a:spcPts val="0"/>
-              </a:spcBef>
-              <a:spcAft>
-                <a:spcPts val="0"/>
-              </a:spcAft>
-              <a:buSzPts val="1400"/>
-              <a:buChar char="■"/>
-            </a:pPr>
-            <a:r>
-              <a:rPr lang="en"/>
-              <a:t>Firstname</a:t>
-            </a:r>
-            <a:endParaRPr/>
-          </a:p>
-          <a:p>
-            <a:pPr indent="-317500" lvl="2" marL="1371600" rtl="0" algn="l">
-              <a:spcBef>
-                <a:spcPts val="0"/>
-              </a:spcBef>
-              <a:spcAft>
-                <a:spcPts val="0"/>
-              </a:spcAft>
-              <a:buSzPts val="1400"/>
-              <a:buChar char="■"/>
-            </a:pPr>
-            <a:r>
-              <a:rPr lang="en"/>
-              <a:t>Age: between 18-65</a:t>
-            </a:r>
-            <a:endParaRPr/>
-          </a:p>
-          <a:p>
-            <a:pPr indent="-317500" lvl="2" marL="1371600" rtl="0" algn="l">
-              <a:spcBef>
-                <a:spcPts val="0"/>
-              </a:spcBef>
-              <a:spcAft>
-                <a:spcPts val="0"/>
-              </a:spcAft>
-              <a:buSzPts val="1400"/>
-              <a:buChar char="■"/>
-            </a:pPr>
-            <a:r>
-              <a:rPr lang="en"/>
-              <a:t>Email</a:t>
-            </a:r>
-            <a:endParaRPr/>
-          </a:p>
-          <a:p>
-            <a:pPr indent="-317500" lvl="2" marL="1371600" rtl="0" algn="l">
-              <a:spcBef>
-                <a:spcPts val="0"/>
-              </a:spcBef>
-              <a:spcAft>
-                <a:spcPts val="0"/>
-              </a:spcAft>
-              <a:buSzPts val="1400"/>
-              <a:buChar char="■"/>
-            </a:pPr>
-            <a:r>
-              <a:rPr lang="en"/>
-              <a:t>Investment Amount: $10000</a:t>
-            </a:r>
-            <a:endParaRPr/>
-          </a:p>
-          <a:p>
-            <a:pPr indent="-317500" lvl="2" marL="1371600" rtl="0" algn="l">
-              <a:spcBef>
-                <a:spcPts val="0"/>
-              </a:spcBef>
-              <a:spcAft>
-                <a:spcPts val="0"/>
-              </a:spcAft>
-              <a:buSzPts val="1400"/>
-              <a:buChar char="■"/>
-            </a:pPr>
-            <a:r>
-              <a:rPr lang="en"/>
-              <a:t>Time Horizon: 10 years</a:t>
-            </a:r>
-            <a:endParaRPr/>
-          </a:p>
-          <a:p>
-            <a:pPr indent="-317500" lvl="1" marL="914400" rtl="0" algn="l">
-              <a:spcBef>
-                <a:spcPts val="0"/>
-              </a:spcBef>
-              <a:spcAft>
-                <a:spcPts val="0"/>
-              </a:spcAft>
-              <a:buSzPts val="1400"/>
-              <a:buChar char="○"/>
-            </a:pPr>
-            <a:r>
-              <a:rPr lang="en"/>
-              <a:t>Information pertinent to the Machine Learning processing</a:t>
-            </a:r>
-            <a:endParaRPr/>
-          </a:p>
-          <a:p>
-            <a:pPr indent="-317500" lvl="2" marL="1371600" rtl="0" algn="l">
-              <a:spcBef>
-                <a:spcPts val="0"/>
-              </a:spcBef>
-              <a:spcAft>
-                <a:spcPts val="0"/>
-              </a:spcAft>
-              <a:buSzPts val="1400"/>
-              <a:buChar char="■"/>
-            </a:pPr>
-            <a:r>
-              <a:rPr lang="en"/>
-              <a:t>Risk level determines what to </a:t>
-            </a:r>
-            <a:r>
-              <a:rPr lang="en"/>
-              <a:t>invest in</a:t>
-            </a:r>
-            <a:endParaRPr/>
-          </a:p>
-          <a:p>
-            <a:pPr indent="-317500" lvl="3" marL="1828800" rtl="0" algn="l">
-              <a:spcBef>
-                <a:spcPts val="0"/>
-              </a:spcBef>
-              <a:spcAft>
-                <a:spcPts val="0"/>
-              </a:spcAft>
-              <a:buSzPts val="1400"/>
-              <a:buChar char="●"/>
-            </a:pPr>
-            <a:r>
-              <a:rPr lang="en"/>
-              <a:t>Low: S&amp;P</a:t>
-            </a:r>
-            <a:endParaRPr/>
-          </a:p>
-          <a:p>
-            <a:pPr indent="-317500" lvl="3" marL="1828800" rtl="0" algn="l">
-              <a:spcBef>
-                <a:spcPts val="0"/>
-              </a:spcBef>
-              <a:spcAft>
-                <a:spcPts val="0"/>
-              </a:spcAft>
-              <a:buSzPts val="1400"/>
-              <a:buChar char="●"/>
-            </a:pPr>
-            <a:r>
-              <a:rPr lang="en"/>
-              <a:t>Medium: Single name stock (e.g., Apple)</a:t>
-            </a:r>
-            <a:endParaRPr/>
-          </a:p>
-          <a:p>
-            <a:pPr indent="-317500" lvl="3" marL="1828800" rtl="0" algn="l">
-              <a:spcBef>
-                <a:spcPts val="0"/>
-              </a:spcBef>
-              <a:spcAft>
-                <a:spcPts val="0"/>
-              </a:spcAft>
-              <a:buSzPts val="1400"/>
-              <a:buChar char="●"/>
-            </a:pPr>
-            <a:r>
-              <a:rPr lang="en"/>
-              <a:t>High: Penny stock (East Side Distilling) -&gt; chosen for this demonstration</a:t>
-            </a:r>
-            <a:endParaRPr/>
-          </a:p>
-          <a:p>
-            <a:pPr indent="-317500" lvl="2" marL="1371600" rtl="0" algn="l">
-              <a:spcBef>
-                <a:spcPts val="0"/>
-              </a:spcBef>
-              <a:spcAft>
-                <a:spcPts val="0"/>
-              </a:spcAft>
-              <a:buSzPts val="1400"/>
-              <a:buChar char="■"/>
-            </a:pPr>
-            <a:r>
-              <a:rPr lang="en"/>
-              <a:t>All risk levels will be submitted in the repository</a:t>
+              <a:t>Bethel Kameni: Analysis of the Machine Learning results</a:t>
             </a:r>
             <a:endParaRPr/>
           </a:p>
@@ -8325,11 +8117,11 @@
 </file>
 
 <file path=ppt/slides/slide5.xml><?xml version="1.0" encoding="utf-8"?>
-<p:sld xmlns:a="http://schemas.openxmlformats.org/drawingml/2006/main" xmlns:r="http://schemas.openxmlformats.org/officeDocument/2006/relationships" xmlns:mc="http://schemas.openxmlformats.org/markup-compatibility/2006" xmlns:mv="urn:schemas-microsoft-com:mac:vml" xmlns:p="http://schemas.openxmlformats.org/presentationml/2006/main" xmlns:c="http://schemas.openxmlformats.org/drawingml/2006/chart" xmlns:dgm="http://schemas.openxmlformats.org/drawingml/2006/diagram" xmlns:o="urn:schemas-microsoft-com:office:office" xmlns:v="urn:schemas-microsoft-com:vml" xmlns:pvml="urn:schemas-microsoft-com:office:powerpoint" xmlns:com="http://schemas.openxmlformats.org/drawingml/2006/compatibility" xmlns:p14="http://schemas.microsoft.com/office/powerpoint/2010/main" xmlns:p15="http://schemas.microsoft.com/office/powerpoint/2012/main" xmlns:ahyp="http://schemas.microsoft.com/office/drawing/2018/hyperlinkcolor">
+<p:sld xmlns:a="http://schemas.openxmlformats.org/drawingml/2006/main" xmlns:r="http://schemas.openxmlformats.org/officeDocument/2006/relationships" xmlns:p="http://schemas.openxmlformats.org/presentationml/2006/main">
   <p:cSld>
     <p:spTree>
       <p:nvGrpSpPr>
-        <p:cNvPr id="77" name="Shape 77"/>
+        <p:cNvPr id="1" name="Shape 83"/>
         <p:cNvGrpSpPr/>
         <p:nvPr/>
       </p:nvGrpSpPr>
@@ -8343,8 +8135,10 @@
       </p:grpSpPr>
       <p:sp>
         <p:nvSpPr>
-          <p:cNvPr id="78" name="Google Shape;78;p17"/>
-          <p:cNvSpPr txBox="1"/>
+          <p:cNvPr id="84" name="Google Shape;84;p18"/>
+          <p:cNvSpPr txBox="1">
+            <a:spLocks noGrp="1"/>
+          </p:cNvSpPr>
           <p:nvPr>
             <p:ph type="title"/>
           </p:nvPr>
@@ -8359,182 +8153,12 @@
           </a:prstGeom>
         </p:spPr>
         <p:txBody>
-          <a:bodyPr anchorCtr="0" anchor="t" bIns="91425" lIns="91425" spcFirstLastPara="1" rIns="91425" wrap="square" tIns="91425">
+          <a:bodyPr spcFirstLastPara="1" wrap="square" lIns="91425" tIns="91425" rIns="91425" bIns="91425" anchor="t" anchorCtr="0">
             <a:normAutofit fontScale="90000"/>
           </a:bodyPr>
           <a:lstStyle/>
           <a:p>
-            <a:pPr indent="0" lvl="0" marL="0" rtl="0" algn="l">
-              <a:spcBef>
-                <a:spcPts val="0"/>
-              </a:spcBef>
-              <a:spcAft>
-                <a:spcPts val="0"/>
-              </a:spcAft>
-              <a:buNone/>
-            </a:pPr>
-            <a:r>
-              <a:rPr lang="en"/>
-              <a:t>Presenter order</a:t>
-            </a:r>
-            <a:endParaRPr/>
-          </a:p>
-        </p:txBody>
-      </p:sp>
-      <p:sp>
-        <p:nvSpPr>
-          <p:cNvPr id="79" name="Google Shape;79;p17"/>
-          <p:cNvSpPr txBox="1"/>
-          <p:nvPr>
-            <p:ph idx="1" type="body"/>
-          </p:nvPr>
-        </p:nvSpPr>
-        <p:spPr>
-          <a:xfrm>
-            <a:off x="311700" y="1152475"/>
-            <a:ext cx="8520600" cy="3416400"/>
-          </a:xfrm>
-          <a:prstGeom prst="rect">
-            <a:avLst/>
-          </a:prstGeom>
-        </p:spPr>
-        <p:txBody>
-          <a:bodyPr anchorCtr="0" anchor="t" bIns="91425" lIns="91425" spcFirstLastPara="1" rIns="91425" wrap="square" tIns="91425">
-            <a:normAutofit/>
-          </a:bodyPr>
-          <a:lstStyle/>
-          <a:p>
-            <a:pPr indent="-342900" lvl="0" marL="457200" rtl="0" algn="l">
-              <a:spcBef>
-                <a:spcPts val="0"/>
-              </a:spcBef>
-              <a:spcAft>
-                <a:spcPts val="0"/>
-              </a:spcAft>
-              <a:buSzPts val="1800"/>
-              <a:buChar char="●"/>
-            </a:pPr>
-            <a:r>
-              <a:rPr lang="en"/>
-              <a:t>Marvin Lee: demonstrate the Chatbot capability</a:t>
-            </a:r>
-            <a:endParaRPr/>
-          </a:p>
-          <a:p>
-            <a:pPr indent="0" lvl="0" marL="0" rtl="0" algn="l">
-              <a:spcBef>
-                <a:spcPts val="1200"/>
-              </a:spcBef>
-              <a:spcAft>
-                <a:spcPts val="0"/>
-              </a:spcAft>
-              <a:buNone/>
-            </a:pPr>
-            <a:r>
-              <a:t/>
-            </a:r>
-            <a:endParaRPr/>
-          </a:p>
-          <a:p>
-            <a:pPr indent="-342900" lvl="0" marL="457200" rtl="0" algn="l">
-              <a:spcBef>
-                <a:spcPts val="1200"/>
-              </a:spcBef>
-              <a:spcAft>
-                <a:spcPts val="0"/>
-              </a:spcAft>
-              <a:buSzPts val="1800"/>
-              <a:buChar char="●"/>
-            </a:pPr>
-            <a:r>
-              <a:rPr lang="en"/>
-              <a:t>Vishal Puppala: Machine Learning demonstration</a:t>
-            </a:r>
-            <a:endParaRPr/>
-          </a:p>
-          <a:p>
-            <a:pPr indent="0" lvl="0" marL="0" rtl="0" algn="l">
-              <a:spcBef>
-                <a:spcPts val="1200"/>
-              </a:spcBef>
-              <a:spcAft>
-                <a:spcPts val="0"/>
-              </a:spcAft>
-              <a:buNone/>
-            </a:pPr>
-            <a:r>
-              <a:t/>
-            </a:r>
-            <a:endParaRPr/>
-          </a:p>
-          <a:p>
-            <a:pPr indent="-342900" lvl="0" marL="457200" rtl="0" algn="l">
-              <a:spcBef>
-                <a:spcPts val="1200"/>
-              </a:spcBef>
-              <a:spcAft>
-                <a:spcPts val="0"/>
-              </a:spcAft>
-              <a:buSzPts val="1800"/>
-              <a:buChar char="●"/>
-            </a:pPr>
-            <a:r>
-              <a:rPr lang="en"/>
-              <a:t>Bethel Kameni: Analysis of the Machine Learning results</a:t>
-            </a:r>
-            <a:endParaRPr/>
-          </a:p>
-        </p:txBody>
-      </p:sp>
-    </p:spTree>
-  </p:cSld>
-  <p:clrMapOvr>
-    <a:masterClrMapping/>
-  </p:clrMapOvr>
-</p:sld>
-</file>
-
-<file path=ppt/slides/slide6.xml><?xml version="1.0" encoding="utf-8"?>
-<p:sld xmlns:a="http://schemas.openxmlformats.org/drawingml/2006/main" xmlns:r="http://schemas.openxmlformats.org/officeDocument/2006/relationships" xmlns:mc="http://schemas.openxmlformats.org/markup-compatibility/2006" xmlns:mv="urn:schemas-microsoft-com:mac:vml" xmlns:p="http://schemas.openxmlformats.org/presentationml/2006/main" xmlns:c="http://schemas.openxmlformats.org/drawingml/2006/chart" xmlns:dgm="http://schemas.openxmlformats.org/drawingml/2006/diagram" xmlns:o="urn:schemas-microsoft-com:office:office" xmlns:v="urn:schemas-microsoft-com:vml" xmlns:pvml="urn:schemas-microsoft-com:office:powerpoint" xmlns:com="http://schemas.openxmlformats.org/drawingml/2006/compatibility" xmlns:p14="http://schemas.microsoft.com/office/powerpoint/2010/main" xmlns:p15="http://schemas.microsoft.com/office/powerpoint/2012/main" xmlns:ahyp="http://schemas.microsoft.com/office/drawing/2018/hyperlinkcolor">
-  <p:cSld>
-    <p:spTree>
-      <p:nvGrpSpPr>
-        <p:cNvPr id="83" name="Shape 83"/>
-        <p:cNvGrpSpPr/>
-        <p:nvPr/>
-      </p:nvGrpSpPr>
-      <p:grpSpPr>
-        <a:xfrm>
-          <a:off x="0" y="0"/>
-          <a:ext cx="0" cy="0"/>
-          <a:chOff x="0" y="0"/>
-          <a:chExt cx="0" cy="0"/>
-        </a:xfrm>
-      </p:grpSpPr>
-      <p:sp>
-        <p:nvSpPr>
-          <p:cNvPr id="84" name="Google Shape;84;p18"/>
-          <p:cNvSpPr txBox="1"/>
-          <p:nvPr>
-            <p:ph type="title"/>
-          </p:nvPr>
-        </p:nvSpPr>
-        <p:spPr>
-          <a:xfrm>
-            <a:off x="311700" y="445025"/>
-            <a:ext cx="8520600" cy="572700"/>
-          </a:xfrm>
-          <a:prstGeom prst="rect">
-            <a:avLst/>
-          </a:prstGeom>
-        </p:spPr>
-        <p:txBody>
-          <a:bodyPr anchorCtr="0" anchor="t" bIns="91425" lIns="91425" spcFirstLastPara="1" rIns="91425" wrap="square" tIns="91425">
-            <a:normAutofit fontScale="90000"/>
-          </a:bodyPr>
-          <a:lstStyle/>
-          <a:p>
-            <a:pPr indent="0" lvl="0" marL="0" rtl="0" algn="l">
+            <a:pPr marL="0" lvl="0" indent="0" algn="l" rtl="0">
               <a:spcBef>
                 <a:spcPts val="0"/>
               </a:spcBef>
@@ -8627,12 +8251,12 @@
           </a:ln>
         </p:spPr>
         <p:txBody>
-          <a:bodyPr anchorCtr="0" anchor="t" bIns="91425" lIns="91425" spcFirstLastPara="1" rIns="91425" wrap="square" tIns="91425">
+          <a:bodyPr spcFirstLastPara="1" wrap="square" lIns="91425" tIns="91425" rIns="91425" bIns="91425" anchor="t" anchorCtr="0">
             <a:spAutoFit/>
           </a:bodyPr>
           <a:lstStyle/>
           <a:p>
-            <a:pPr indent="0" lvl="0" marL="0" rtl="0" algn="l">
+            <a:pPr marL="0" lvl="0" indent="0" algn="l" rtl="0">
               <a:spcBef>
                 <a:spcPts val="0"/>
               </a:spcBef>
@@ -8648,22 +8272,19 @@
             <a:endParaRPr/>
           </a:p>
           <a:p>
-            <a:pPr indent="0" lvl="0" marL="0" rtl="0" algn="l">
-              <a:spcBef>
-                <a:spcPts val="0"/>
-              </a:spcBef>
-              <a:spcAft>
-                <a:spcPts val="0"/>
-              </a:spcAft>
-              <a:buNone/>
-            </a:pPr>
-            <a:r>
-              <a:t/>
-            </a:r>
-            <a:endParaRPr/>
-          </a:p>
-          <a:p>
-            <a:pPr indent="-317500" lvl="0" marL="457200" rtl="0" algn="l">
+            <a:pPr marL="0" lvl="0" indent="0" algn="l" rtl="0">
+              <a:spcBef>
+                <a:spcPts val="0"/>
+              </a:spcBef>
+              <a:spcAft>
+                <a:spcPts val="0"/>
+              </a:spcAft>
+              <a:buNone/>
+            </a:pPr>
+            <a:endParaRPr/>
+          </a:p>
+          <a:p>
+            <a:pPr marL="457200" lvl="0" indent="-317500" algn="l" rtl="0">
               <a:spcBef>
                 <a:spcPts val="0"/>
               </a:spcBef>
@@ -8680,7 +8301,7 @@
             <a:endParaRPr/>
           </a:p>
           <a:p>
-            <a:pPr indent="-317500" lvl="0" marL="457200" rtl="0" algn="l">
+            <a:pPr marL="457200" lvl="0" indent="-317500" algn="l" rtl="0">
               <a:spcBef>
                 <a:spcPts val="0"/>
               </a:spcBef>
@@ -8697,7 +8318,7 @@
             <a:endParaRPr/>
           </a:p>
           <a:p>
-            <a:pPr indent="-317500" lvl="0" marL="457200" rtl="0" algn="l">
+            <a:pPr marL="457200" lvl="0" indent="-317500" algn="l" rtl="0">
               <a:spcBef>
                 <a:spcPts val="0"/>
               </a:spcBef>
@@ -8714,7 +8335,7 @@
             <a:endParaRPr/>
           </a:p>
           <a:p>
-            <a:pPr indent="-317500" lvl="0" marL="457200" rtl="0" algn="l">
+            <a:pPr marL="457200" lvl="0" indent="-317500" algn="l" rtl="0">
               <a:spcBef>
                 <a:spcPts val="0"/>
               </a:spcBef>
@@ -8731,7 +8352,7 @@
             <a:endParaRPr/>
           </a:p>
           <a:p>
-            <a:pPr indent="-317500" lvl="0" marL="457200" rtl="0" algn="l">
+            <a:pPr marL="457200" lvl="0" indent="-317500" algn="l" rtl="0">
               <a:spcBef>
                 <a:spcPts val="0"/>
               </a:spcBef>
@@ -8748,7 +8369,7 @@
             <a:endParaRPr/>
           </a:p>
           <a:p>
-            <a:pPr indent="-317500" lvl="0" marL="457200" rtl="0" algn="l">
+            <a:pPr marL="457200" lvl="0" indent="-317500" algn="l" rtl="0">
               <a:spcBef>
                 <a:spcPts val="0"/>
               </a:spcBef>
@@ -8765,7 +8386,7 @@
             <a:endParaRPr/>
           </a:p>
           <a:p>
-            <a:pPr indent="-317500" lvl="0" marL="457200" rtl="0" algn="l">
+            <a:pPr marL="457200" lvl="0" indent="-317500" algn="l" rtl="0">
               <a:spcBef>
                 <a:spcPts val="0"/>
               </a:spcBef>
@@ -8791,12 +8412,12 @@
 </p:sld>
 </file>
 
-<file path=ppt/slides/slide7.xml><?xml version="1.0" encoding="utf-8"?>
-<p:sld xmlns:a="http://schemas.openxmlformats.org/drawingml/2006/main" xmlns:r="http://schemas.openxmlformats.org/officeDocument/2006/relationships" xmlns:mc="http://schemas.openxmlformats.org/markup-compatibility/2006" xmlns:mv="urn:schemas-microsoft-com:mac:vml" xmlns:p="http://schemas.openxmlformats.org/presentationml/2006/main" xmlns:c="http://schemas.openxmlformats.org/drawingml/2006/chart" xmlns:dgm="http://schemas.openxmlformats.org/drawingml/2006/diagram" xmlns:o="urn:schemas-microsoft-com:office:office" xmlns:v="urn:schemas-microsoft-com:vml" xmlns:pvml="urn:schemas-microsoft-com:office:powerpoint" xmlns:com="http://schemas.openxmlformats.org/drawingml/2006/compatibility" xmlns:p14="http://schemas.microsoft.com/office/powerpoint/2010/main" xmlns:p15="http://schemas.microsoft.com/office/powerpoint/2012/main" xmlns:ahyp="http://schemas.microsoft.com/office/drawing/2018/hyperlinkcolor">
+<file path=ppt/slides/slide6.xml><?xml version="1.0" encoding="utf-8"?>
+<p:sld xmlns:a="http://schemas.openxmlformats.org/drawingml/2006/main" xmlns:r="http://schemas.openxmlformats.org/officeDocument/2006/relationships" xmlns:p="http://schemas.openxmlformats.org/presentationml/2006/main">
   <p:cSld>
     <p:spTree>
       <p:nvGrpSpPr>
-        <p:cNvPr id="91" name="Shape 91"/>
+        <p:cNvPr id="1" name="Shape 91"/>
         <p:cNvGrpSpPr/>
         <p:nvPr/>
       </p:nvGrpSpPr>
@@ -8856,12 +8477,12 @@
           </a:ln>
         </p:spPr>
         <p:txBody>
-          <a:bodyPr anchorCtr="0" anchor="t" bIns="91425" lIns="91425" spcFirstLastPara="1" rIns="91425" wrap="square" tIns="91425">
+          <a:bodyPr spcFirstLastPara="1" wrap="square" lIns="91425" tIns="91425" rIns="91425" bIns="91425" anchor="t" anchorCtr="0">
             <a:spAutoFit/>
           </a:bodyPr>
           <a:lstStyle/>
           <a:p>
-            <a:pPr indent="0" lvl="0" marL="0" rtl="0" algn="l">
+            <a:pPr marL="0" lvl="0" indent="0" algn="l" rtl="0">
               <a:spcBef>
                 <a:spcPts val="0"/>
               </a:spcBef>
@@ -8872,41 +8493,34 @@
             </a:pPr>
             <a:r>
               <a:rPr lang="en"/>
-              <a:t>b</a:t>
+              <a:t>buildProfile</a:t>
             </a:r>
+            <a:endParaRPr/>
+          </a:p>
+          <a:p>
+            <a:pPr marL="0" lvl="0" indent="0" algn="l" rtl="0">
+              <a:spcBef>
+                <a:spcPts val="0"/>
+              </a:spcBef>
+              <a:spcAft>
+                <a:spcPts val="0"/>
+              </a:spcAft>
+              <a:buNone/>
+            </a:pPr>
+            <a:endParaRPr/>
+          </a:p>
+          <a:p>
+            <a:pPr marL="0" lvl="0" indent="0" algn="l" rtl="0">
+              <a:spcBef>
+                <a:spcPts val="0"/>
+              </a:spcBef>
+              <a:spcAft>
+                <a:spcPts val="0"/>
+              </a:spcAft>
+              <a:buNone/>
+            </a:pPr>
             <a:r>
-              <a:rPr lang="en"/>
-              <a:t>uildProfile</a:t>
-            </a:r>
-            <a:endParaRPr/>
-          </a:p>
-          <a:p>
-            <a:pPr indent="0" lvl="0" marL="0" rtl="0" algn="l">
-              <a:spcBef>
-                <a:spcPts val="0"/>
-              </a:spcBef>
-              <a:spcAft>
-                <a:spcPts val="0"/>
-              </a:spcAft>
-              <a:buNone/>
-            </a:pPr>
-            <a:r>
-              <a:t/>
-            </a:r>
-            <a:endParaRPr/>
-          </a:p>
-          <a:p>
-            <a:pPr indent="0" lvl="0" marL="0" rtl="0" algn="l">
-              <a:spcBef>
-                <a:spcPts val="0"/>
-              </a:spcBef>
-              <a:spcAft>
-                <a:spcPts val="0"/>
-              </a:spcAft>
-              <a:buNone/>
-            </a:pPr>
-            <a:r>
-              <a:rPr b="1" lang="en"/>
+              <a:rPr lang="en" b="1"/>
               <a:t>Name:</a:t>
             </a:r>
             <a:r>
@@ -8916,7 +8530,7 @@
             <a:endParaRPr/>
           </a:p>
           <a:p>
-            <a:pPr indent="0" lvl="0" marL="0" rtl="0" algn="l">
+            <a:pPr marL="0" lvl="0" indent="0" algn="l" rtl="0">
               <a:spcBef>
                 <a:spcPts val="0"/>
               </a:spcBef>
@@ -8926,7 +8540,7 @@
               <a:buNone/>
             </a:pPr>
             <a:r>
-              <a:rPr b="1" lang="en"/>
+              <a:rPr lang="en" b="1"/>
               <a:t>Age: </a:t>
             </a:r>
             <a:r>
@@ -8936,7 +8550,7 @@
             <a:endParaRPr/>
           </a:p>
           <a:p>
-            <a:pPr indent="0" lvl="0" marL="0" rtl="0" algn="l">
+            <a:pPr marL="0" lvl="0" indent="0" algn="l" rtl="0">
               <a:spcBef>
                 <a:spcPts val="0"/>
               </a:spcBef>
@@ -8946,7 +8560,7 @@
               <a:buNone/>
             </a:pPr>
             <a:r>
-              <a:rPr b="1" lang="en"/>
+              <a:rPr lang="en" b="1"/>
               <a:t>Email: </a:t>
             </a:r>
             <a:r>
@@ -8961,7 +8575,7 @@
             <a:endParaRPr/>
           </a:p>
           <a:p>
-            <a:pPr indent="0" lvl="0" marL="0" rtl="0" algn="l">
+            <a:pPr marL="0" lvl="0" indent="0" algn="l" rtl="0">
               <a:spcBef>
                 <a:spcPts val="0"/>
               </a:spcBef>
@@ -8971,7 +8585,7 @@
               <a:buNone/>
             </a:pPr>
             <a:r>
-              <a:rPr b="1" lang="en"/>
+              <a:rPr lang="en" b="1"/>
               <a:t>Investment Amount: </a:t>
             </a:r>
             <a:r>
@@ -8981,7 +8595,7 @@
             <a:endParaRPr/>
           </a:p>
           <a:p>
-            <a:pPr indent="0" lvl="0" marL="0" rtl="0" algn="l">
+            <a:pPr marL="0" lvl="0" indent="0" algn="l" rtl="0">
               <a:spcBef>
                 <a:spcPts val="0"/>
               </a:spcBef>
@@ -8991,7 +8605,7 @@
               <a:buNone/>
             </a:pPr>
             <a:r>
-              <a:rPr b="1" lang="en"/>
+              <a:rPr lang="en" b="1"/>
               <a:t>Risk Tolerance: </a:t>
             </a:r>
             <a:r>
@@ -9001,7 +8615,7 @@
             <a:endParaRPr/>
           </a:p>
           <a:p>
-            <a:pPr indent="0" lvl="0" marL="0" rtl="0" algn="l">
+            <a:pPr marL="0" lvl="0" indent="0" algn="l" rtl="0">
               <a:spcBef>
                 <a:spcPts val="0"/>
               </a:spcBef>
@@ -9011,7 +8625,7 @@
               <a:buNone/>
             </a:pPr>
             <a:r>
-              <a:rPr b="1" lang="en"/>
+              <a:rPr lang="en" b="1"/>
               <a:t>Time Horizon: </a:t>
             </a:r>
             <a:r>
@@ -9021,7 +8635,7 @@
             <a:endParaRPr/>
           </a:p>
           <a:p>
-            <a:pPr indent="0" lvl="0" marL="0" rtl="0" algn="l">
+            <a:pPr marL="0" lvl="0" indent="0" algn="l" rtl="0">
               <a:spcBef>
                 <a:spcPts val="0"/>
               </a:spcBef>
@@ -9031,7 +8645,7 @@
               <a:buNone/>
             </a:pPr>
             <a:r>
-              <a:rPr b="1" lang="en"/>
+              <a:rPr lang="en" b="1"/>
               <a:t>User Type: </a:t>
             </a:r>
             <a:r>
@@ -9050,12 +8664,12 @@
 </p:sld>
 </file>
 
-<file path=ppt/slides/slide8.xml><?xml version="1.0" encoding="utf-8"?>
-<p:sld xmlns:a="http://schemas.openxmlformats.org/drawingml/2006/main" xmlns:r="http://schemas.openxmlformats.org/officeDocument/2006/relationships" xmlns:mc="http://schemas.openxmlformats.org/markup-compatibility/2006" xmlns:mv="urn:schemas-microsoft-com:mac:vml" xmlns:p="http://schemas.openxmlformats.org/presentationml/2006/main" xmlns:c="http://schemas.openxmlformats.org/drawingml/2006/chart" xmlns:dgm="http://schemas.openxmlformats.org/drawingml/2006/diagram" xmlns:o="urn:schemas-microsoft-com:office:office" xmlns:v="urn:schemas-microsoft-com:vml" xmlns:pvml="urn:schemas-microsoft-com:office:powerpoint" xmlns:com="http://schemas.openxmlformats.org/drawingml/2006/compatibility" xmlns:p14="http://schemas.microsoft.com/office/powerpoint/2010/main" xmlns:p15="http://schemas.microsoft.com/office/powerpoint/2012/main" xmlns:ahyp="http://schemas.microsoft.com/office/drawing/2018/hyperlinkcolor">
+<file path=ppt/slides/slide7.xml><?xml version="1.0" encoding="utf-8"?>
+<p:sld xmlns:a="http://schemas.openxmlformats.org/drawingml/2006/main" xmlns:r="http://schemas.openxmlformats.org/officeDocument/2006/relationships" xmlns:p="http://schemas.openxmlformats.org/presentationml/2006/main">
   <p:cSld>
     <p:spTree>
       <p:nvGrpSpPr>
-        <p:cNvPr id="97" name="Shape 97"/>
+        <p:cNvPr id="1" name="Shape 97"/>
         <p:cNvGrpSpPr/>
         <p:nvPr/>
       </p:nvGrpSpPr>
@@ -9115,12 +8729,12 @@
           </a:ln>
         </p:spPr>
         <p:txBody>
-          <a:bodyPr anchorCtr="0" anchor="t" bIns="91425" lIns="91425" spcFirstLastPara="1" rIns="91425" wrap="square" tIns="91425">
+          <a:bodyPr spcFirstLastPara="1" wrap="square" lIns="91425" tIns="91425" rIns="91425" bIns="91425" anchor="t" anchorCtr="0">
             <a:spAutoFit/>
           </a:bodyPr>
           <a:lstStyle/>
           <a:p>
-            <a:pPr indent="0" lvl="0" marL="0" rtl="0" algn="l">
+            <a:pPr marL="0" lvl="0" indent="0" algn="l" rtl="0">
               <a:spcBef>
                 <a:spcPts val="0"/>
               </a:spcBef>
@@ -9130,28 +8744,25 @@
               <a:buNone/>
             </a:pPr>
             <a:r>
-              <a:rPr b="1" lang="en"/>
+              <a:rPr lang="en" b="1"/>
               <a:t>GOING DEEPER</a:t>
             </a:r>
             <a:endParaRPr/>
           </a:p>
           <a:p>
-            <a:pPr indent="0" lvl="0" marL="0" rtl="0" algn="l">
-              <a:spcBef>
-                <a:spcPts val="0"/>
-              </a:spcBef>
-              <a:spcAft>
-                <a:spcPts val="0"/>
-              </a:spcAft>
-              <a:buNone/>
-            </a:pPr>
-            <a:r>
-              <a:t/>
-            </a:r>
-            <a:endParaRPr/>
-          </a:p>
-          <a:p>
-            <a:pPr indent="-317500" lvl="0" marL="457200" rtl="0" algn="l">
+            <a:pPr marL="0" lvl="0" indent="0" algn="l" rtl="0">
+              <a:spcBef>
+                <a:spcPts val="0"/>
+              </a:spcBef>
+              <a:spcAft>
+                <a:spcPts val="0"/>
+              </a:spcAft>
+              <a:buNone/>
+            </a:pPr>
+            <a:endParaRPr/>
+          </a:p>
+          <a:p>
+            <a:pPr marL="457200" lvl="0" indent="-317500" algn="l" rtl="0">
               <a:spcBef>
                 <a:spcPts val="0"/>
               </a:spcBef>
@@ -9168,7 +8779,7 @@
             <a:endParaRPr/>
           </a:p>
           <a:p>
-            <a:pPr indent="-317500" lvl="0" marL="457200" rtl="0" algn="l">
+            <a:pPr marL="457200" lvl="0" indent="-317500" algn="l" rtl="0">
               <a:spcBef>
                 <a:spcPts val="0"/>
               </a:spcBef>
@@ -9183,7 +8794,7 @@
               <a:t>Is it based off </a:t>
             </a:r>
             <a:r>
-              <a:rPr b="1" lang="en"/>
+              <a:rPr lang="en" b="1"/>
               <a:t>news </a:t>
             </a:r>
             <a:r>
@@ -9193,7 +8804,7 @@
             <a:endParaRPr/>
           </a:p>
           <a:p>
-            <a:pPr indent="-317500" lvl="0" marL="457200" rtl="0" algn="l">
+            <a:pPr marL="457200" lvl="0" indent="-317500" algn="l" rtl="0">
               <a:spcBef>
                 <a:spcPts val="0"/>
               </a:spcBef>
@@ -9208,7 +8819,7 @@
               <a:t>Is it based off t</a:t>
             </a:r>
             <a:r>
-              <a:rPr b="1" lang="en"/>
+              <a:rPr lang="en" b="1"/>
               <a:t>echnical indicators</a:t>
             </a:r>
             <a:r>
@@ -9218,7 +8829,7 @@
             <a:endParaRPr/>
           </a:p>
           <a:p>
-            <a:pPr indent="-317500" lvl="0" marL="457200" rtl="0" algn="l">
+            <a:pPr marL="457200" lvl="0" indent="-317500" algn="l" rtl="0">
               <a:spcBef>
                 <a:spcPts val="0"/>
               </a:spcBef>
@@ -9230,11 +8841,7 @@
             </a:pPr>
             <a:r>
               <a:rPr lang="en"/>
-              <a:t>Is </a:t>
-            </a:r>
-            <a:r>
-              <a:rPr lang="en"/>
-              <a:t>the strategy quantifiable?</a:t>
+              <a:t>Is the strategy quantifiable?</a:t>
             </a:r>
             <a:endParaRPr/>
           </a:p>
@@ -9248,12 +8855,12 @@
 </p:sld>
 </file>
 
-<file path=ppt/slides/slide9.xml><?xml version="1.0" encoding="utf-8"?>
-<p:sld xmlns:a="http://schemas.openxmlformats.org/drawingml/2006/main" xmlns:r="http://schemas.openxmlformats.org/officeDocument/2006/relationships" xmlns:mc="http://schemas.openxmlformats.org/markup-compatibility/2006" xmlns:mv="urn:schemas-microsoft-com:mac:vml" xmlns:p="http://schemas.openxmlformats.org/presentationml/2006/main" xmlns:c="http://schemas.openxmlformats.org/drawingml/2006/chart" xmlns:dgm="http://schemas.openxmlformats.org/drawingml/2006/diagram" xmlns:o="urn:schemas-microsoft-com:office:office" xmlns:v="urn:schemas-microsoft-com:vml" xmlns:pvml="urn:schemas-microsoft-com:office:powerpoint" xmlns:com="http://schemas.openxmlformats.org/drawingml/2006/compatibility" xmlns:p14="http://schemas.microsoft.com/office/powerpoint/2010/main" xmlns:p15="http://schemas.microsoft.com/office/powerpoint/2012/main" xmlns:ahyp="http://schemas.microsoft.com/office/drawing/2018/hyperlinkcolor">
+<file path=ppt/slides/slide8.xml><?xml version="1.0" encoding="utf-8"?>
+<p:sld xmlns:a="http://schemas.openxmlformats.org/drawingml/2006/main" xmlns:r="http://schemas.openxmlformats.org/officeDocument/2006/relationships" xmlns:p="http://schemas.openxmlformats.org/presentationml/2006/main">
   <p:cSld>
     <p:spTree>
       <p:nvGrpSpPr>
-        <p:cNvPr id="103" name="Shape 103"/>
+        <p:cNvPr id="1" name="Shape 103"/>
         <p:cNvGrpSpPr/>
         <p:nvPr/>
       </p:nvGrpSpPr>
@@ -9313,12 +8920,12 @@
           </a:ln>
         </p:spPr>
         <p:txBody>
-          <a:bodyPr anchorCtr="0" anchor="t" bIns="91425" lIns="91425" spcFirstLastPara="1" rIns="91425" wrap="square" tIns="91425">
+          <a:bodyPr spcFirstLastPara="1" wrap="square" lIns="91425" tIns="91425" rIns="91425" bIns="91425" anchor="t" anchorCtr="0">
             <a:spAutoFit/>
           </a:bodyPr>
           <a:lstStyle/>
           <a:p>
-            <a:pPr indent="0" lvl="0" marL="0" rtl="0" algn="l">
+            <a:pPr marL="0" lvl="0" indent="0" algn="l" rtl="0">
               <a:spcBef>
                 <a:spcPts val="0"/>
               </a:spcBef>
@@ -9328,28 +8935,25 @@
               <a:buNone/>
             </a:pPr>
             <a:r>
-              <a:rPr b="1" lang="en"/>
+              <a:rPr lang="en" b="1"/>
               <a:t>Technical Analysis</a:t>
             </a:r>
             <a:endParaRPr b="1"/>
           </a:p>
           <a:p>
-            <a:pPr indent="0" lvl="0" marL="0" rtl="0" algn="l">
-              <a:spcBef>
-                <a:spcPts val="0"/>
-              </a:spcBef>
-              <a:spcAft>
-                <a:spcPts val="0"/>
-              </a:spcAft>
-              <a:buNone/>
-            </a:pPr>
-            <a:r>
-              <a:t/>
-            </a:r>
-            <a:endParaRPr/>
-          </a:p>
-          <a:p>
-            <a:pPr indent="-317500" lvl="0" marL="457200" rtl="0" algn="l">
+            <a:pPr marL="0" lvl="0" indent="0" algn="l" rtl="0">
+              <a:spcBef>
+                <a:spcPts val="0"/>
+              </a:spcBef>
+              <a:spcAft>
+                <a:spcPts val="0"/>
+              </a:spcAft>
+              <a:buNone/>
+            </a:pPr>
+            <a:endParaRPr/>
+          </a:p>
+          <a:p>
+            <a:pPr marL="457200" lvl="0" indent="-317500" algn="l" rtl="0">
               <a:spcBef>
                 <a:spcPts val="0"/>
               </a:spcBef>
@@ -9366,7 +8970,7 @@
             <a:endParaRPr/>
           </a:p>
           <a:p>
-            <a:pPr indent="-317500" lvl="0" marL="457200" rtl="0" algn="l">
+            <a:pPr marL="457200" lvl="0" indent="-317500" algn="l" rtl="0">
               <a:spcBef>
                 <a:spcPts val="0"/>
               </a:spcBef>
@@ -9383,7 +8987,7 @@
             <a:endParaRPr/>
           </a:p>
           <a:p>
-            <a:pPr indent="-317500" lvl="0" marL="457200" rtl="0" algn="l">
+            <a:pPr marL="457200" lvl="0" indent="-317500" algn="l" rtl="0">
               <a:spcBef>
                 <a:spcPts val="0"/>
               </a:spcBef>
@@ -9400,7 +9004,7 @@
             <a:endParaRPr/>
           </a:p>
           <a:p>
-            <a:pPr indent="-317500" lvl="0" marL="457200" rtl="0" algn="l">
+            <a:pPr marL="457200" lvl="0" indent="-317500" algn="l" rtl="0">
               <a:spcBef>
                 <a:spcPts val="0"/>
               </a:spcBef>
@@ -9415,7 +9019,7 @@
               <a:t>An investor that just ‘</a:t>
             </a:r>
             <a:r>
-              <a:rPr b="1" lang="en"/>
+              <a:rPr lang="en" b="1"/>
               <a:t>buys and holds</a:t>
             </a:r>
             <a:r>
@@ -9425,7 +9029,7 @@
             <a:endParaRPr/>
           </a:p>
           <a:p>
-            <a:pPr indent="-317500" lvl="0" marL="457200" rtl="0" algn="l">
+            <a:pPr marL="457200" lvl="0" indent="-317500" algn="l" rtl="0">
               <a:spcBef>
                 <a:spcPts val="0"/>
               </a:spcBef>
@@ -9451,8 +9055,469 @@
 </p:sld>
 </file>
 
+<file path=ppt/slides/slide9.xml><?xml version="1.0" encoding="utf-8"?>
+<p:sld xmlns:a="http://schemas.openxmlformats.org/drawingml/2006/main" xmlns:r="http://schemas.openxmlformats.org/officeDocument/2006/relationships" xmlns:p="http://schemas.openxmlformats.org/presentationml/2006/main">
+  <p:cSld>
+    <p:spTree>
+      <p:nvGrpSpPr>
+        <p:cNvPr id="1" name="Shape 109"/>
+        <p:cNvGrpSpPr/>
+        <p:nvPr/>
+      </p:nvGrpSpPr>
+      <p:grpSpPr>
+        <a:xfrm>
+          <a:off x="0" y="0"/>
+          <a:ext cx="0" cy="0"/>
+          <a:chOff x="0" y="0"/>
+          <a:chExt cx="0" cy="0"/>
+        </a:xfrm>
+      </p:grpSpPr>
+      <p:sp>
+        <p:nvSpPr>
+          <p:cNvPr id="110" name="Google Shape;110;p22"/>
+          <p:cNvSpPr txBox="1">
+            <a:spLocks noGrp="1"/>
+          </p:cNvSpPr>
+          <p:nvPr>
+            <p:ph type="title"/>
+          </p:nvPr>
+        </p:nvSpPr>
+        <p:spPr>
+          <a:xfrm>
+            <a:off x="311700" y="419350"/>
+            <a:ext cx="8520600" cy="572700"/>
+          </a:xfrm>
+          <a:prstGeom prst="rect">
+            <a:avLst/>
+          </a:prstGeom>
+        </p:spPr>
+        <p:txBody>
+          <a:bodyPr spcFirstLastPara="1" wrap="square" lIns="91425" tIns="91425" rIns="91425" bIns="91425" anchor="t" anchorCtr="0">
+            <a:normAutofit fontScale="90000"/>
+          </a:bodyPr>
+          <a:lstStyle/>
+          <a:p>
+            <a:pPr marL="0" lvl="0" indent="0" algn="l" rtl="0">
+              <a:spcBef>
+                <a:spcPts val="0"/>
+              </a:spcBef>
+              <a:spcAft>
+                <a:spcPts val="0"/>
+              </a:spcAft>
+              <a:buNone/>
+            </a:pPr>
+            <a:r>
+              <a:rPr lang="en"/>
+              <a:t>Demonstration Video</a:t>
+            </a:r>
+            <a:endParaRPr/>
+          </a:p>
+        </p:txBody>
+      </p:sp>
+      <p:pic>
+        <p:nvPicPr>
+          <p:cNvPr id="111" name="Google Shape;111;p22" title="Complete_Demo_Chatbot.mov">
+            <a:hlinkClick r:id="rId3"/>
+          </p:cNvPr>
+          <p:cNvPicPr preferRelativeResize="0"/>
+          <p:nvPr/>
+        </p:nvPicPr>
+        <p:blipFill>
+          <a:blip r:embed="rId4">
+            <a:alphaModFix/>
+          </a:blip>
+          <a:stretch>
+            <a:fillRect/>
+          </a:stretch>
+        </p:blipFill>
+        <p:spPr>
+          <a:xfrm>
+            <a:off x="2286000" y="1247175"/>
+            <a:ext cx="4572000" cy="3429000"/>
+          </a:xfrm>
+          <a:prstGeom prst="rect">
+            <a:avLst/>
+          </a:prstGeom>
+          <a:noFill/>
+          <a:ln>
+            <a:noFill/>
+          </a:ln>
+        </p:spPr>
+      </p:pic>
+    </p:spTree>
+  </p:cSld>
+  <p:clrMapOvr>
+    <a:masterClrMapping/>
+  </p:clrMapOvr>
+  <p:timing>
+    <p:tnLst>
+      <p:par>
+        <p:cTn id="1" dur="indefinite" restart="never" nodeType="tmRoot">
+          <p:childTnLst>
+            <p:seq concurrent="1" nextAc="seek">
+              <p:cTn id="2" dur="indefinite" nodeType="mainSeq">
+                <p:childTnLst>
+                  <p:par>
+                    <p:cTn id="3" fill="hold">
+                      <p:stCondLst>
+                        <p:cond delay="indefinite"/>
+                      </p:stCondLst>
+                      <p:childTnLst>
+                        <p:par>
+                          <p:cTn id="4" fill="hold">
+                            <p:stCondLst>
+                              <p:cond delay="0"/>
+                            </p:stCondLst>
+                            <p:childTnLst>
+                              <p:par>
+                                <p:cTn id="5" presetID="10" presetClass="entr" presetSubtype="0" fill="hold" nodeType="clickEffect">
+                                  <p:stCondLst>
+                                    <p:cond delay="0"/>
+                                  </p:stCondLst>
+                                  <p:childTnLst>
+                                    <p:set>
+                                      <p:cBhvr>
+                                        <p:cTn id="6" dur="1" fill="hold">
+                                          <p:stCondLst>
+                                            <p:cond delay="0"/>
+                                          </p:stCondLst>
+                                        </p:cTn>
+                                        <p:tgtEl>
+                                          <p:spTgt spid="111"/>
+                                        </p:tgtEl>
+                                        <p:attrNameLst>
+                                          <p:attrName>style.visibility</p:attrName>
+                                        </p:attrNameLst>
+                                      </p:cBhvr>
+                                      <p:to>
+                                        <p:strVal val="visible"/>
+                                      </p:to>
+                                    </p:set>
+                                    <p:animEffect transition="in" filter="fade">
+                                      <p:cBhvr>
+                                        <p:cTn id="7" dur="1000"/>
+                                        <p:tgtEl>
+                                          <p:spTgt spid="111"/>
+                                        </p:tgtEl>
+                                      </p:cBhvr>
+                                    </p:animEffect>
+                                  </p:childTnLst>
+                                </p:cTn>
+                              </p:par>
+                            </p:childTnLst>
+                          </p:cTn>
+                        </p:par>
+                      </p:childTnLst>
+                    </p:cTn>
+                  </p:par>
+                </p:childTnLst>
+              </p:cTn>
+              <p:prevCondLst>
+                <p:cond evt="onPrev" delay="0">
+                  <p:tgtEl>
+                    <p:sldTgt/>
+                  </p:tgtEl>
+                </p:cond>
+              </p:prevCondLst>
+              <p:nextCondLst>
+                <p:cond evt="onNext" delay="0">
+                  <p:tgtEl>
+                    <p:sldTgt/>
+                  </p:tgtEl>
+                </p:cond>
+              </p:nextCondLst>
+            </p:seq>
+          </p:childTnLst>
+        </p:cTn>
+      </p:par>
+    </p:tnLst>
+  </p:timing>
+</p:sld>
+</file>
+
 <file path=ppt/theme/theme1.xml><?xml version="1.0" encoding="utf-8"?>
-<a:theme xmlns:a="http://schemas.openxmlformats.org/drawingml/2006/main" xmlns:r="http://schemas.openxmlformats.org/officeDocument/2006/relationships">
+<a:theme xmlns:a="http://schemas.openxmlformats.org/drawingml/2006/main" name="Simple Light">
+  <a:themeElements>
+    <a:clrScheme name="Simple Light">
+      <a:dk1>
+        <a:srgbClr val="000000"/>
+      </a:dk1>
+      <a:lt1>
+        <a:srgbClr val="FFFFFF"/>
+      </a:lt1>
+      <a:dk2>
+        <a:srgbClr val="595959"/>
+      </a:dk2>
+      <a:lt2>
+        <a:srgbClr val="EEEEEE"/>
+      </a:lt2>
+      <a:accent1>
+        <a:srgbClr val="4285F4"/>
+      </a:accent1>
+      <a:accent2>
+        <a:srgbClr val="212121"/>
+      </a:accent2>
+      <a:accent3>
+        <a:srgbClr val="78909C"/>
+      </a:accent3>
+      <a:accent4>
+        <a:srgbClr val="FFAB40"/>
+      </a:accent4>
+      <a:accent5>
+        <a:srgbClr val="0097A7"/>
+      </a:accent5>
+      <a:accent6>
+        <a:srgbClr val="EEFF41"/>
+      </a:accent6>
+      <a:hlink>
+        <a:srgbClr val="0097A7"/>
+      </a:hlink>
+      <a:folHlink>
+        <a:srgbClr val="0097A7"/>
+      </a:folHlink>
+    </a:clrScheme>
+    <a:fontScheme name="Office">
+      <a:majorFont>
+        <a:latin typeface="Arial"/>
+        <a:ea typeface=""/>
+        <a:cs typeface=""/>
+        <a:font script="Jpan" typeface="ＭＳ Ｐゴシック"/>
+        <a:font script="Hang" typeface="맑은 고딕"/>
+        <a:font script="Hans" typeface="宋体"/>
+        <a:font script="Hant" typeface="新細明體"/>
+        <a:font script="Arab" typeface="Times New Roman"/>
+        <a:font script="Hebr" typeface="Times New Roman"/>
+        <a:font script="Thai" typeface="Angsana New"/>
+        <a:font script="Ethi" typeface="Nyala"/>
+        <a:font script="Beng" typeface="Vrinda"/>
+        <a:font script="Gujr" typeface="Shruti"/>
+        <a:font script="Khmr" typeface="MoolBoran"/>
+        <a:font script="Knda" typeface="Tunga"/>
+        <a:font script="Guru" typeface="Raavi"/>
+        <a:font script="Cans" typeface="Euphemia"/>
+        <a:font script="Cher" typeface="Plantagenet Cherokee"/>
+        <a:font script="Yiii" typeface="Microsoft Yi Baiti"/>
+        <a:font script="Tibt" typeface="Microsoft Himalaya"/>
+        <a:font script="Thaa" typeface="MV Boli"/>
+        <a:font script="Deva" typeface="Mangal"/>
+        <a:font script="Telu" typeface="Gautami"/>
+        <a:font script="Taml" typeface="Latha"/>
+        <a:font script="Syrc" typeface="Estrangelo Edessa"/>
+        <a:font script="Orya" typeface="Kalinga"/>
+        <a:font script="Mlym" typeface="Kartika"/>
+        <a:font script="Laoo" typeface="DokChampa"/>
+        <a:font script="Sinh" typeface="Iskoola Pota"/>
+        <a:font script="Mong" typeface="Mongolian Baiti"/>
+        <a:font script="Viet" typeface="Times New Roman"/>
+        <a:font script="Uigh" typeface="Microsoft Uighur"/>
+        <a:font script="Geor" typeface="Sylfaen"/>
+      </a:majorFont>
+      <a:minorFont>
+        <a:latin typeface="Arial"/>
+        <a:ea typeface=""/>
+        <a:cs typeface=""/>
+        <a:font script="Jpan" typeface="ＭＳ Ｐゴシック"/>
+        <a:font script="Hang" typeface="맑은 고딕"/>
+        <a:font script="Hans" typeface="宋体"/>
+        <a:font script="Hant" typeface="新細明體"/>
+        <a:font script="Arab" typeface="Arial"/>
+        <a:font script="Hebr" typeface="Arial"/>
+        <a:font script="Thai" typeface="Cordia New"/>
+        <a:font script="Ethi" typeface="Nyala"/>
+        <a:font script="Beng" typeface="Vrinda"/>
+        <a:font script="Gujr" typeface="Shruti"/>
+        <a:font script="Khmr" typeface="DaunPenh"/>
+        <a:font script="Knda" typeface="Tunga"/>
+        <a:font script="Guru" typeface="Raavi"/>
+        <a:font script="Cans" typeface="Euphemia"/>
+        <a:font script="Cher" typeface="Plantagenet Cherokee"/>
+        <a:font script="Yiii" typeface="Microsoft Yi Baiti"/>
+        <a:font script="Tibt" typeface="Microsoft Himalaya"/>
+        <a:font script="Thaa" typeface="MV Boli"/>
+        <a:font script="Deva" typeface="Mangal"/>
+        <a:font script="Telu" typeface="Gautami"/>
+        <a:font script="Taml" typeface="Latha"/>
+        <a:font script="Syrc" typeface="Estrangelo Edessa"/>
+        <a:font script="Orya" typeface="Kalinga"/>
+        <a:font script="Mlym" typeface="Kartika"/>
+        <a:font script="Laoo" typeface="DokChampa"/>
+        <a:font script="Sinh" typeface="Iskoola Pota"/>
+        <a:font script="Mong" typeface="Mongolian Baiti"/>
+        <a:font script="Viet" typeface="Arial"/>
+        <a:font script="Uigh" typeface="Microsoft Uighur"/>
+        <a:font script="Geor" typeface="Sylfaen"/>
+      </a:minorFont>
+    </a:fontScheme>
+    <a:fmtScheme name="Office">
+      <a:fillStyleLst>
+        <a:solidFill>
+          <a:schemeClr val="phClr"/>
+        </a:solidFill>
+        <a:gradFill rotWithShape="1">
+          <a:gsLst>
+            <a:gs pos="0">
+              <a:schemeClr val="phClr">
+                <a:tint val="50000"/>
+                <a:satMod val="300000"/>
+              </a:schemeClr>
+            </a:gs>
+            <a:gs pos="35000">
+              <a:schemeClr val="phClr">
+                <a:tint val="37000"/>
+                <a:satMod val="300000"/>
+              </a:schemeClr>
+            </a:gs>
+            <a:gs pos="100000">
+              <a:schemeClr val="phClr">
+                <a:tint val="15000"/>
+                <a:satMod val="350000"/>
+              </a:schemeClr>
+            </a:gs>
+          </a:gsLst>
+          <a:lin ang="16200000" scaled="1"/>
+        </a:gradFill>
+        <a:gradFill rotWithShape="1">
+          <a:gsLst>
+            <a:gs pos="0">
+              <a:schemeClr val="phClr">
+                <a:tint val="100000"/>
+                <a:shade val="100000"/>
+                <a:satMod val="130000"/>
+              </a:schemeClr>
+            </a:gs>
+            <a:gs pos="100000">
+              <a:schemeClr val="phClr">
+                <a:tint val="50000"/>
+                <a:shade val="100000"/>
+                <a:satMod val="350000"/>
+              </a:schemeClr>
+            </a:gs>
+          </a:gsLst>
+          <a:lin ang="16200000" scaled="0"/>
+        </a:gradFill>
+      </a:fillStyleLst>
+      <a:lnStyleLst>
+        <a:ln w="9525" cap="flat" cmpd="sng" algn="ctr">
+          <a:solidFill>
+            <a:schemeClr val="phClr">
+              <a:shade val="95000"/>
+              <a:satMod val="105000"/>
+            </a:schemeClr>
+          </a:solidFill>
+          <a:prstDash val="solid"/>
+        </a:ln>
+        <a:ln w="25400" cap="flat" cmpd="sng" algn="ctr">
+          <a:solidFill>
+            <a:schemeClr val="phClr"/>
+          </a:solidFill>
+          <a:prstDash val="solid"/>
+        </a:ln>
+        <a:ln w="38100" cap="flat" cmpd="sng" algn="ctr">
+          <a:solidFill>
+            <a:schemeClr val="phClr"/>
+          </a:solidFill>
+          <a:prstDash val="solid"/>
+        </a:ln>
+      </a:lnStyleLst>
+      <a:effectStyleLst>
+        <a:effectStyle>
+          <a:effectLst>
+            <a:outerShdw blurRad="40000" dist="20000" dir="5400000" rotWithShape="0">
+              <a:srgbClr val="000000">
+                <a:alpha val="38000"/>
+              </a:srgbClr>
+            </a:outerShdw>
+          </a:effectLst>
+        </a:effectStyle>
+        <a:effectStyle>
+          <a:effectLst>
+            <a:outerShdw blurRad="40000" dist="23000" dir="5400000" rotWithShape="0">
+              <a:srgbClr val="000000">
+                <a:alpha val="35000"/>
+              </a:srgbClr>
+            </a:outerShdw>
+          </a:effectLst>
+        </a:effectStyle>
+        <a:effectStyle>
+          <a:effectLst>
+            <a:outerShdw blurRad="40000" dist="23000" dir="5400000" rotWithShape="0">
+              <a:srgbClr val="000000">
+                <a:alpha val="35000"/>
+              </a:srgbClr>
+            </a:outerShdw>
+          </a:effectLst>
+          <a:scene3d>
+            <a:camera prst="orthographicFront">
+              <a:rot lat="0" lon="0" rev="0"/>
+            </a:camera>
+            <a:lightRig rig="threePt" dir="t">
+              <a:rot lat="0" lon="0" rev="1200000"/>
+            </a:lightRig>
+          </a:scene3d>
+          <a:sp3d>
+            <a:bevelT w="63500" h="25400"/>
+          </a:sp3d>
+        </a:effectStyle>
+      </a:effectStyleLst>
+      <a:bgFillStyleLst>
+        <a:solidFill>
+          <a:schemeClr val="phClr"/>
+        </a:solidFill>
+        <a:gradFill rotWithShape="1">
+          <a:gsLst>
+            <a:gs pos="0">
+              <a:schemeClr val="phClr">
+                <a:tint val="40000"/>
+                <a:satMod val="350000"/>
+              </a:schemeClr>
+            </a:gs>
+            <a:gs pos="40000">
+              <a:schemeClr val="phClr">
+                <a:tint val="45000"/>
+                <a:shade val="99000"/>
+                <a:satMod val="350000"/>
+              </a:schemeClr>
+            </a:gs>
+            <a:gs pos="100000">
+              <a:schemeClr val="phClr">
+                <a:shade val="20000"/>
+                <a:satMod val="255000"/>
+              </a:schemeClr>
+            </a:gs>
+          </a:gsLst>
+          <a:path path="circle">
+            <a:fillToRect l="50000" t="-80000" r="50000" b="180000"/>
+          </a:path>
+        </a:gradFill>
+        <a:gradFill rotWithShape="1">
+          <a:gsLst>
+            <a:gs pos="0">
+              <a:schemeClr val="phClr">
+                <a:tint val="80000"/>
+                <a:satMod val="300000"/>
+              </a:schemeClr>
+            </a:gs>
+            <a:gs pos="100000">
+              <a:schemeClr val="phClr">
+                <a:shade val="30000"/>
+                <a:satMod val="200000"/>
+              </a:schemeClr>
+            </a:gs>
+          </a:gsLst>
+          <a:path path="circle">
+            <a:fillToRect l="50000" t="50000" r="50000" b="50000"/>
+          </a:path>
+        </a:gradFill>
+      </a:bgFillStyleLst>
+    </a:fmtScheme>
+  </a:themeElements>
+  <a:objectDefaults/>
+  <a:extraClrSchemeLst/>
+</a:theme>
+</file>
+
+<file path=ppt/theme/theme2.xml><?xml version="1.0" encoding="utf-8"?>
+<a:theme xmlns:a="http://schemas.openxmlformats.org/drawingml/2006/main">
   <a:themeElements>
     <a:clrScheme name="Default">
       <a:dk1>
@@ -9727,284 +9792,7 @@
       </a:bgFillStyleLst>
     </a:fmtScheme>
   </a:themeElements>
-</a:theme>
-</file>
-
-<file path=ppt/theme/theme2.xml><?xml version="1.0" encoding="utf-8"?>
-<a:theme xmlns:a="http://schemas.openxmlformats.org/drawingml/2006/main" xmlns:r="http://schemas.openxmlformats.org/officeDocument/2006/relationships" name="Simple Light">
-  <a:themeElements>
-    <a:clrScheme name="Simple Light">
-      <a:dk1>
-        <a:srgbClr val="000000"/>
-      </a:dk1>
-      <a:lt1>
-        <a:srgbClr val="FFFFFF"/>
-      </a:lt1>
-      <a:dk2>
-        <a:srgbClr val="595959"/>
-      </a:dk2>
-      <a:lt2>
-        <a:srgbClr val="EEEEEE"/>
-      </a:lt2>
-      <a:accent1>
-        <a:srgbClr val="4285F4"/>
-      </a:accent1>
-      <a:accent2>
-        <a:srgbClr val="212121"/>
-      </a:accent2>
-      <a:accent3>
-        <a:srgbClr val="78909C"/>
-      </a:accent3>
-      <a:accent4>
-        <a:srgbClr val="FFAB40"/>
-      </a:accent4>
-      <a:accent5>
-        <a:srgbClr val="0097A7"/>
-      </a:accent5>
-      <a:accent6>
-        <a:srgbClr val="EEFF41"/>
-      </a:accent6>
-      <a:hlink>
-        <a:srgbClr val="0097A7"/>
-      </a:hlink>
-      <a:folHlink>
-        <a:srgbClr val="0097A7"/>
-      </a:folHlink>
-    </a:clrScheme>
-    <a:fontScheme name="Office">
-      <a:majorFont>
-        <a:latin typeface="Arial"/>
-        <a:ea typeface=""/>
-        <a:cs typeface=""/>
-        <a:font script="Jpan" typeface="ＭＳ Ｐゴシック"/>
-        <a:font script="Hang" typeface="맑은 고딕"/>
-        <a:font script="Hans" typeface="宋体"/>
-        <a:font script="Hant" typeface="新細明體"/>
-        <a:font script="Arab" typeface="Times New Roman"/>
-        <a:font script="Hebr" typeface="Times New Roman"/>
-        <a:font script="Thai" typeface="Angsana New"/>
-        <a:font script="Ethi" typeface="Nyala"/>
-        <a:font script="Beng" typeface="Vrinda"/>
-        <a:font script="Gujr" typeface="Shruti"/>
-        <a:font script="Khmr" typeface="MoolBoran"/>
-        <a:font script="Knda" typeface="Tunga"/>
-        <a:font script="Guru" typeface="Raavi"/>
-        <a:font script="Cans" typeface="Euphemia"/>
-        <a:font script="Cher" typeface="Plantagenet Cherokee"/>
-        <a:font script="Yiii" typeface="Microsoft Yi Baiti"/>
-        <a:font script="Tibt" typeface="Microsoft Himalaya"/>
-        <a:font script="Thaa" typeface="MV Boli"/>
-        <a:font script="Deva" typeface="Mangal"/>
-        <a:font script="Telu" typeface="Gautami"/>
-        <a:font script="Taml" typeface="Latha"/>
-        <a:font script="Syrc" typeface="Estrangelo Edessa"/>
-        <a:font script="Orya" typeface="Kalinga"/>
-        <a:font script="Mlym" typeface="Kartika"/>
-        <a:font script="Laoo" typeface="DokChampa"/>
-        <a:font script="Sinh" typeface="Iskoola Pota"/>
-        <a:font script="Mong" typeface="Mongolian Baiti"/>
-        <a:font script="Viet" typeface="Times New Roman"/>
-        <a:font script="Uigh" typeface="Microsoft Uighur"/>
-        <a:font script="Geor" typeface="Sylfaen"/>
-      </a:majorFont>
-      <a:minorFont>
-        <a:latin typeface="Arial"/>
-        <a:ea typeface=""/>
-        <a:cs typeface=""/>
-        <a:font script="Jpan" typeface="ＭＳ Ｐゴシック"/>
-        <a:font script="Hang" typeface="맑은 고딕"/>
-        <a:font script="Hans" typeface="宋体"/>
-        <a:font script="Hant" typeface="新細明體"/>
-        <a:font script="Arab" typeface="Arial"/>
-        <a:font script="Hebr" typeface="Arial"/>
-        <a:font script="Thai" typeface="Cordia New"/>
-        <a:font script="Ethi" typeface="Nyala"/>
-        <a:font script="Beng" typeface="Vrinda"/>
-        <a:font script="Gujr" typeface="Shruti"/>
-        <a:font script="Khmr" typeface="DaunPenh"/>
-        <a:font script="Knda" typeface="Tunga"/>
-        <a:font script="Guru" typeface="Raavi"/>
-        <a:font script="Cans" typeface="Euphemia"/>
-        <a:font script="Cher" typeface="Plantagenet Cherokee"/>
-        <a:font script="Yiii" typeface="Microsoft Yi Baiti"/>
-        <a:font script="Tibt" typeface="Microsoft Himalaya"/>
-        <a:font script="Thaa" typeface="MV Boli"/>
-        <a:font script="Deva" typeface="Mangal"/>
-        <a:font script="Telu" typeface="Gautami"/>
-        <a:font script="Taml" typeface="Latha"/>
-        <a:font script="Syrc" typeface="Estrangelo Edessa"/>
-        <a:font script="Orya" typeface="Kalinga"/>
-        <a:font script="Mlym" typeface="Kartika"/>
-        <a:font script="Laoo" typeface="DokChampa"/>
-        <a:font script="Sinh" typeface="Iskoola Pota"/>
-        <a:font script="Mong" typeface="Mongolian Baiti"/>
-        <a:font script="Viet" typeface="Arial"/>
-        <a:font script="Uigh" typeface="Microsoft Uighur"/>
-        <a:font script="Geor" typeface="Sylfaen"/>
-      </a:minorFont>
-    </a:fontScheme>
-    <a:fmtScheme name="Office">
-      <a:fillStyleLst>
-        <a:solidFill>
-          <a:schemeClr val="phClr"/>
-        </a:solidFill>
-        <a:gradFill rotWithShape="1">
-          <a:gsLst>
-            <a:gs pos="0">
-              <a:schemeClr val="phClr">
-                <a:tint val="50000"/>
-                <a:satMod val="300000"/>
-              </a:schemeClr>
-            </a:gs>
-            <a:gs pos="35000">
-              <a:schemeClr val="phClr">
-                <a:tint val="37000"/>
-                <a:satMod val="300000"/>
-              </a:schemeClr>
-            </a:gs>
-            <a:gs pos="100000">
-              <a:schemeClr val="phClr">
-                <a:tint val="15000"/>
-                <a:satMod val="350000"/>
-              </a:schemeClr>
-            </a:gs>
-          </a:gsLst>
-          <a:lin ang="16200000" scaled="1"/>
-        </a:gradFill>
-        <a:gradFill rotWithShape="1">
-          <a:gsLst>
-            <a:gs pos="0">
-              <a:schemeClr val="phClr">
-                <a:tint val="100000"/>
-                <a:shade val="100000"/>
-                <a:satMod val="130000"/>
-              </a:schemeClr>
-            </a:gs>
-            <a:gs pos="100000">
-              <a:schemeClr val="phClr">
-                <a:tint val="50000"/>
-                <a:shade val="100000"/>
-                <a:satMod val="350000"/>
-              </a:schemeClr>
-            </a:gs>
-          </a:gsLst>
-          <a:lin ang="16200000" scaled="0"/>
-        </a:gradFill>
-      </a:fillStyleLst>
-      <a:lnStyleLst>
-        <a:ln w="9525" cap="flat" cmpd="sng" algn="ctr">
-          <a:solidFill>
-            <a:schemeClr val="phClr">
-              <a:shade val="95000"/>
-              <a:satMod val="105000"/>
-            </a:schemeClr>
-          </a:solidFill>
-          <a:prstDash val="solid"/>
-        </a:ln>
-        <a:ln w="25400" cap="flat" cmpd="sng" algn="ctr">
-          <a:solidFill>
-            <a:schemeClr val="phClr"/>
-          </a:solidFill>
-          <a:prstDash val="solid"/>
-        </a:ln>
-        <a:ln w="38100" cap="flat" cmpd="sng" algn="ctr">
-          <a:solidFill>
-            <a:schemeClr val="phClr"/>
-          </a:solidFill>
-          <a:prstDash val="solid"/>
-        </a:ln>
-      </a:lnStyleLst>
-      <a:effectStyleLst>
-        <a:effectStyle>
-          <a:effectLst>
-            <a:outerShdw blurRad="40000" dist="20000" dir="5400000" rotWithShape="0">
-              <a:srgbClr val="000000">
-                <a:alpha val="38000"/>
-              </a:srgbClr>
-            </a:outerShdw>
-          </a:effectLst>
-        </a:effectStyle>
-        <a:effectStyle>
-          <a:effectLst>
-            <a:outerShdw blurRad="40000" dist="23000" dir="5400000" rotWithShape="0">
-              <a:srgbClr val="000000">
-                <a:alpha val="35000"/>
-              </a:srgbClr>
-            </a:outerShdw>
-          </a:effectLst>
-        </a:effectStyle>
-        <a:effectStyle>
-          <a:effectLst>
-            <a:outerShdw blurRad="40000" dist="23000" dir="5400000" rotWithShape="0">
-              <a:srgbClr val="000000">
-                <a:alpha val="35000"/>
-              </a:srgbClr>
-            </a:outerShdw>
-          </a:effectLst>
-          <a:scene3d>
-            <a:camera prst="orthographicFront">
-              <a:rot lat="0" lon="0" rev="0"/>
-            </a:camera>
-            <a:lightRig rig="threePt" dir="t">
-              <a:rot lat="0" lon="0" rev="1200000"/>
-            </a:lightRig>
-          </a:scene3d>
-          <a:sp3d>
-            <a:bevelT w="63500" h="25400"/>
-          </a:sp3d>
-        </a:effectStyle>
-      </a:effectStyleLst>
-      <a:bgFillStyleLst>
-        <a:solidFill>
-          <a:schemeClr val="phClr"/>
-        </a:solidFill>
-        <a:gradFill rotWithShape="1">
-          <a:gsLst>
-            <a:gs pos="0">
-              <a:schemeClr val="phClr">
-                <a:tint val="40000"/>
-                <a:satMod val="350000"/>
-              </a:schemeClr>
-            </a:gs>
-            <a:gs pos="40000">
-              <a:schemeClr val="phClr">
-                <a:tint val="45000"/>
-                <a:shade val="99000"/>
-                <a:satMod val="350000"/>
-              </a:schemeClr>
-            </a:gs>
-            <a:gs pos="100000">
-              <a:schemeClr val="phClr">
-                <a:shade val="20000"/>
-                <a:satMod val="255000"/>
-              </a:schemeClr>
-            </a:gs>
-          </a:gsLst>
-          <a:path path="circle">
-            <a:fillToRect l="50000" t="-80000" r="50000" b="180000"/>
-          </a:path>
-        </a:gradFill>
-        <a:gradFill rotWithShape="1">
-          <a:gsLst>
-            <a:gs pos="0">
-              <a:schemeClr val="phClr">
-                <a:tint val="80000"/>
-                <a:satMod val="300000"/>
-              </a:schemeClr>
-            </a:gs>
-            <a:gs pos="100000">
-              <a:schemeClr val="phClr">
-                <a:shade val="30000"/>
-                <a:satMod val="200000"/>
-              </a:schemeClr>
-            </a:gs>
-          </a:gsLst>
-          <a:path path="circle">
-            <a:fillToRect l="50000" t="50000" r="50000" b="50000"/>
-          </a:path>
-        </a:gradFill>
-      </a:bgFillStyleLst>
-    </a:fmtScheme>
-  </a:themeElements>
+  <a:objectDefaults/>
+  <a:extraClrSchemeLst/>
 </a:theme>
 </file>